--- a/ステージ構成案.pptx
+++ b/ステージ構成案.pptx
@@ -2,14 +2,20 @@
 <file path=ppt/presentation.xml><?xml version="1.0" encoding="utf-8"?>
 <p:presentation xmlns:a="http://schemas.openxmlformats.org/drawingml/2006/main" xmlns:r="http://schemas.openxmlformats.org/officeDocument/2006/relationships" xmlns:p="http://schemas.openxmlformats.org/presentationml/2006/main" saveSubsetFonts="1">
   <p:sldMasterIdLst>
-    <p:sldMasterId id="2147483648" r:id="rId1"/>
+    <p:sldMasterId id="2147483672" r:id="rId1"/>
   </p:sldMasterIdLst>
   <p:sldIdLst>
     <p:sldId id="261" r:id="rId2"/>
     <p:sldId id="259" r:id="rId3"/>
-    <p:sldId id="257" r:id="rId4"/>
-    <p:sldId id="258" r:id="rId5"/>
-    <p:sldId id="260" r:id="rId6"/>
+    <p:sldId id="262" r:id="rId4"/>
+    <p:sldId id="263" r:id="rId5"/>
+    <p:sldId id="264" r:id="rId6"/>
+    <p:sldId id="257" r:id="rId7"/>
+    <p:sldId id="258" r:id="rId8"/>
+    <p:sldId id="266" r:id="rId9"/>
+    <p:sldId id="267" r:id="rId10"/>
+    <p:sldId id="268" r:id="rId11"/>
+    <p:sldId id="260" r:id="rId12"/>
   </p:sldIdLst>
   <p:sldSz cx="12192000" cy="6858000"/>
   <p:notesSz cx="6858000" cy="9144000"/>
@@ -108,6 +114,11 @@
       </a:defRPr>
     </a:lvl9pPr>
   </p:defaultTextStyle>
+  <p:extLst>
+    <p:ext uri="{EFAFB233-063F-42B5-8137-9DF3F51BA10A}">
+      <p15:sldGuideLst xmlns:p15="http://schemas.microsoft.com/office/powerpoint/2012/main"/>
+    </p:ext>
+  </p:extLst>
 </p:presentation>
 </file>
 
@@ -130,7 +141,7 @@
       </p:grpSpPr>
       <p:sp>
         <p:nvSpPr>
-          <p:cNvPr id="2" name="タイトル 1"/>
+          <p:cNvPr id="2" name="Title 1"/>
           <p:cNvSpPr>
             <a:spLocks noGrp="1"/>
           </p:cNvSpPr>
@@ -153,16 +164,16 @@
           </a:lstStyle>
           <a:p>
             <a:r>
-              <a:rPr kumimoji="1" lang="ja-JP" altLang="en-US" smtClean="0"/>
+              <a:rPr lang="ja-JP" altLang="en-US" smtClean="0"/>
               <a:t>マスター タイトルの書式設定</a:t>
             </a:r>
-            <a:endParaRPr kumimoji="1" lang="ja-JP" altLang="en-US"/>
-          </a:p>
-        </p:txBody>
-      </p:sp>
-      <p:sp>
-        <p:nvSpPr>
-          <p:cNvPr id="3" name="サブタイトル 2"/>
+            <a:endParaRPr lang="en-US" dirty="0"/>
+          </a:p>
+        </p:txBody>
+      </p:sp>
+      <p:sp>
+        <p:nvSpPr>
+          <p:cNvPr id="3" name="Subtitle 2"/>
           <p:cNvSpPr>
             <a:spLocks noGrp="1"/>
           </p:cNvSpPr>
@@ -218,16 +229,16 @@
           </a:lstStyle>
           <a:p>
             <a:r>
-              <a:rPr kumimoji="1" lang="ja-JP" altLang="en-US" smtClean="0"/>
+              <a:rPr lang="ja-JP" altLang="en-US" smtClean="0"/>
               <a:t>マスター サブタイトルの書式設定</a:t>
             </a:r>
-            <a:endParaRPr kumimoji="1" lang="ja-JP" altLang="en-US"/>
-          </a:p>
-        </p:txBody>
-      </p:sp>
-      <p:sp>
-        <p:nvSpPr>
-          <p:cNvPr id="4" name="日付プレースホルダー 3"/>
+            <a:endParaRPr lang="en-US" dirty="0"/>
+          </a:p>
+        </p:txBody>
+      </p:sp>
+      <p:sp>
+        <p:nvSpPr>
+          <p:cNvPr id="4" name="Date Placeholder 3"/>
           <p:cNvSpPr>
             <a:spLocks noGrp="1"/>
           </p:cNvSpPr>
@@ -250,7 +261,7 @@
       </p:sp>
       <p:sp>
         <p:nvSpPr>
-          <p:cNvPr id="5" name="フッター プレースホルダー 4"/>
+          <p:cNvPr id="5" name="Footer Placeholder 4"/>
           <p:cNvSpPr>
             <a:spLocks noGrp="1"/>
           </p:cNvSpPr>
@@ -269,7 +280,7 @@
       </p:sp>
       <p:sp>
         <p:nvSpPr>
-          <p:cNvPr id="6" name="スライド番号プレースホルダー 5"/>
+          <p:cNvPr id="6" name="Slide Number Placeholder 5"/>
           <p:cNvSpPr>
             <a:spLocks noGrp="1"/>
           </p:cNvSpPr>
@@ -293,7 +304,7 @@
     </p:spTree>
     <p:extLst>
       <p:ext uri="{BB962C8B-B14F-4D97-AF65-F5344CB8AC3E}">
-        <p14:creationId xmlns:p14="http://schemas.microsoft.com/office/powerpoint/2010/main" val="539301216"/>
+        <p14:creationId xmlns:p14="http://schemas.microsoft.com/office/powerpoint/2010/main" val="1373189319"/>
       </p:ext>
     </p:extLst>
   </p:cSld>
@@ -322,7 +333,7 @@
       </p:grpSpPr>
       <p:sp>
         <p:nvSpPr>
-          <p:cNvPr id="2" name="タイトル 1"/>
+          <p:cNvPr id="2" name="Title 1"/>
           <p:cNvSpPr>
             <a:spLocks noGrp="1"/>
           </p:cNvSpPr>
@@ -336,16 +347,16 @@
           <a:lstStyle/>
           <a:p>
             <a:r>
-              <a:rPr kumimoji="1" lang="ja-JP" altLang="en-US" smtClean="0"/>
+              <a:rPr lang="ja-JP" altLang="en-US" smtClean="0"/>
               <a:t>マスター タイトルの書式設定</a:t>
             </a:r>
-            <a:endParaRPr kumimoji="1" lang="ja-JP" altLang="en-US"/>
-          </a:p>
-        </p:txBody>
-      </p:sp>
-      <p:sp>
-        <p:nvSpPr>
-          <p:cNvPr id="3" name="縦書きテキスト プレースホルダー 2"/>
+            <a:endParaRPr lang="en-US" dirty="0"/>
+          </a:p>
+        </p:txBody>
+      </p:sp>
+      <p:sp>
+        <p:nvSpPr>
+          <p:cNvPr id="3" name="Vertical Text Placeholder 2"/>
           <p:cNvSpPr>
             <a:spLocks noGrp="1"/>
           </p:cNvSpPr>
@@ -360,76 +371,76 @@
           <a:p>
             <a:pPr lvl="0"/>
             <a:r>
-              <a:rPr kumimoji="1" lang="ja-JP" altLang="en-US" smtClean="0"/>
+              <a:rPr lang="ja-JP" altLang="en-US" smtClean="0"/>
               <a:t>マスター テキストの書式設定</a:t>
             </a:r>
           </a:p>
           <a:p>
             <a:pPr lvl="1"/>
             <a:r>
-              <a:rPr kumimoji="1" lang="ja-JP" altLang="en-US" smtClean="0"/>
+              <a:rPr lang="ja-JP" altLang="en-US" smtClean="0"/>
               <a:t>第 </a:t>
             </a:r>
             <a:r>
-              <a:rPr kumimoji="1" lang="en-US" altLang="ja-JP" smtClean="0"/>
+              <a:rPr lang="en-US" altLang="ja-JP" smtClean="0"/>
               <a:t>2 </a:t>
             </a:r>
             <a:r>
-              <a:rPr kumimoji="1" lang="ja-JP" altLang="en-US" smtClean="0"/>
+              <a:rPr lang="ja-JP" altLang="en-US" smtClean="0"/>
               <a:t>レベル</a:t>
             </a:r>
           </a:p>
           <a:p>
             <a:pPr lvl="2"/>
             <a:r>
-              <a:rPr kumimoji="1" lang="ja-JP" altLang="en-US" smtClean="0"/>
+              <a:rPr lang="ja-JP" altLang="en-US" smtClean="0"/>
               <a:t>第 </a:t>
             </a:r>
             <a:r>
-              <a:rPr kumimoji="1" lang="en-US" altLang="ja-JP" smtClean="0"/>
+              <a:rPr lang="en-US" altLang="ja-JP" smtClean="0"/>
               <a:t>3 </a:t>
             </a:r>
             <a:r>
-              <a:rPr kumimoji="1" lang="ja-JP" altLang="en-US" smtClean="0"/>
+              <a:rPr lang="ja-JP" altLang="en-US" smtClean="0"/>
               <a:t>レベル</a:t>
             </a:r>
           </a:p>
           <a:p>
             <a:pPr lvl="3"/>
             <a:r>
-              <a:rPr kumimoji="1" lang="ja-JP" altLang="en-US" smtClean="0"/>
+              <a:rPr lang="ja-JP" altLang="en-US" smtClean="0"/>
               <a:t>第 </a:t>
             </a:r>
             <a:r>
-              <a:rPr kumimoji="1" lang="en-US" altLang="ja-JP" smtClean="0"/>
+              <a:rPr lang="en-US" altLang="ja-JP" smtClean="0"/>
               <a:t>4 </a:t>
             </a:r>
             <a:r>
-              <a:rPr kumimoji="1" lang="ja-JP" altLang="en-US" smtClean="0"/>
+              <a:rPr lang="ja-JP" altLang="en-US" smtClean="0"/>
               <a:t>レベル</a:t>
             </a:r>
           </a:p>
           <a:p>
             <a:pPr lvl="4"/>
             <a:r>
-              <a:rPr kumimoji="1" lang="ja-JP" altLang="en-US" smtClean="0"/>
+              <a:rPr lang="ja-JP" altLang="en-US" smtClean="0"/>
               <a:t>第 </a:t>
             </a:r>
             <a:r>
-              <a:rPr kumimoji="1" lang="en-US" altLang="ja-JP" smtClean="0"/>
+              <a:rPr lang="en-US" altLang="ja-JP" smtClean="0"/>
               <a:t>5 </a:t>
             </a:r>
             <a:r>
-              <a:rPr kumimoji="1" lang="ja-JP" altLang="en-US" smtClean="0"/>
+              <a:rPr lang="ja-JP" altLang="en-US" smtClean="0"/>
               <a:t>レベル</a:t>
             </a:r>
-            <a:endParaRPr kumimoji="1" lang="ja-JP" altLang="en-US"/>
-          </a:p>
-        </p:txBody>
-      </p:sp>
-      <p:sp>
-        <p:nvSpPr>
-          <p:cNvPr id="4" name="日付プレースホルダー 3"/>
+            <a:endParaRPr lang="en-US" dirty="0"/>
+          </a:p>
+        </p:txBody>
+      </p:sp>
+      <p:sp>
+        <p:nvSpPr>
+          <p:cNvPr id="4" name="Date Placeholder 3"/>
           <p:cNvSpPr>
             <a:spLocks noGrp="1"/>
           </p:cNvSpPr>
@@ -452,7 +463,7 @@
       </p:sp>
       <p:sp>
         <p:nvSpPr>
-          <p:cNvPr id="5" name="フッター プレースホルダー 4"/>
+          <p:cNvPr id="5" name="Footer Placeholder 4"/>
           <p:cNvSpPr>
             <a:spLocks noGrp="1"/>
           </p:cNvSpPr>
@@ -471,7 +482,7 @@
       </p:sp>
       <p:sp>
         <p:nvSpPr>
-          <p:cNvPr id="6" name="スライド番号プレースホルダー 5"/>
+          <p:cNvPr id="6" name="Slide Number Placeholder 5"/>
           <p:cNvSpPr>
             <a:spLocks noGrp="1"/>
           </p:cNvSpPr>
@@ -495,7 +506,7 @@
     </p:spTree>
     <p:extLst>
       <p:ext uri="{BB962C8B-B14F-4D97-AF65-F5344CB8AC3E}">
-        <p14:creationId xmlns:p14="http://schemas.microsoft.com/office/powerpoint/2010/main" val="4227427103"/>
+        <p14:creationId xmlns:p14="http://schemas.microsoft.com/office/powerpoint/2010/main" val="552261309"/>
       </p:ext>
     </p:extLst>
   </p:cSld>
@@ -524,7 +535,7 @@
       </p:grpSpPr>
       <p:sp>
         <p:nvSpPr>
-          <p:cNvPr id="2" name="縦書きタイトル 1"/>
+          <p:cNvPr id="2" name="Vertical Title 1"/>
           <p:cNvSpPr>
             <a:spLocks noGrp="1"/>
           </p:cNvSpPr>
@@ -543,16 +554,16 @@
           <a:lstStyle/>
           <a:p>
             <a:r>
-              <a:rPr kumimoji="1" lang="ja-JP" altLang="en-US" smtClean="0"/>
+              <a:rPr lang="ja-JP" altLang="en-US" smtClean="0"/>
               <a:t>マスター タイトルの書式設定</a:t>
             </a:r>
-            <a:endParaRPr kumimoji="1" lang="ja-JP" altLang="en-US"/>
-          </a:p>
-        </p:txBody>
-      </p:sp>
-      <p:sp>
-        <p:nvSpPr>
-          <p:cNvPr id="3" name="縦書きテキスト プレースホルダー 2"/>
+            <a:endParaRPr lang="en-US" dirty="0"/>
+          </a:p>
+        </p:txBody>
+      </p:sp>
+      <p:sp>
+        <p:nvSpPr>
+          <p:cNvPr id="3" name="Vertical Text Placeholder 2"/>
           <p:cNvSpPr>
             <a:spLocks noGrp="1"/>
           </p:cNvSpPr>
@@ -572,76 +583,76 @@
           <a:p>
             <a:pPr lvl="0"/>
             <a:r>
-              <a:rPr kumimoji="1" lang="ja-JP" altLang="en-US" smtClean="0"/>
+              <a:rPr lang="ja-JP" altLang="en-US" smtClean="0"/>
               <a:t>マスター テキストの書式設定</a:t>
             </a:r>
           </a:p>
           <a:p>
             <a:pPr lvl="1"/>
             <a:r>
-              <a:rPr kumimoji="1" lang="ja-JP" altLang="en-US" smtClean="0"/>
+              <a:rPr lang="ja-JP" altLang="en-US" smtClean="0"/>
               <a:t>第 </a:t>
             </a:r>
             <a:r>
-              <a:rPr kumimoji="1" lang="en-US" altLang="ja-JP" smtClean="0"/>
+              <a:rPr lang="en-US" altLang="ja-JP" smtClean="0"/>
               <a:t>2 </a:t>
             </a:r>
             <a:r>
-              <a:rPr kumimoji="1" lang="ja-JP" altLang="en-US" smtClean="0"/>
+              <a:rPr lang="ja-JP" altLang="en-US" smtClean="0"/>
               <a:t>レベル</a:t>
             </a:r>
           </a:p>
           <a:p>
             <a:pPr lvl="2"/>
             <a:r>
-              <a:rPr kumimoji="1" lang="ja-JP" altLang="en-US" smtClean="0"/>
+              <a:rPr lang="ja-JP" altLang="en-US" smtClean="0"/>
               <a:t>第 </a:t>
             </a:r>
             <a:r>
-              <a:rPr kumimoji="1" lang="en-US" altLang="ja-JP" smtClean="0"/>
+              <a:rPr lang="en-US" altLang="ja-JP" smtClean="0"/>
               <a:t>3 </a:t>
             </a:r>
             <a:r>
-              <a:rPr kumimoji="1" lang="ja-JP" altLang="en-US" smtClean="0"/>
+              <a:rPr lang="ja-JP" altLang="en-US" smtClean="0"/>
               <a:t>レベル</a:t>
             </a:r>
           </a:p>
           <a:p>
             <a:pPr lvl="3"/>
             <a:r>
-              <a:rPr kumimoji="1" lang="ja-JP" altLang="en-US" smtClean="0"/>
+              <a:rPr lang="ja-JP" altLang="en-US" smtClean="0"/>
               <a:t>第 </a:t>
             </a:r>
             <a:r>
-              <a:rPr kumimoji="1" lang="en-US" altLang="ja-JP" smtClean="0"/>
+              <a:rPr lang="en-US" altLang="ja-JP" smtClean="0"/>
               <a:t>4 </a:t>
             </a:r>
             <a:r>
-              <a:rPr kumimoji="1" lang="ja-JP" altLang="en-US" smtClean="0"/>
+              <a:rPr lang="ja-JP" altLang="en-US" smtClean="0"/>
               <a:t>レベル</a:t>
             </a:r>
           </a:p>
           <a:p>
             <a:pPr lvl="4"/>
             <a:r>
-              <a:rPr kumimoji="1" lang="ja-JP" altLang="en-US" smtClean="0"/>
+              <a:rPr lang="ja-JP" altLang="en-US" smtClean="0"/>
               <a:t>第 </a:t>
             </a:r>
             <a:r>
-              <a:rPr kumimoji="1" lang="en-US" altLang="ja-JP" smtClean="0"/>
+              <a:rPr lang="en-US" altLang="ja-JP" smtClean="0"/>
               <a:t>5 </a:t>
             </a:r>
             <a:r>
-              <a:rPr kumimoji="1" lang="ja-JP" altLang="en-US" smtClean="0"/>
+              <a:rPr lang="ja-JP" altLang="en-US" smtClean="0"/>
               <a:t>レベル</a:t>
             </a:r>
-            <a:endParaRPr kumimoji="1" lang="ja-JP" altLang="en-US"/>
-          </a:p>
-        </p:txBody>
-      </p:sp>
-      <p:sp>
-        <p:nvSpPr>
-          <p:cNvPr id="4" name="日付プレースホルダー 3"/>
+            <a:endParaRPr lang="en-US" dirty="0"/>
+          </a:p>
+        </p:txBody>
+      </p:sp>
+      <p:sp>
+        <p:nvSpPr>
+          <p:cNvPr id="4" name="Date Placeholder 3"/>
           <p:cNvSpPr>
             <a:spLocks noGrp="1"/>
           </p:cNvSpPr>
@@ -664,7 +675,7 @@
       </p:sp>
       <p:sp>
         <p:nvSpPr>
-          <p:cNvPr id="5" name="フッター プレースホルダー 4"/>
+          <p:cNvPr id="5" name="Footer Placeholder 4"/>
           <p:cNvSpPr>
             <a:spLocks noGrp="1"/>
           </p:cNvSpPr>
@@ -683,7 +694,7 @@
       </p:sp>
       <p:sp>
         <p:nvSpPr>
-          <p:cNvPr id="6" name="スライド番号プレースホルダー 5"/>
+          <p:cNvPr id="6" name="Slide Number Placeholder 5"/>
           <p:cNvSpPr>
             <a:spLocks noGrp="1"/>
           </p:cNvSpPr>
@@ -707,7 +718,7 @@
     </p:spTree>
     <p:extLst>
       <p:ext uri="{BB962C8B-B14F-4D97-AF65-F5344CB8AC3E}">
-        <p14:creationId xmlns:p14="http://schemas.microsoft.com/office/powerpoint/2010/main" val="779589863"/>
+        <p14:creationId xmlns:p14="http://schemas.microsoft.com/office/powerpoint/2010/main" val="2892973598"/>
       </p:ext>
     </p:extLst>
   </p:cSld>
@@ -736,7 +747,7 @@
       </p:grpSpPr>
       <p:sp>
         <p:nvSpPr>
-          <p:cNvPr id="2" name="タイトル 1"/>
+          <p:cNvPr id="2" name="Title 1"/>
           <p:cNvSpPr>
             <a:spLocks noGrp="1"/>
           </p:cNvSpPr>
@@ -750,16 +761,16 @@
           <a:lstStyle/>
           <a:p>
             <a:r>
-              <a:rPr kumimoji="1" lang="ja-JP" altLang="en-US" smtClean="0"/>
+              <a:rPr lang="ja-JP" altLang="en-US" smtClean="0"/>
               <a:t>マスター タイトルの書式設定</a:t>
             </a:r>
-            <a:endParaRPr kumimoji="1" lang="ja-JP" altLang="en-US"/>
-          </a:p>
-        </p:txBody>
-      </p:sp>
-      <p:sp>
-        <p:nvSpPr>
-          <p:cNvPr id="3" name="コンテンツ プレースホルダー 2"/>
+            <a:endParaRPr lang="en-US" dirty="0"/>
+          </a:p>
+        </p:txBody>
+      </p:sp>
+      <p:sp>
+        <p:nvSpPr>
+          <p:cNvPr id="3" name="Content Placeholder 2"/>
           <p:cNvSpPr>
             <a:spLocks noGrp="1"/>
           </p:cNvSpPr>
@@ -774,76 +785,76 @@
           <a:p>
             <a:pPr lvl="0"/>
             <a:r>
-              <a:rPr kumimoji="1" lang="ja-JP" altLang="en-US" smtClean="0"/>
+              <a:rPr lang="ja-JP" altLang="en-US" smtClean="0"/>
               <a:t>マスター テキストの書式設定</a:t>
             </a:r>
           </a:p>
           <a:p>
             <a:pPr lvl="1"/>
             <a:r>
-              <a:rPr kumimoji="1" lang="ja-JP" altLang="en-US" smtClean="0"/>
+              <a:rPr lang="ja-JP" altLang="en-US" smtClean="0"/>
               <a:t>第 </a:t>
             </a:r>
             <a:r>
-              <a:rPr kumimoji="1" lang="en-US" altLang="ja-JP" smtClean="0"/>
+              <a:rPr lang="en-US" altLang="ja-JP" smtClean="0"/>
               <a:t>2 </a:t>
             </a:r>
             <a:r>
-              <a:rPr kumimoji="1" lang="ja-JP" altLang="en-US" smtClean="0"/>
+              <a:rPr lang="ja-JP" altLang="en-US" smtClean="0"/>
               <a:t>レベル</a:t>
             </a:r>
           </a:p>
           <a:p>
             <a:pPr lvl="2"/>
             <a:r>
-              <a:rPr kumimoji="1" lang="ja-JP" altLang="en-US" smtClean="0"/>
+              <a:rPr lang="ja-JP" altLang="en-US" smtClean="0"/>
               <a:t>第 </a:t>
             </a:r>
             <a:r>
-              <a:rPr kumimoji="1" lang="en-US" altLang="ja-JP" smtClean="0"/>
+              <a:rPr lang="en-US" altLang="ja-JP" smtClean="0"/>
               <a:t>3 </a:t>
             </a:r>
             <a:r>
-              <a:rPr kumimoji="1" lang="ja-JP" altLang="en-US" smtClean="0"/>
+              <a:rPr lang="ja-JP" altLang="en-US" smtClean="0"/>
               <a:t>レベル</a:t>
             </a:r>
           </a:p>
           <a:p>
             <a:pPr lvl="3"/>
             <a:r>
-              <a:rPr kumimoji="1" lang="ja-JP" altLang="en-US" smtClean="0"/>
+              <a:rPr lang="ja-JP" altLang="en-US" smtClean="0"/>
               <a:t>第 </a:t>
             </a:r>
             <a:r>
-              <a:rPr kumimoji="1" lang="en-US" altLang="ja-JP" smtClean="0"/>
+              <a:rPr lang="en-US" altLang="ja-JP" smtClean="0"/>
               <a:t>4 </a:t>
             </a:r>
             <a:r>
-              <a:rPr kumimoji="1" lang="ja-JP" altLang="en-US" smtClean="0"/>
+              <a:rPr lang="ja-JP" altLang="en-US" smtClean="0"/>
               <a:t>レベル</a:t>
             </a:r>
           </a:p>
           <a:p>
             <a:pPr lvl="4"/>
             <a:r>
-              <a:rPr kumimoji="1" lang="ja-JP" altLang="en-US" smtClean="0"/>
+              <a:rPr lang="ja-JP" altLang="en-US" smtClean="0"/>
               <a:t>第 </a:t>
             </a:r>
             <a:r>
-              <a:rPr kumimoji="1" lang="en-US" altLang="ja-JP" smtClean="0"/>
+              <a:rPr lang="en-US" altLang="ja-JP" smtClean="0"/>
               <a:t>5 </a:t>
             </a:r>
             <a:r>
-              <a:rPr kumimoji="1" lang="ja-JP" altLang="en-US" smtClean="0"/>
+              <a:rPr lang="ja-JP" altLang="en-US" smtClean="0"/>
               <a:t>レベル</a:t>
             </a:r>
-            <a:endParaRPr kumimoji="1" lang="ja-JP" altLang="en-US"/>
-          </a:p>
-        </p:txBody>
-      </p:sp>
-      <p:sp>
-        <p:nvSpPr>
-          <p:cNvPr id="4" name="日付プレースホルダー 3"/>
+            <a:endParaRPr lang="en-US" dirty="0"/>
+          </a:p>
+        </p:txBody>
+      </p:sp>
+      <p:sp>
+        <p:nvSpPr>
+          <p:cNvPr id="4" name="Date Placeholder 3"/>
           <p:cNvSpPr>
             <a:spLocks noGrp="1"/>
           </p:cNvSpPr>
@@ -866,7 +877,7 @@
       </p:sp>
       <p:sp>
         <p:nvSpPr>
-          <p:cNvPr id="5" name="フッター プレースホルダー 4"/>
+          <p:cNvPr id="5" name="Footer Placeholder 4"/>
           <p:cNvSpPr>
             <a:spLocks noGrp="1"/>
           </p:cNvSpPr>
@@ -885,7 +896,7 @@
       </p:sp>
       <p:sp>
         <p:nvSpPr>
-          <p:cNvPr id="6" name="スライド番号プレースホルダー 5"/>
+          <p:cNvPr id="6" name="Slide Number Placeholder 5"/>
           <p:cNvSpPr>
             <a:spLocks noGrp="1"/>
           </p:cNvSpPr>
@@ -909,7 +920,7 @@
     </p:spTree>
     <p:extLst>
       <p:ext uri="{BB962C8B-B14F-4D97-AF65-F5344CB8AC3E}">
-        <p14:creationId xmlns:p14="http://schemas.microsoft.com/office/powerpoint/2010/main" val="128835282"/>
+        <p14:creationId xmlns:p14="http://schemas.microsoft.com/office/powerpoint/2010/main" val="3339254064"/>
       </p:ext>
     </p:extLst>
   </p:cSld>
@@ -938,7 +949,7 @@
       </p:grpSpPr>
       <p:sp>
         <p:nvSpPr>
-          <p:cNvPr id="2" name="タイトル 1"/>
+          <p:cNvPr id="2" name="Title 1"/>
           <p:cNvSpPr>
             <a:spLocks noGrp="1"/>
           </p:cNvSpPr>
@@ -961,16 +972,16 @@
           </a:lstStyle>
           <a:p>
             <a:r>
-              <a:rPr kumimoji="1" lang="ja-JP" altLang="en-US" smtClean="0"/>
+              <a:rPr lang="ja-JP" altLang="en-US" smtClean="0"/>
               <a:t>マスター タイトルの書式設定</a:t>
             </a:r>
-            <a:endParaRPr kumimoji="1" lang="ja-JP" altLang="en-US"/>
-          </a:p>
-        </p:txBody>
-      </p:sp>
-      <p:sp>
-        <p:nvSpPr>
-          <p:cNvPr id="3" name="テキスト プレースホルダー 2"/>
+            <a:endParaRPr lang="en-US" dirty="0"/>
+          </a:p>
+        </p:txBody>
+      </p:sp>
+      <p:sp>
+        <p:nvSpPr>
+          <p:cNvPr id="3" name="Text Placeholder 2"/>
           <p:cNvSpPr>
             <a:spLocks noGrp="1"/>
           </p:cNvSpPr>
@@ -1081,7 +1092,7 @@
           <a:p>
             <a:pPr lvl="0"/>
             <a:r>
-              <a:rPr kumimoji="1" lang="ja-JP" altLang="en-US" smtClean="0"/>
+              <a:rPr lang="ja-JP" altLang="en-US" smtClean="0"/>
               <a:t>マスター テキストの書式設定</a:t>
             </a:r>
           </a:p>
@@ -1089,7 +1100,7 @@
       </p:sp>
       <p:sp>
         <p:nvSpPr>
-          <p:cNvPr id="4" name="日付プレースホルダー 3"/>
+          <p:cNvPr id="4" name="Date Placeholder 3"/>
           <p:cNvSpPr>
             <a:spLocks noGrp="1"/>
           </p:cNvSpPr>
@@ -1112,7 +1123,7 @@
       </p:sp>
       <p:sp>
         <p:nvSpPr>
-          <p:cNvPr id="5" name="フッター プレースホルダー 4"/>
+          <p:cNvPr id="5" name="Footer Placeholder 4"/>
           <p:cNvSpPr>
             <a:spLocks noGrp="1"/>
           </p:cNvSpPr>
@@ -1131,7 +1142,7 @@
       </p:sp>
       <p:sp>
         <p:nvSpPr>
-          <p:cNvPr id="6" name="スライド番号プレースホルダー 5"/>
+          <p:cNvPr id="6" name="Slide Number Placeholder 5"/>
           <p:cNvSpPr>
             <a:spLocks noGrp="1"/>
           </p:cNvSpPr>
@@ -1155,7 +1166,7 @@
     </p:spTree>
     <p:extLst>
       <p:ext uri="{BB962C8B-B14F-4D97-AF65-F5344CB8AC3E}">
-        <p14:creationId xmlns:p14="http://schemas.microsoft.com/office/powerpoint/2010/main" val="1281729829"/>
+        <p14:creationId xmlns:p14="http://schemas.microsoft.com/office/powerpoint/2010/main" val="3611916464"/>
       </p:ext>
     </p:extLst>
   </p:cSld>
@@ -1184,7 +1195,7 @@
       </p:grpSpPr>
       <p:sp>
         <p:nvSpPr>
-          <p:cNvPr id="2" name="タイトル 1"/>
+          <p:cNvPr id="2" name="Title 1"/>
           <p:cNvSpPr>
             <a:spLocks noGrp="1"/>
           </p:cNvSpPr>
@@ -1198,16 +1209,16 @@
           <a:lstStyle/>
           <a:p>
             <a:r>
-              <a:rPr kumimoji="1" lang="ja-JP" altLang="en-US" smtClean="0"/>
+              <a:rPr lang="ja-JP" altLang="en-US" smtClean="0"/>
               <a:t>マスター タイトルの書式設定</a:t>
             </a:r>
-            <a:endParaRPr kumimoji="1" lang="ja-JP" altLang="en-US"/>
-          </a:p>
-        </p:txBody>
-      </p:sp>
-      <p:sp>
-        <p:nvSpPr>
-          <p:cNvPr id="3" name="コンテンツ プレースホルダー 2"/>
+            <a:endParaRPr lang="en-US" dirty="0"/>
+          </a:p>
+        </p:txBody>
+      </p:sp>
+      <p:sp>
+        <p:nvSpPr>
+          <p:cNvPr id="3" name="Content Placeholder 2"/>
           <p:cNvSpPr>
             <a:spLocks noGrp="1"/>
           </p:cNvSpPr>
@@ -1227,76 +1238,76 @@
           <a:p>
             <a:pPr lvl="0"/>
             <a:r>
-              <a:rPr kumimoji="1" lang="ja-JP" altLang="en-US" smtClean="0"/>
+              <a:rPr lang="ja-JP" altLang="en-US" smtClean="0"/>
               <a:t>マスター テキストの書式設定</a:t>
             </a:r>
           </a:p>
           <a:p>
             <a:pPr lvl="1"/>
             <a:r>
-              <a:rPr kumimoji="1" lang="ja-JP" altLang="en-US" smtClean="0"/>
+              <a:rPr lang="ja-JP" altLang="en-US" smtClean="0"/>
               <a:t>第 </a:t>
             </a:r>
             <a:r>
-              <a:rPr kumimoji="1" lang="en-US" altLang="ja-JP" smtClean="0"/>
+              <a:rPr lang="en-US" altLang="ja-JP" smtClean="0"/>
               <a:t>2 </a:t>
             </a:r>
             <a:r>
-              <a:rPr kumimoji="1" lang="ja-JP" altLang="en-US" smtClean="0"/>
+              <a:rPr lang="ja-JP" altLang="en-US" smtClean="0"/>
               <a:t>レベル</a:t>
             </a:r>
           </a:p>
           <a:p>
             <a:pPr lvl="2"/>
             <a:r>
-              <a:rPr kumimoji="1" lang="ja-JP" altLang="en-US" smtClean="0"/>
+              <a:rPr lang="ja-JP" altLang="en-US" smtClean="0"/>
               <a:t>第 </a:t>
             </a:r>
             <a:r>
-              <a:rPr kumimoji="1" lang="en-US" altLang="ja-JP" smtClean="0"/>
+              <a:rPr lang="en-US" altLang="ja-JP" smtClean="0"/>
               <a:t>3 </a:t>
             </a:r>
             <a:r>
-              <a:rPr kumimoji="1" lang="ja-JP" altLang="en-US" smtClean="0"/>
+              <a:rPr lang="ja-JP" altLang="en-US" smtClean="0"/>
               <a:t>レベル</a:t>
             </a:r>
           </a:p>
           <a:p>
             <a:pPr lvl="3"/>
             <a:r>
-              <a:rPr kumimoji="1" lang="ja-JP" altLang="en-US" smtClean="0"/>
+              <a:rPr lang="ja-JP" altLang="en-US" smtClean="0"/>
               <a:t>第 </a:t>
             </a:r>
             <a:r>
-              <a:rPr kumimoji="1" lang="en-US" altLang="ja-JP" smtClean="0"/>
+              <a:rPr lang="en-US" altLang="ja-JP" smtClean="0"/>
               <a:t>4 </a:t>
             </a:r>
             <a:r>
-              <a:rPr kumimoji="1" lang="ja-JP" altLang="en-US" smtClean="0"/>
+              <a:rPr lang="ja-JP" altLang="en-US" smtClean="0"/>
               <a:t>レベル</a:t>
             </a:r>
           </a:p>
           <a:p>
             <a:pPr lvl="4"/>
             <a:r>
-              <a:rPr kumimoji="1" lang="ja-JP" altLang="en-US" smtClean="0"/>
+              <a:rPr lang="ja-JP" altLang="en-US" smtClean="0"/>
               <a:t>第 </a:t>
             </a:r>
             <a:r>
-              <a:rPr kumimoji="1" lang="en-US" altLang="ja-JP" smtClean="0"/>
+              <a:rPr lang="en-US" altLang="ja-JP" smtClean="0"/>
               <a:t>5 </a:t>
             </a:r>
             <a:r>
-              <a:rPr kumimoji="1" lang="ja-JP" altLang="en-US" smtClean="0"/>
+              <a:rPr lang="ja-JP" altLang="en-US" smtClean="0"/>
               <a:t>レベル</a:t>
             </a:r>
-            <a:endParaRPr kumimoji="1" lang="ja-JP" altLang="en-US"/>
-          </a:p>
-        </p:txBody>
-      </p:sp>
-      <p:sp>
-        <p:nvSpPr>
-          <p:cNvPr id="4" name="コンテンツ プレースホルダー 3"/>
+            <a:endParaRPr lang="en-US" dirty="0"/>
+          </a:p>
+        </p:txBody>
+      </p:sp>
+      <p:sp>
+        <p:nvSpPr>
+          <p:cNvPr id="4" name="Content Placeholder 3"/>
           <p:cNvSpPr>
             <a:spLocks noGrp="1"/>
           </p:cNvSpPr>
@@ -1316,76 +1327,76 @@
           <a:p>
             <a:pPr lvl="0"/>
             <a:r>
-              <a:rPr kumimoji="1" lang="ja-JP" altLang="en-US" smtClean="0"/>
+              <a:rPr lang="ja-JP" altLang="en-US" smtClean="0"/>
               <a:t>マスター テキストの書式設定</a:t>
             </a:r>
           </a:p>
           <a:p>
             <a:pPr lvl="1"/>
             <a:r>
-              <a:rPr kumimoji="1" lang="ja-JP" altLang="en-US" smtClean="0"/>
+              <a:rPr lang="ja-JP" altLang="en-US" smtClean="0"/>
               <a:t>第 </a:t>
             </a:r>
             <a:r>
-              <a:rPr kumimoji="1" lang="en-US" altLang="ja-JP" smtClean="0"/>
+              <a:rPr lang="en-US" altLang="ja-JP" smtClean="0"/>
               <a:t>2 </a:t>
             </a:r>
             <a:r>
-              <a:rPr kumimoji="1" lang="ja-JP" altLang="en-US" smtClean="0"/>
+              <a:rPr lang="ja-JP" altLang="en-US" smtClean="0"/>
               <a:t>レベル</a:t>
             </a:r>
           </a:p>
           <a:p>
             <a:pPr lvl="2"/>
             <a:r>
-              <a:rPr kumimoji="1" lang="ja-JP" altLang="en-US" smtClean="0"/>
+              <a:rPr lang="ja-JP" altLang="en-US" smtClean="0"/>
               <a:t>第 </a:t>
             </a:r>
             <a:r>
-              <a:rPr kumimoji="1" lang="en-US" altLang="ja-JP" smtClean="0"/>
+              <a:rPr lang="en-US" altLang="ja-JP" smtClean="0"/>
               <a:t>3 </a:t>
             </a:r>
             <a:r>
-              <a:rPr kumimoji="1" lang="ja-JP" altLang="en-US" smtClean="0"/>
+              <a:rPr lang="ja-JP" altLang="en-US" smtClean="0"/>
               <a:t>レベル</a:t>
             </a:r>
           </a:p>
           <a:p>
             <a:pPr lvl="3"/>
             <a:r>
-              <a:rPr kumimoji="1" lang="ja-JP" altLang="en-US" smtClean="0"/>
+              <a:rPr lang="ja-JP" altLang="en-US" smtClean="0"/>
               <a:t>第 </a:t>
             </a:r>
             <a:r>
-              <a:rPr kumimoji="1" lang="en-US" altLang="ja-JP" smtClean="0"/>
+              <a:rPr lang="en-US" altLang="ja-JP" smtClean="0"/>
               <a:t>4 </a:t>
             </a:r>
             <a:r>
-              <a:rPr kumimoji="1" lang="ja-JP" altLang="en-US" smtClean="0"/>
+              <a:rPr lang="ja-JP" altLang="en-US" smtClean="0"/>
               <a:t>レベル</a:t>
             </a:r>
           </a:p>
           <a:p>
             <a:pPr lvl="4"/>
             <a:r>
-              <a:rPr kumimoji="1" lang="ja-JP" altLang="en-US" smtClean="0"/>
+              <a:rPr lang="ja-JP" altLang="en-US" smtClean="0"/>
               <a:t>第 </a:t>
             </a:r>
             <a:r>
-              <a:rPr kumimoji="1" lang="en-US" altLang="ja-JP" smtClean="0"/>
+              <a:rPr lang="en-US" altLang="ja-JP" smtClean="0"/>
               <a:t>5 </a:t>
             </a:r>
             <a:r>
-              <a:rPr kumimoji="1" lang="ja-JP" altLang="en-US" smtClean="0"/>
+              <a:rPr lang="ja-JP" altLang="en-US" smtClean="0"/>
               <a:t>レベル</a:t>
             </a:r>
-            <a:endParaRPr kumimoji="1" lang="ja-JP" altLang="en-US"/>
-          </a:p>
-        </p:txBody>
-      </p:sp>
-      <p:sp>
-        <p:nvSpPr>
-          <p:cNvPr id="5" name="日付プレースホルダー 4"/>
+            <a:endParaRPr lang="en-US" dirty="0"/>
+          </a:p>
+        </p:txBody>
+      </p:sp>
+      <p:sp>
+        <p:nvSpPr>
+          <p:cNvPr id="5" name="Date Placeholder 4"/>
           <p:cNvSpPr>
             <a:spLocks noGrp="1"/>
           </p:cNvSpPr>
@@ -1408,7 +1419,7 @@
       </p:sp>
       <p:sp>
         <p:nvSpPr>
-          <p:cNvPr id="6" name="フッター プレースホルダー 5"/>
+          <p:cNvPr id="6" name="Footer Placeholder 5"/>
           <p:cNvSpPr>
             <a:spLocks noGrp="1"/>
           </p:cNvSpPr>
@@ -1427,7 +1438,7 @@
       </p:sp>
       <p:sp>
         <p:nvSpPr>
-          <p:cNvPr id="7" name="スライド番号プレースホルダー 6"/>
+          <p:cNvPr id="7" name="Slide Number Placeholder 6"/>
           <p:cNvSpPr>
             <a:spLocks noGrp="1"/>
           </p:cNvSpPr>
@@ -1451,7 +1462,7 @@
     </p:spTree>
     <p:extLst>
       <p:ext uri="{BB962C8B-B14F-4D97-AF65-F5344CB8AC3E}">
-        <p14:creationId xmlns:p14="http://schemas.microsoft.com/office/powerpoint/2010/main" val="2838481431"/>
+        <p14:creationId xmlns:p14="http://schemas.microsoft.com/office/powerpoint/2010/main" val="3550921257"/>
       </p:ext>
     </p:extLst>
   </p:cSld>
@@ -1480,7 +1491,7 @@
       </p:grpSpPr>
       <p:sp>
         <p:nvSpPr>
-          <p:cNvPr id="2" name="タイトル 1"/>
+          <p:cNvPr id="2" name="Title 1"/>
           <p:cNvSpPr>
             <a:spLocks noGrp="1"/>
           </p:cNvSpPr>
@@ -1499,16 +1510,16 @@
           <a:lstStyle/>
           <a:p>
             <a:r>
-              <a:rPr kumimoji="1" lang="ja-JP" altLang="en-US" smtClean="0"/>
+              <a:rPr lang="ja-JP" altLang="en-US" smtClean="0"/>
               <a:t>マスター タイトルの書式設定</a:t>
             </a:r>
-            <a:endParaRPr kumimoji="1" lang="ja-JP" altLang="en-US"/>
-          </a:p>
-        </p:txBody>
-      </p:sp>
-      <p:sp>
-        <p:nvSpPr>
-          <p:cNvPr id="3" name="テキスト プレースホルダー 2"/>
+            <a:endParaRPr lang="en-US" dirty="0"/>
+          </a:p>
+        </p:txBody>
+      </p:sp>
+      <p:sp>
+        <p:nvSpPr>
+          <p:cNvPr id="3" name="Text Placeholder 2"/>
           <p:cNvSpPr>
             <a:spLocks noGrp="1"/>
           </p:cNvSpPr>
@@ -1565,7 +1576,7 @@
           <a:p>
             <a:pPr lvl="0"/>
             <a:r>
-              <a:rPr kumimoji="1" lang="ja-JP" altLang="en-US" smtClean="0"/>
+              <a:rPr lang="ja-JP" altLang="en-US" smtClean="0"/>
               <a:t>マスター テキストの書式設定</a:t>
             </a:r>
           </a:p>
@@ -1573,7 +1584,7 @@
       </p:sp>
       <p:sp>
         <p:nvSpPr>
-          <p:cNvPr id="4" name="コンテンツ プレースホルダー 3"/>
+          <p:cNvPr id="4" name="Content Placeholder 3"/>
           <p:cNvSpPr>
             <a:spLocks noGrp="1"/>
           </p:cNvSpPr>
@@ -1593,76 +1604,76 @@
           <a:p>
             <a:pPr lvl="0"/>
             <a:r>
-              <a:rPr kumimoji="1" lang="ja-JP" altLang="en-US" smtClean="0"/>
+              <a:rPr lang="ja-JP" altLang="en-US" smtClean="0"/>
               <a:t>マスター テキストの書式設定</a:t>
             </a:r>
           </a:p>
           <a:p>
             <a:pPr lvl="1"/>
             <a:r>
-              <a:rPr kumimoji="1" lang="ja-JP" altLang="en-US" smtClean="0"/>
+              <a:rPr lang="ja-JP" altLang="en-US" smtClean="0"/>
               <a:t>第 </a:t>
             </a:r>
             <a:r>
-              <a:rPr kumimoji="1" lang="en-US" altLang="ja-JP" smtClean="0"/>
+              <a:rPr lang="en-US" altLang="ja-JP" smtClean="0"/>
               <a:t>2 </a:t>
             </a:r>
             <a:r>
-              <a:rPr kumimoji="1" lang="ja-JP" altLang="en-US" smtClean="0"/>
+              <a:rPr lang="ja-JP" altLang="en-US" smtClean="0"/>
               <a:t>レベル</a:t>
             </a:r>
           </a:p>
           <a:p>
             <a:pPr lvl="2"/>
             <a:r>
-              <a:rPr kumimoji="1" lang="ja-JP" altLang="en-US" smtClean="0"/>
+              <a:rPr lang="ja-JP" altLang="en-US" smtClean="0"/>
               <a:t>第 </a:t>
             </a:r>
             <a:r>
-              <a:rPr kumimoji="1" lang="en-US" altLang="ja-JP" smtClean="0"/>
+              <a:rPr lang="en-US" altLang="ja-JP" smtClean="0"/>
               <a:t>3 </a:t>
             </a:r>
             <a:r>
-              <a:rPr kumimoji="1" lang="ja-JP" altLang="en-US" smtClean="0"/>
+              <a:rPr lang="ja-JP" altLang="en-US" smtClean="0"/>
               <a:t>レベル</a:t>
             </a:r>
           </a:p>
           <a:p>
             <a:pPr lvl="3"/>
             <a:r>
-              <a:rPr kumimoji="1" lang="ja-JP" altLang="en-US" smtClean="0"/>
+              <a:rPr lang="ja-JP" altLang="en-US" smtClean="0"/>
               <a:t>第 </a:t>
             </a:r>
             <a:r>
-              <a:rPr kumimoji="1" lang="en-US" altLang="ja-JP" smtClean="0"/>
+              <a:rPr lang="en-US" altLang="ja-JP" smtClean="0"/>
               <a:t>4 </a:t>
             </a:r>
             <a:r>
-              <a:rPr kumimoji="1" lang="ja-JP" altLang="en-US" smtClean="0"/>
+              <a:rPr lang="ja-JP" altLang="en-US" smtClean="0"/>
               <a:t>レベル</a:t>
             </a:r>
           </a:p>
           <a:p>
             <a:pPr lvl="4"/>
             <a:r>
-              <a:rPr kumimoji="1" lang="ja-JP" altLang="en-US" smtClean="0"/>
+              <a:rPr lang="ja-JP" altLang="en-US" smtClean="0"/>
               <a:t>第 </a:t>
             </a:r>
             <a:r>
-              <a:rPr kumimoji="1" lang="en-US" altLang="ja-JP" smtClean="0"/>
+              <a:rPr lang="en-US" altLang="ja-JP" smtClean="0"/>
               <a:t>5 </a:t>
             </a:r>
             <a:r>
-              <a:rPr kumimoji="1" lang="ja-JP" altLang="en-US" smtClean="0"/>
+              <a:rPr lang="ja-JP" altLang="en-US" smtClean="0"/>
               <a:t>レベル</a:t>
             </a:r>
-            <a:endParaRPr kumimoji="1" lang="ja-JP" altLang="en-US"/>
-          </a:p>
-        </p:txBody>
-      </p:sp>
-      <p:sp>
-        <p:nvSpPr>
-          <p:cNvPr id="5" name="テキスト プレースホルダー 4"/>
+            <a:endParaRPr lang="en-US" dirty="0"/>
+          </a:p>
+        </p:txBody>
+      </p:sp>
+      <p:sp>
+        <p:nvSpPr>
+          <p:cNvPr id="5" name="Text Placeholder 4"/>
           <p:cNvSpPr>
             <a:spLocks noGrp="1"/>
           </p:cNvSpPr>
@@ -1719,7 +1730,7 @@
           <a:p>
             <a:pPr lvl="0"/>
             <a:r>
-              <a:rPr kumimoji="1" lang="ja-JP" altLang="en-US" smtClean="0"/>
+              <a:rPr lang="ja-JP" altLang="en-US" smtClean="0"/>
               <a:t>マスター テキストの書式設定</a:t>
             </a:r>
           </a:p>
@@ -1727,7 +1738,7 @@
       </p:sp>
       <p:sp>
         <p:nvSpPr>
-          <p:cNvPr id="6" name="コンテンツ プレースホルダー 5"/>
+          <p:cNvPr id="6" name="Content Placeholder 5"/>
           <p:cNvSpPr>
             <a:spLocks noGrp="1"/>
           </p:cNvSpPr>
@@ -1747,76 +1758,76 @@
           <a:p>
             <a:pPr lvl="0"/>
             <a:r>
-              <a:rPr kumimoji="1" lang="ja-JP" altLang="en-US" smtClean="0"/>
+              <a:rPr lang="ja-JP" altLang="en-US" smtClean="0"/>
               <a:t>マスター テキストの書式設定</a:t>
             </a:r>
           </a:p>
           <a:p>
             <a:pPr lvl="1"/>
             <a:r>
-              <a:rPr kumimoji="1" lang="ja-JP" altLang="en-US" smtClean="0"/>
+              <a:rPr lang="ja-JP" altLang="en-US" smtClean="0"/>
               <a:t>第 </a:t>
             </a:r>
             <a:r>
-              <a:rPr kumimoji="1" lang="en-US" altLang="ja-JP" smtClean="0"/>
+              <a:rPr lang="en-US" altLang="ja-JP" smtClean="0"/>
               <a:t>2 </a:t>
             </a:r>
             <a:r>
-              <a:rPr kumimoji="1" lang="ja-JP" altLang="en-US" smtClean="0"/>
+              <a:rPr lang="ja-JP" altLang="en-US" smtClean="0"/>
               <a:t>レベル</a:t>
             </a:r>
           </a:p>
           <a:p>
             <a:pPr lvl="2"/>
             <a:r>
-              <a:rPr kumimoji="1" lang="ja-JP" altLang="en-US" smtClean="0"/>
+              <a:rPr lang="ja-JP" altLang="en-US" smtClean="0"/>
               <a:t>第 </a:t>
             </a:r>
             <a:r>
-              <a:rPr kumimoji="1" lang="en-US" altLang="ja-JP" smtClean="0"/>
+              <a:rPr lang="en-US" altLang="ja-JP" smtClean="0"/>
               <a:t>3 </a:t>
             </a:r>
             <a:r>
-              <a:rPr kumimoji="1" lang="ja-JP" altLang="en-US" smtClean="0"/>
+              <a:rPr lang="ja-JP" altLang="en-US" smtClean="0"/>
               <a:t>レベル</a:t>
             </a:r>
           </a:p>
           <a:p>
             <a:pPr lvl="3"/>
             <a:r>
-              <a:rPr kumimoji="1" lang="ja-JP" altLang="en-US" smtClean="0"/>
+              <a:rPr lang="ja-JP" altLang="en-US" smtClean="0"/>
               <a:t>第 </a:t>
             </a:r>
             <a:r>
-              <a:rPr kumimoji="1" lang="en-US" altLang="ja-JP" smtClean="0"/>
+              <a:rPr lang="en-US" altLang="ja-JP" smtClean="0"/>
               <a:t>4 </a:t>
             </a:r>
             <a:r>
-              <a:rPr kumimoji="1" lang="ja-JP" altLang="en-US" smtClean="0"/>
+              <a:rPr lang="ja-JP" altLang="en-US" smtClean="0"/>
               <a:t>レベル</a:t>
             </a:r>
           </a:p>
           <a:p>
             <a:pPr lvl="4"/>
             <a:r>
-              <a:rPr kumimoji="1" lang="ja-JP" altLang="en-US" smtClean="0"/>
+              <a:rPr lang="ja-JP" altLang="en-US" smtClean="0"/>
               <a:t>第 </a:t>
             </a:r>
             <a:r>
-              <a:rPr kumimoji="1" lang="en-US" altLang="ja-JP" smtClean="0"/>
+              <a:rPr lang="en-US" altLang="ja-JP" smtClean="0"/>
               <a:t>5 </a:t>
             </a:r>
             <a:r>
-              <a:rPr kumimoji="1" lang="ja-JP" altLang="en-US" smtClean="0"/>
+              <a:rPr lang="ja-JP" altLang="en-US" smtClean="0"/>
               <a:t>レベル</a:t>
             </a:r>
-            <a:endParaRPr kumimoji="1" lang="ja-JP" altLang="en-US"/>
-          </a:p>
-        </p:txBody>
-      </p:sp>
-      <p:sp>
-        <p:nvSpPr>
-          <p:cNvPr id="7" name="日付プレースホルダー 6"/>
+            <a:endParaRPr lang="en-US" dirty="0"/>
+          </a:p>
+        </p:txBody>
+      </p:sp>
+      <p:sp>
+        <p:nvSpPr>
+          <p:cNvPr id="7" name="Date Placeholder 6"/>
           <p:cNvSpPr>
             <a:spLocks noGrp="1"/>
           </p:cNvSpPr>
@@ -1839,7 +1850,7 @@
       </p:sp>
       <p:sp>
         <p:nvSpPr>
-          <p:cNvPr id="8" name="フッター プレースホルダー 7"/>
+          <p:cNvPr id="8" name="Footer Placeholder 7"/>
           <p:cNvSpPr>
             <a:spLocks noGrp="1"/>
           </p:cNvSpPr>
@@ -1858,7 +1869,7 @@
       </p:sp>
       <p:sp>
         <p:nvSpPr>
-          <p:cNvPr id="9" name="スライド番号プレースホルダー 8"/>
+          <p:cNvPr id="9" name="Slide Number Placeholder 8"/>
           <p:cNvSpPr>
             <a:spLocks noGrp="1"/>
           </p:cNvSpPr>
@@ -1882,7 +1893,7 @@
     </p:spTree>
     <p:extLst>
       <p:ext uri="{BB962C8B-B14F-4D97-AF65-F5344CB8AC3E}">
-        <p14:creationId xmlns:p14="http://schemas.microsoft.com/office/powerpoint/2010/main" val="2003732733"/>
+        <p14:creationId xmlns:p14="http://schemas.microsoft.com/office/powerpoint/2010/main" val="3203129992"/>
       </p:ext>
     </p:extLst>
   </p:cSld>
@@ -1911,7 +1922,7 @@
       </p:grpSpPr>
       <p:sp>
         <p:nvSpPr>
-          <p:cNvPr id="2" name="タイトル 1"/>
+          <p:cNvPr id="2" name="Title 1"/>
           <p:cNvSpPr>
             <a:spLocks noGrp="1"/>
           </p:cNvSpPr>
@@ -1925,16 +1936,16 @@
           <a:lstStyle/>
           <a:p>
             <a:r>
-              <a:rPr kumimoji="1" lang="ja-JP" altLang="en-US" smtClean="0"/>
+              <a:rPr lang="ja-JP" altLang="en-US" smtClean="0"/>
               <a:t>マスター タイトルの書式設定</a:t>
             </a:r>
-            <a:endParaRPr kumimoji="1" lang="ja-JP" altLang="en-US"/>
-          </a:p>
-        </p:txBody>
-      </p:sp>
-      <p:sp>
-        <p:nvSpPr>
-          <p:cNvPr id="3" name="日付プレースホルダー 2"/>
+            <a:endParaRPr lang="en-US" dirty="0"/>
+          </a:p>
+        </p:txBody>
+      </p:sp>
+      <p:sp>
+        <p:nvSpPr>
+          <p:cNvPr id="3" name="Date Placeholder 2"/>
           <p:cNvSpPr>
             <a:spLocks noGrp="1"/>
           </p:cNvSpPr>
@@ -1957,7 +1968,7 @@
       </p:sp>
       <p:sp>
         <p:nvSpPr>
-          <p:cNvPr id="4" name="フッター プレースホルダー 3"/>
+          <p:cNvPr id="4" name="Footer Placeholder 3"/>
           <p:cNvSpPr>
             <a:spLocks noGrp="1"/>
           </p:cNvSpPr>
@@ -1976,7 +1987,7 @@
       </p:sp>
       <p:sp>
         <p:nvSpPr>
-          <p:cNvPr id="5" name="スライド番号プレースホルダー 4"/>
+          <p:cNvPr id="5" name="Slide Number Placeholder 4"/>
           <p:cNvSpPr>
             <a:spLocks noGrp="1"/>
           </p:cNvSpPr>
@@ -2000,7 +2011,7 @@
     </p:spTree>
     <p:extLst>
       <p:ext uri="{BB962C8B-B14F-4D97-AF65-F5344CB8AC3E}">
-        <p14:creationId xmlns:p14="http://schemas.microsoft.com/office/powerpoint/2010/main" val="2959943941"/>
+        <p14:creationId xmlns:p14="http://schemas.microsoft.com/office/powerpoint/2010/main" val="2910443832"/>
       </p:ext>
     </p:extLst>
   </p:cSld>
@@ -2029,7 +2040,7 @@
       </p:grpSpPr>
       <p:sp>
         <p:nvSpPr>
-          <p:cNvPr id="2" name="日付プレースホルダー 1"/>
+          <p:cNvPr id="2" name="Date Placeholder 1"/>
           <p:cNvSpPr>
             <a:spLocks noGrp="1"/>
           </p:cNvSpPr>
@@ -2052,7 +2063,7 @@
       </p:sp>
       <p:sp>
         <p:nvSpPr>
-          <p:cNvPr id="3" name="フッター プレースホルダー 2"/>
+          <p:cNvPr id="3" name="Footer Placeholder 2"/>
           <p:cNvSpPr>
             <a:spLocks noGrp="1"/>
           </p:cNvSpPr>
@@ -2071,7 +2082,7 @@
       </p:sp>
       <p:sp>
         <p:nvSpPr>
-          <p:cNvPr id="4" name="スライド番号プレースホルダー 3"/>
+          <p:cNvPr id="4" name="Slide Number Placeholder 3"/>
           <p:cNvSpPr>
             <a:spLocks noGrp="1"/>
           </p:cNvSpPr>
@@ -2095,7 +2106,7 @@
     </p:spTree>
     <p:extLst>
       <p:ext uri="{BB962C8B-B14F-4D97-AF65-F5344CB8AC3E}">
-        <p14:creationId xmlns:p14="http://schemas.microsoft.com/office/powerpoint/2010/main" val="2320701535"/>
+        <p14:creationId xmlns:p14="http://schemas.microsoft.com/office/powerpoint/2010/main" val="623362697"/>
       </p:ext>
     </p:extLst>
   </p:cSld>
@@ -2124,7 +2135,7 @@
       </p:grpSpPr>
       <p:sp>
         <p:nvSpPr>
-          <p:cNvPr id="2" name="タイトル 1"/>
+          <p:cNvPr id="2" name="Title 1"/>
           <p:cNvSpPr>
             <a:spLocks noGrp="1"/>
           </p:cNvSpPr>
@@ -2147,16 +2158,16 @@
           </a:lstStyle>
           <a:p>
             <a:r>
-              <a:rPr kumimoji="1" lang="ja-JP" altLang="en-US" smtClean="0"/>
+              <a:rPr lang="ja-JP" altLang="en-US" smtClean="0"/>
               <a:t>マスター タイトルの書式設定</a:t>
             </a:r>
-            <a:endParaRPr kumimoji="1" lang="ja-JP" altLang="en-US"/>
-          </a:p>
-        </p:txBody>
-      </p:sp>
-      <p:sp>
-        <p:nvSpPr>
-          <p:cNvPr id="3" name="コンテンツ プレースホルダー 2"/>
+            <a:endParaRPr lang="en-US" dirty="0"/>
+          </a:p>
+        </p:txBody>
+      </p:sp>
+      <p:sp>
+        <p:nvSpPr>
+          <p:cNvPr id="3" name="Content Placeholder 2"/>
           <p:cNvSpPr>
             <a:spLocks noGrp="1"/>
           </p:cNvSpPr>
@@ -2204,76 +2215,76 @@
           <a:p>
             <a:pPr lvl="0"/>
             <a:r>
-              <a:rPr kumimoji="1" lang="ja-JP" altLang="en-US" smtClean="0"/>
+              <a:rPr lang="ja-JP" altLang="en-US" smtClean="0"/>
               <a:t>マスター テキストの書式設定</a:t>
             </a:r>
           </a:p>
           <a:p>
             <a:pPr lvl="1"/>
             <a:r>
-              <a:rPr kumimoji="1" lang="ja-JP" altLang="en-US" smtClean="0"/>
+              <a:rPr lang="ja-JP" altLang="en-US" smtClean="0"/>
               <a:t>第 </a:t>
             </a:r>
             <a:r>
-              <a:rPr kumimoji="1" lang="en-US" altLang="ja-JP" smtClean="0"/>
+              <a:rPr lang="en-US" altLang="ja-JP" smtClean="0"/>
               <a:t>2 </a:t>
             </a:r>
             <a:r>
-              <a:rPr kumimoji="1" lang="ja-JP" altLang="en-US" smtClean="0"/>
+              <a:rPr lang="ja-JP" altLang="en-US" smtClean="0"/>
               <a:t>レベル</a:t>
             </a:r>
           </a:p>
           <a:p>
             <a:pPr lvl="2"/>
             <a:r>
-              <a:rPr kumimoji="1" lang="ja-JP" altLang="en-US" smtClean="0"/>
+              <a:rPr lang="ja-JP" altLang="en-US" smtClean="0"/>
               <a:t>第 </a:t>
             </a:r>
             <a:r>
-              <a:rPr kumimoji="1" lang="en-US" altLang="ja-JP" smtClean="0"/>
+              <a:rPr lang="en-US" altLang="ja-JP" smtClean="0"/>
               <a:t>3 </a:t>
             </a:r>
             <a:r>
-              <a:rPr kumimoji="1" lang="ja-JP" altLang="en-US" smtClean="0"/>
+              <a:rPr lang="ja-JP" altLang="en-US" smtClean="0"/>
               <a:t>レベル</a:t>
             </a:r>
           </a:p>
           <a:p>
             <a:pPr lvl="3"/>
             <a:r>
-              <a:rPr kumimoji="1" lang="ja-JP" altLang="en-US" smtClean="0"/>
+              <a:rPr lang="ja-JP" altLang="en-US" smtClean="0"/>
               <a:t>第 </a:t>
             </a:r>
             <a:r>
-              <a:rPr kumimoji="1" lang="en-US" altLang="ja-JP" smtClean="0"/>
+              <a:rPr lang="en-US" altLang="ja-JP" smtClean="0"/>
               <a:t>4 </a:t>
             </a:r>
             <a:r>
-              <a:rPr kumimoji="1" lang="ja-JP" altLang="en-US" smtClean="0"/>
+              <a:rPr lang="ja-JP" altLang="en-US" smtClean="0"/>
               <a:t>レベル</a:t>
             </a:r>
           </a:p>
           <a:p>
             <a:pPr lvl="4"/>
             <a:r>
-              <a:rPr kumimoji="1" lang="ja-JP" altLang="en-US" smtClean="0"/>
+              <a:rPr lang="ja-JP" altLang="en-US" smtClean="0"/>
               <a:t>第 </a:t>
             </a:r>
             <a:r>
-              <a:rPr kumimoji="1" lang="en-US" altLang="ja-JP" smtClean="0"/>
+              <a:rPr lang="en-US" altLang="ja-JP" smtClean="0"/>
               <a:t>5 </a:t>
             </a:r>
             <a:r>
-              <a:rPr kumimoji="1" lang="ja-JP" altLang="en-US" smtClean="0"/>
+              <a:rPr lang="ja-JP" altLang="en-US" smtClean="0"/>
               <a:t>レベル</a:t>
             </a:r>
-            <a:endParaRPr kumimoji="1" lang="ja-JP" altLang="en-US"/>
-          </a:p>
-        </p:txBody>
-      </p:sp>
-      <p:sp>
-        <p:nvSpPr>
-          <p:cNvPr id="4" name="テキスト プレースホルダー 3"/>
+            <a:endParaRPr lang="en-US" dirty="0"/>
+          </a:p>
+        </p:txBody>
+      </p:sp>
+      <p:sp>
+        <p:nvSpPr>
+          <p:cNvPr id="4" name="Text Placeholder 3"/>
           <p:cNvSpPr>
             <a:spLocks noGrp="1"/>
           </p:cNvSpPr>
@@ -2330,7 +2341,7 @@
           <a:p>
             <a:pPr lvl="0"/>
             <a:r>
-              <a:rPr kumimoji="1" lang="ja-JP" altLang="en-US" smtClean="0"/>
+              <a:rPr lang="ja-JP" altLang="en-US" smtClean="0"/>
               <a:t>マスター テキストの書式設定</a:t>
             </a:r>
           </a:p>
@@ -2338,7 +2349,7 @@
       </p:sp>
       <p:sp>
         <p:nvSpPr>
-          <p:cNvPr id="5" name="日付プレースホルダー 4"/>
+          <p:cNvPr id="5" name="Date Placeholder 4"/>
           <p:cNvSpPr>
             <a:spLocks noGrp="1"/>
           </p:cNvSpPr>
@@ -2361,7 +2372,7 @@
       </p:sp>
       <p:sp>
         <p:nvSpPr>
-          <p:cNvPr id="6" name="フッター プレースホルダー 5"/>
+          <p:cNvPr id="6" name="Footer Placeholder 5"/>
           <p:cNvSpPr>
             <a:spLocks noGrp="1"/>
           </p:cNvSpPr>
@@ -2380,7 +2391,7 @@
       </p:sp>
       <p:sp>
         <p:nvSpPr>
-          <p:cNvPr id="7" name="スライド番号プレースホルダー 6"/>
+          <p:cNvPr id="7" name="Slide Number Placeholder 6"/>
           <p:cNvSpPr>
             <a:spLocks noGrp="1"/>
           </p:cNvSpPr>
@@ -2404,7 +2415,7 @@
     </p:spTree>
     <p:extLst>
       <p:ext uri="{BB962C8B-B14F-4D97-AF65-F5344CB8AC3E}">
-        <p14:creationId xmlns:p14="http://schemas.microsoft.com/office/powerpoint/2010/main" val="3448798533"/>
+        <p14:creationId xmlns:p14="http://schemas.microsoft.com/office/powerpoint/2010/main" val="3106733388"/>
       </p:ext>
     </p:extLst>
   </p:cSld>
@@ -2433,7 +2444,7 @@
       </p:grpSpPr>
       <p:sp>
         <p:nvSpPr>
-          <p:cNvPr id="2" name="タイトル 1"/>
+          <p:cNvPr id="2" name="Title 1"/>
           <p:cNvSpPr>
             <a:spLocks noGrp="1"/>
           </p:cNvSpPr>
@@ -2456,18 +2467,18 @@
           </a:lstStyle>
           <a:p>
             <a:r>
-              <a:rPr kumimoji="1" lang="ja-JP" altLang="en-US" smtClean="0"/>
+              <a:rPr lang="ja-JP" altLang="en-US" smtClean="0"/>
               <a:t>マスター タイトルの書式設定</a:t>
             </a:r>
-            <a:endParaRPr kumimoji="1" lang="ja-JP" altLang="en-US"/>
-          </a:p>
-        </p:txBody>
-      </p:sp>
-      <p:sp>
-        <p:nvSpPr>
-          <p:cNvPr id="3" name="図プレースホルダー 2"/>
+            <a:endParaRPr lang="en-US" dirty="0"/>
+          </a:p>
+        </p:txBody>
+      </p:sp>
+      <p:sp>
+        <p:nvSpPr>
+          <p:cNvPr id="3" name="Picture Placeholder 2"/>
           <p:cNvSpPr>
-            <a:spLocks noGrp="1"/>
+            <a:spLocks noGrp="1" noChangeAspect="1"/>
           </p:cNvSpPr>
           <p:nvPr>
             <p:ph type="pic" idx="1"/>
@@ -2480,7 +2491,7 @@
           </a:xfrm>
         </p:spPr>
         <p:txBody>
-          <a:bodyPr/>
+          <a:bodyPr anchor="t"/>
           <a:lstStyle>
             <a:lvl1pPr marL="0" indent="0">
               <a:buNone/>
@@ -2520,13 +2531,17 @@
             </a:lvl9pPr>
           </a:lstStyle>
           <a:p>
-            <a:endParaRPr kumimoji="1" lang="ja-JP" altLang="en-US"/>
-          </a:p>
-        </p:txBody>
-      </p:sp>
-      <p:sp>
-        <p:nvSpPr>
-          <p:cNvPr id="4" name="テキスト プレースホルダー 3"/>
+            <a:r>
+              <a:rPr lang="ja-JP" altLang="en-US" smtClean="0"/>
+              <a:t>図を追加</a:t>
+            </a:r>
+            <a:endParaRPr lang="en-US" dirty="0"/>
+          </a:p>
+        </p:txBody>
+      </p:sp>
+      <p:sp>
+        <p:nvSpPr>
+          <p:cNvPr id="4" name="Text Placeholder 3"/>
           <p:cNvSpPr>
             <a:spLocks noGrp="1"/>
           </p:cNvSpPr>
@@ -2583,7 +2598,7 @@
           <a:p>
             <a:pPr lvl="0"/>
             <a:r>
-              <a:rPr kumimoji="1" lang="ja-JP" altLang="en-US" smtClean="0"/>
+              <a:rPr lang="ja-JP" altLang="en-US" smtClean="0"/>
               <a:t>マスター テキストの書式設定</a:t>
             </a:r>
           </a:p>
@@ -2591,7 +2606,7 @@
       </p:sp>
       <p:sp>
         <p:nvSpPr>
-          <p:cNvPr id="5" name="日付プレースホルダー 4"/>
+          <p:cNvPr id="5" name="Date Placeholder 4"/>
           <p:cNvSpPr>
             <a:spLocks noGrp="1"/>
           </p:cNvSpPr>
@@ -2614,7 +2629,7 @@
       </p:sp>
       <p:sp>
         <p:nvSpPr>
-          <p:cNvPr id="6" name="フッター プレースホルダー 5"/>
+          <p:cNvPr id="6" name="Footer Placeholder 5"/>
           <p:cNvSpPr>
             <a:spLocks noGrp="1"/>
           </p:cNvSpPr>
@@ -2633,7 +2648,7 @@
       </p:sp>
       <p:sp>
         <p:nvSpPr>
-          <p:cNvPr id="7" name="スライド番号プレースホルダー 6"/>
+          <p:cNvPr id="7" name="Slide Number Placeholder 6"/>
           <p:cNvSpPr>
             <a:spLocks noGrp="1"/>
           </p:cNvSpPr>
@@ -2657,7 +2672,7 @@
     </p:spTree>
     <p:extLst>
       <p:ext uri="{BB962C8B-B14F-4D97-AF65-F5344CB8AC3E}">
-        <p14:creationId xmlns:p14="http://schemas.microsoft.com/office/powerpoint/2010/main" val="1824712808"/>
+        <p14:creationId xmlns:p14="http://schemas.microsoft.com/office/powerpoint/2010/main" val="3269750039"/>
       </p:ext>
     </p:extLst>
   </p:cSld>
@@ -2691,7 +2706,7 @@
       </p:grpSpPr>
       <p:sp>
         <p:nvSpPr>
-          <p:cNvPr id="2" name="タイトル プレースホルダー 1"/>
+          <p:cNvPr id="2" name="Title Placeholder 1"/>
           <p:cNvSpPr>
             <a:spLocks noGrp="1"/>
           </p:cNvSpPr>
@@ -2715,16 +2730,16 @@
           <a:lstStyle/>
           <a:p>
             <a:r>
-              <a:rPr kumimoji="1" lang="ja-JP" altLang="en-US" smtClean="0"/>
+              <a:rPr lang="ja-JP" altLang="en-US" smtClean="0"/>
               <a:t>マスター タイトルの書式設定</a:t>
             </a:r>
-            <a:endParaRPr kumimoji="1" lang="ja-JP" altLang="en-US"/>
-          </a:p>
-        </p:txBody>
-      </p:sp>
-      <p:sp>
-        <p:nvSpPr>
-          <p:cNvPr id="3" name="テキスト プレースホルダー 2"/>
+            <a:endParaRPr lang="en-US" dirty="0"/>
+          </a:p>
+        </p:txBody>
+      </p:sp>
+      <p:sp>
+        <p:nvSpPr>
+          <p:cNvPr id="3" name="Text Placeholder 2"/>
           <p:cNvSpPr>
             <a:spLocks noGrp="1"/>
           </p:cNvSpPr>
@@ -2749,76 +2764,76 @@
           <a:p>
             <a:pPr lvl="0"/>
             <a:r>
-              <a:rPr kumimoji="1" lang="ja-JP" altLang="en-US" smtClean="0"/>
+              <a:rPr lang="ja-JP" altLang="en-US" smtClean="0"/>
               <a:t>マスター テキストの書式設定</a:t>
             </a:r>
           </a:p>
           <a:p>
             <a:pPr lvl="1"/>
             <a:r>
-              <a:rPr kumimoji="1" lang="ja-JP" altLang="en-US" smtClean="0"/>
+              <a:rPr lang="ja-JP" altLang="en-US" smtClean="0"/>
               <a:t>第 </a:t>
             </a:r>
             <a:r>
-              <a:rPr kumimoji="1" lang="en-US" altLang="ja-JP" smtClean="0"/>
+              <a:rPr lang="en-US" altLang="ja-JP" smtClean="0"/>
               <a:t>2 </a:t>
             </a:r>
             <a:r>
-              <a:rPr kumimoji="1" lang="ja-JP" altLang="en-US" smtClean="0"/>
+              <a:rPr lang="ja-JP" altLang="en-US" smtClean="0"/>
               <a:t>レベル</a:t>
             </a:r>
           </a:p>
           <a:p>
             <a:pPr lvl="2"/>
             <a:r>
-              <a:rPr kumimoji="1" lang="ja-JP" altLang="en-US" smtClean="0"/>
+              <a:rPr lang="ja-JP" altLang="en-US" smtClean="0"/>
               <a:t>第 </a:t>
             </a:r>
             <a:r>
-              <a:rPr kumimoji="1" lang="en-US" altLang="ja-JP" smtClean="0"/>
+              <a:rPr lang="en-US" altLang="ja-JP" smtClean="0"/>
               <a:t>3 </a:t>
             </a:r>
             <a:r>
-              <a:rPr kumimoji="1" lang="ja-JP" altLang="en-US" smtClean="0"/>
+              <a:rPr lang="ja-JP" altLang="en-US" smtClean="0"/>
               <a:t>レベル</a:t>
             </a:r>
           </a:p>
           <a:p>
             <a:pPr lvl="3"/>
             <a:r>
-              <a:rPr kumimoji="1" lang="ja-JP" altLang="en-US" smtClean="0"/>
+              <a:rPr lang="ja-JP" altLang="en-US" smtClean="0"/>
               <a:t>第 </a:t>
             </a:r>
             <a:r>
-              <a:rPr kumimoji="1" lang="en-US" altLang="ja-JP" smtClean="0"/>
+              <a:rPr lang="en-US" altLang="ja-JP" smtClean="0"/>
               <a:t>4 </a:t>
             </a:r>
             <a:r>
-              <a:rPr kumimoji="1" lang="ja-JP" altLang="en-US" smtClean="0"/>
+              <a:rPr lang="ja-JP" altLang="en-US" smtClean="0"/>
               <a:t>レベル</a:t>
             </a:r>
           </a:p>
           <a:p>
             <a:pPr lvl="4"/>
             <a:r>
-              <a:rPr kumimoji="1" lang="ja-JP" altLang="en-US" smtClean="0"/>
+              <a:rPr lang="ja-JP" altLang="en-US" smtClean="0"/>
               <a:t>第 </a:t>
             </a:r>
             <a:r>
-              <a:rPr kumimoji="1" lang="en-US" altLang="ja-JP" smtClean="0"/>
+              <a:rPr lang="en-US" altLang="ja-JP" smtClean="0"/>
               <a:t>5 </a:t>
             </a:r>
             <a:r>
-              <a:rPr kumimoji="1" lang="ja-JP" altLang="en-US" smtClean="0"/>
+              <a:rPr lang="ja-JP" altLang="en-US" smtClean="0"/>
               <a:t>レベル</a:t>
             </a:r>
-            <a:endParaRPr kumimoji="1" lang="ja-JP" altLang="en-US"/>
-          </a:p>
-        </p:txBody>
-      </p:sp>
-      <p:sp>
-        <p:nvSpPr>
-          <p:cNvPr id="4" name="日付プレースホルダー 3"/>
+            <a:endParaRPr lang="en-US" dirty="0"/>
+          </a:p>
+        </p:txBody>
+      </p:sp>
+      <p:sp>
+        <p:nvSpPr>
+          <p:cNvPr id="4" name="Date Placeholder 3"/>
           <p:cNvSpPr>
             <a:spLocks noGrp="1"/>
           </p:cNvSpPr>
@@ -2859,7 +2874,7 @@
       </p:sp>
       <p:sp>
         <p:nvSpPr>
-          <p:cNvPr id="5" name="フッター プレースホルダー 4"/>
+          <p:cNvPr id="5" name="Footer Placeholder 4"/>
           <p:cNvSpPr>
             <a:spLocks noGrp="1"/>
           </p:cNvSpPr>
@@ -2896,7 +2911,7 @@
       </p:sp>
       <p:sp>
         <p:nvSpPr>
-          <p:cNvPr id="6" name="スライド番号プレースホルダー 5"/>
+          <p:cNvPr id="6" name="Slide Number Placeholder 5"/>
           <p:cNvSpPr>
             <a:spLocks noGrp="1"/>
           </p:cNvSpPr>
@@ -2938,23 +2953,23 @@
     </p:spTree>
     <p:extLst>
       <p:ext uri="{BB962C8B-B14F-4D97-AF65-F5344CB8AC3E}">
-        <p14:creationId xmlns:p14="http://schemas.microsoft.com/office/powerpoint/2010/main" val="662945888"/>
+        <p14:creationId xmlns:p14="http://schemas.microsoft.com/office/powerpoint/2010/main" val="3642907883"/>
       </p:ext>
     </p:extLst>
   </p:cSld>
   <p:clrMap bg1="lt1" tx1="dk1" bg2="lt2" tx2="dk2" accent1="accent1" accent2="accent2" accent3="accent3" accent4="accent4" accent5="accent5" accent6="accent6" hlink="hlink" folHlink="folHlink"/>
   <p:sldLayoutIdLst>
-    <p:sldLayoutId id="2147483649" r:id="rId1"/>
-    <p:sldLayoutId id="2147483650" r:id="rId2"/>
-    <p:sldLayoutId id="2147483651" r:id="rId3"/>
-    <p:sldLayoutId id="2147483652" r:id="rId4"/>
-    <p:sldLayoutId id="2147483653" r:id="rId5"/>
-    <p:sldLayoutId id="2147483654" r:id="rId6"/>
-    <p:sldLayoutId id="2147483655" r:id="rId7"/>
-    <p:sldLayoutId id="2147483656" r:id="rId8"/>
-    <p:sldLayoutId id="2147483657" r:id="rId9"/>
-    <p:sldLayoutId id="2147483658" r:id="rId10"/>
-    <p:sldLayoutId id="2147483659" r:id="rId11"/>
+    <p:sldLayoutId id="2147483673" r:id="rId1"/>
+    <p:sldLayoutId id="2147483674" r:id="rId2"/>
+    <p:sldLayoutId id="2147483675" r:id="rId3"/>
+    <p:sldLayoutId id="2147483676" r:id="rId4"/>
+    <p:sldLayoutId id="2147483677" r:id="rId5"/>
+    <p:sldLayoutId id="2147483678" r:id="rId6"/>
+    <p:sldLayoutId id="2147483679" r:id="rId7"/>
+    <p:sldLayoutId id="2147483680" r:id="rId8"/>
+    <p:sldLayoutId id="2147483681" r:id="rId9"/>
+    <p:sldLayoutId id="2147483682" r:id="rId10"/>
+    <p:sldLayoutId id="2147483683" r:id="rId11"/>
   </p:sldLayoutIdLst>
   <p:txStyles>
     <p:titleStyle>
@@ -3142,7 +3157,7 @@
     </p:bodyStyle>
     <p:otherStyle>
       <a:defPPr>
-        <a:defRPr lang="ja-JP"/>
+        <a:defRPr lang="en-US"/>
       </a:defPPr>
       <a:lvl1pPr marL="0" algn="l" defTabSz="914400" rtl="0" eaLnBrk="1" latinLnBrk="0" hangingPunct="1">
         <a:defRPr kumimoji="1" sz="1800" kern="1200">
@@ -3318,6 +3333,1139 @@
 </p:sld>
 </file>
 
+<file path=ppt/slides/slide10.xml><?xml version="1.0" encoding="utf-8"?>
+<p:sld xmlns:a="http://schemas.openxmlformats.org/drawingml/2006/main" xmlns:r="http://schemas.openxmlformats.org/officeDocument/2006/relationships" xmlns:p="http://schemas.openxmlformats.org/presentationml/2006/main">
+  <p:cSld>
+    <p:spTree>
+      <p:nvGrpSpPr>
+        <p:cNvPr id="1" name=""/>
+        <p:cNvGrpSpPr/>
+        <p:nvPr/>
+      </p:nvGrpSpPr>
+      <p:grpSpPr>
+        <a:xfrm>
+          <a:off x="0" y="0"/>
+          <a:ext cx="0" cy="0"/>
+          <a:chOff x="0" y="0"/>
+          <a:chExt cx="0" cy="0"/>
+        </a:xfrm>
+      </p:grpSpPr>
+      <p:sp>
+        <p:nvSpPr>
+          <p:cNvPr id="13" name="平行四辺形 12"/>
+          <p:cNvSpPr/>
+          <p:nvPr/>
+        </p:nvSpPr>
+        <p:spPr>
+          <a:xfrm>
+            <a:off x="0" y="3657600"/>
+            <a:ext cx="12192000" cy="3200401"/>
+          </a:xfrm>
+          <a:prstGeom prst="parallelogram">
+            <a:avLst/>
+          </a:prstGeom>
+          <a:solidFill>
+            <a:schemeClr val="accent1">
+              <a:lumMod val="40000"/>
+              <a:lumOff val="60000"/>
+            </a:schemeClr>
+          </a:solidFill>
+        </p:spPr>
+        <p:style>
+          <a:lnRef idx="2">
+            <a:schemeClr val="accent1">
+              <a:shade val="50000"/>
+            </a:schemeClr>
+          </a:lnRef>
+          <a:fillRef idx="1">
+            <a:schemeClr val="accent1"/>
+          </a:fillRef>
+          <a:effectRef idx="0">
+            <a:schemeClr val="accent1"/>
+          </a:effectRef>
+          <a:fontRef idx="minor">
+            <a:schemeClr val="lt1"/>
+          </a:fontRef>
+        </p:style>
+        <p:txBody>
+          <a:bodyPr rtlCol="0" anchor="ctr"/>
+          <a:lstStyle/>
+          <a:p>
+            <a:pPr algn="ctr"/>
+            <a:endParaRPr kumimoji="1" lang="ja-JP" altLang="en-US" sz="16600" b="1" dirty="0">
+              <a:effectLst>
+                <a:outerShdw blurRad="38100" dist="38100" dir="2700000" algn="tl">
+                  <a:srgbClr val="000000">
+                    <a:alpha val="43137"/>
+                  </a:srgbClr>
+                </a:outerShdw>
+              </a:effectLst>
+            </a:endParaRPr>
+          </a:p>
+        </p:txBody>
+      </p:sp>
+      <p:sp>
+        <p:nvSpPr>
+          <p:cNvPr id="10" name="角丸四角形 9"/>
+          <p:cNvSpPr/>
+          <p:nvPr/>
+        </p:nvSpPr>
+        <p:spPr>
+          <a:xfrm>
+            <a:off x="1389184" y="6251331"/>
+            <a:ext cx="9267092" cy="474785"/>
+          </a:xfrm>
+          <a:prstGeom prst="roundRect">
+            <a:avLst/>
+          </a:prstGeom>
+          <a:solidFill>
+            <a:srgbClr val="00B050"/>
+          </a:solidFill>
+        </p:spPr>
+        <p:style>
+          <a:lnRef idx="2">
+            <a:schemeClr val="accent1">
+              <a:shade val="50000"/>
+            </a:schemeClr>
+          </a:lnRef>
+          <a:fillRef idx="1">
+            <a:schemeClr val="accent1"/>
+          </a:fillRef>
+          <a:effectRef idx="0">
+            <a:schemeClr val="accent1"/>
+          </a:effectRef>
+          <a:fontRef idx="minor">
+            <a:schemeClr val="lt1"/>
+          </a:fontRef>
+        </p:style>
+        <p:txBody>
+          <a:bodyPr rtlCol="0" anchor="ctr"/>
+          <a:lstStyle/>
+          <a:p>
+            <a:pPr algn="ctr"/>
+            <a:endParaRPr kumimoji="1" lang="ja-JP" altLang="en-US"/>
+          </a:p>
+        </p:txBody>
+      </p:sp>
+      <p:sp>
+        <p:nvSpPr>
+          <p:cNvPr id="11" name="楕円 10"/>
+          <p:cNvSpPr/>
+          <p:nvPr/>
+        </p:nvSpPr>
+        <p:spPr>
+          <a:xfrm>
+            <a:off x="1389184" y="5790871"/>
+            <a:ext cx="9267092" cy="920918"/>
+          </a:xfrm>
+          <a:prstGeom prst="ellipse">
+            <a:avLst/>
+          </a:prstGeom>
+          <a:solidFill>
+            <a:srgbClr val="92D050"/>
+          </a:solidFill>
+          <a:ln w="76200">
+            <a:solidFill>
+              <a:schemeClr val="tx1"/>
+            </a:solidFill>
+          </a:ln>
+        </p:spPr>
+        <p:style>
+          <a:lnRef idx="2">
+            <a:schemeClr val="accent1">
+              <a:shade val="50000"/>
+            </a:schemeClr>
+          </a:lnRef>
+          <a:fillRef idx="1">
+            <a:schemeClr val="accent1"/>
+          </a:fillRef>
+          <a:effectRef idx="0">
+            <a:schemeClr val="accent1"/>
+          </a:effectRef>
+          <a:fontRef idx="minor">
+            <a:schemeClr val="lt1"/>
+          </a:fontRef>
+        </p:style>
+        <p:txBody>
+          <a:bodyPr rtlCol="0" anchor="ctr"/>
+          <a:lstStyle/>
+          <a:p>
+            <a:pPr algn="ctr"/>
+            <a:endParaRPr kumimoji="1" lang="ja-JP" altLang="en-US"/>
+          </a:p>
+        </p:txBody>
+      </p:sp>
+      <p:sp>
+        <p:nvSpPr>
+          <p:cNvPr id="12" name="テキスト ボックス 11"/>
+          <p:cNvSpPr txBox="1"/>
+          <p:nvPr/>
+        </p:nvSpPr>
+        <p:spPr>
+          <a:xfrm>
+            <a:off x="3744213" y="5743498"/>
+            <a:ext cx="4083264" cy="1015663"/>
+          </a:xfrm>
+          <a:prstGeom prst="rect">
+            <a:avLst/>
+          </a:prstGeom>
+          <a:noFill/>
+        </p:spPr>
+        <p:txBody>
+          <a:bodyPr wrap="square" rtlCol="0">
+            <a:spAutoFit/>
+          </a:bodyPr>
+          <a:lstStyle/>
+          <a:p>
+            <a:pPr algn="ctr"/>
+            <a:r>
+              <a:rPr lang="ja-JP" altLang="en-US" sz="6000" b="1" dirty="0">
+                <a:solidFill>
+                  <a:srgbClr val="FF0000"/>
+                </a:solidFill>
+                <a:effectLst>
+                  <a:outerShdw blurRad="38100" dist="38100" dir="2700000" algn="tl">
+                    <a:srgbClr val="000000">
+                      <a:alpha val="43137"/>
+                    </a:srgbClr>
+                  </a:outerShdw>
+                </a:effectLst>
+              </a:rPr>
+              <a:t>戦場</a:t>
+            </a:r>
+            <a:endParaRPr kumimoji="1" lang="ja-JP" altLang="en-US" sz="6000" b="1" dirty="0">
+              <a:solidFill>
+                <a:srgbClr val="FF0000"/>
+              </a:solidFill>
+              <a:effectLst>
+                <a:outerShdw blurRad="38100" dist="38100" dir="2700000" algn="tl">
+                  <a:srgbClr val="000000">
+                    <a:alpha val="43137"/>
+                  </a:srgbClr>
+                </a:outerShdw>
+              </a:effectLst>
+            </a:endParaRPr>
+          </a:p>
+        </p:txBody>
+      </p:sp>
+      <p:sp>
+        <p:nvSpPr>
+          <p:cNvPr id="14" name="正方形/長方形 13"/>
+          <p:cNvSpPr/>
+          <p:nvPr/>
+        </p:nvSpPr>
+        <p:spPr>
+          <a:xfrm rot="5230286">
+            <a:off x="108705" y="3490301"/>
+            <a:ext cx="2048608" cy="202223"/>
+          </a:xfrm>
+          <a:prstGeom prst="rect">
+            <a:avLst/>
+          </a:prstGeom>
+          <a:solidFill>
+            <a:srgbClr val="FF0000"/>
+          </a:solidFill>
+        </p:spPr>
+        <p:style>
+          <a:lnRef idx="2">
+            <a:schemeClr val="accent1">
+              <a:shade val="50000"/>
+            </a:schemeClr>
+          </a:lnRef>
+          <a:fillRef idx="1">
+            <a:schemeClr val="accent1"/>
+          </a:fillRef>
+          <a:effectRef idx="0">
+            <a:schemeClr val="accent1"/>
+          </a:effectRef>
+          <a:fontRef idx="minor">
+            <a:schemeClr val="lt1"/>
+          </a:fontRef>
+        </p:style>
+        <p:txBody>
+          <a:bodyPr rtlCol="0" anchor="ctr"/>
+          <a:lstStyle/>
+          <a:p>
+            <a:pPr algn="ctr"/>
+            <a:endParaRPr kumimoji="1" lang="ja-JP" altLang="en-US"/>
+          </a:p>
+        </p:txBody>
+      </p:sp>
+      <p:sp>
+        <p:nvSpPr>
+          <p:cNvPr id="15" name="正方形/長方形 14"/>
+          <p:cNvSpPr/>
+          <p:nvPr/>
+        </p:nvSpPr>
+        <p:spPr>
+          <a:xfrm rot="5230286">
+            <a:off x="1074992" y="3490300"/>
+            <a:ext cx="2048608" cy="202223"/>
+          </a:xfrm>
+          <a:prstGeom prst="rect">
+            <a:avLst/>
+          </a:prstGeom>
+          <a:solidFill>
+            <a:srgbClr val="FF0000"/>
+          </a:solidFill>
+        </p:spPr>
+        <p:style>
+          <a:lnRef idx="2">
+            <a:schemeClr val="accent1">
+              <a:shade val="50000"/>
+            </a:schemeClr>
+          </a:lnRef>
+          <a:fillRef idx="1">
+            <a:schemeClr val="accent1"/>
+          </a:fillRef>
+          <a:effectRef idx="0">
+            <a:schemeClr val="accent1"/>
+          </a:effectRef>
+          <a:fontRef idx="minor">
+            <a:schemeClr val="lt1"/>
+          </a:fontRef>
+        </p:style>
+        <p:txBody>
+          <a:bodyPr rtlCol="0" anchor="ctr"/>
+          <a:lstStyle/>
+          <a:p>
+            <a:pPr algn="ctr"/>
+            <a:endParaRPr kumimoji="1" lang="ja-JP" altLang="en-US"/>
+          </a:p>
+        </p:txBody>
+      </p:sp>
+      <p:sp>
+        <p:nvSpPr>
+          <p:cNvPr id="16" name="正方形/長方形 15"/>
+          <p:cNvSpPr/>
+          <p:nvPr/>
+        </p:nvSpPr>
+        <p:spPr>
+          <a:xfrm>
+            <a:off x="643303" y="2525208"/>
+            <a:ext cx="2048608" cy="202223"/>
+          </a:xfrm>
+          <a:prstGeom prst="rect">
+            <a:avLst/>
+          </a:prstGeom>
+          <a:solidFill>
+            <a:srgbClr val="FF0000"/>
+          </a:solidFill>
+        </p:spPr>
+        <p:style>
+          <a:lnRef idx="2">
+            <a:schemeClr val="accent1">
+              <a:shade val="50000"/>
+            </a:schemeClr>
+          </a:lnRef>
+          <a:fillRef idx="1">
+            <a:schemeClr val="accent1"/>
+          </a:fillRef>
+          <a:effectRef idx="0">
+            <a:schemeClr val="accent1"/>
+          </a:effectRef>
+          <a:fontRef idx="minor">
+            <a:schemeClr val="lt1"/>
+          </a:fontRef>
+        </p:style>
+        <p:txBody>
+          <a:bodyPr rtlCol="0" anchor="ctr"/>
+          <a:lstStyle/>
+          <a:p>
+            <a:pPr algn="ctr"/>
+            <a:endParaRPr kumimoji="1" lang="ja-JP" altLang="en-US"/>
+          </a:p>
+        </p:txBody>
+      </p:sp>
+      <p:sp>
+        <p:nvSpPr>
+          <p:cNvPr id="17" name="正方形/長方形 16"/>
+          <p:cNvSpPr/>
+          <p:nvPr/>
+        </p:nvSpPr>
+        <p:spPr>
+          <a:xfrm>
+            <a:off x="468922" y="2825146"/>
+            <a:ext cx="2397370" cy="117962"/>
+          </a:xfrm>
+          <a:prstGeom prst="rect">
+            <a:avLst/>
+          </a:prstGeom>
+          <a:solidFill>
+            <a:srgbClr val="FF0000"/>
+          </a:solidFill>
+        </p:spPr>
+        <p:style>
+          <a:lnRef idx="2">
+            <a:schemeClr val="accent1">
+              <a:shade val="50000"/>
+            </a:schemeClr>
+          </a:lnRef>
+          <a:fillRef idx="1">
+            <a:schemeClr val="accent1"/>
+          </a:fillRef>
+          <a:effectRef idx="0">
+            <a:schemeClr val="accent1"/>
+          </a:effectRef>
+          <a:fontRef idx="minor">
+            <a:schemeClr val="lt1"/>
+          </a:fontRef>
+        </p:style>
+        <p:txBody>
+          <a:bodyPr rtlCol="0" anchor="ctr"/>
+          <a:lstStyle/>
+          <a:p>
+            <a:pPr algn="ctr"/>
+            <a:endParaRPr kumimoji="1" lang="ja-JP" altLang="en-US"/>
+          </a:p>
+        </p:txBody>
+      </p:sp>
+      <p:sp>
+        <p:nvSpPr>
+          <p:cNvPr id="18" name="星 7 17"/>
+          <p:cNvSpPr/>
+          <p:nvPr/>
+        </p:nvSpPr>
+        <p:spPr>
+          <a:xfrm>
+            <a:off x="9717996" y="3675566"/>
+            <a:ext cx="2365131" cy="1479013"/>
+          </a:xfrm>
+          <a:prstGeom prst="star7">
+            <a:avLst/>
+          </a:prstGeom>
+          <a:solidFill>
+            <a:schemeClr val="bg2">
+              <a:lumMod val="90000"/>
+            </a:schemeClr>
+          </a:solidFill>
+          <a:ln w="57150">
+            <a:solidFill>
+              <a:schemeClr val="tx1">
+                <a:lumMod val="50000"/>
+                <a:lumOff val="50000"/>
+              </a:schemeClr>
+            </a:solidFill>
+          </a:ln>
+        </p:spPr>
+        <p:style>
+          <a:lnRef idx="2">
+            <a:schemeClr val="accent1">
+              <a:shade val="50000"/>
+            </a:schemeClr>
+          </a:lnRef>
+          <a:fillRef idx="1">
+            <a:schemeClr val="accent1"/>
+          </a:fillRef>
+          <a:effectRef idx="0">
+            <a:schemeClr val="accent1"/>
+          </a:effectRef>
+          <a:fontRef idx="minor">
+            <a:schemeClr val="lt1"/>
+          </a:fontRef>
+        </p:style>
+        <p:txBody>
+          <a:bodyPr rtlCol="0" anchor="ctr"/>
+          <a:lstStyle/>
+          <a:p>
+            <a:pPr algn="ctr"/>
+            <a:endParaRPr kumimoji="1" lang="ja-JP" altLang="en-US"/>
+          </a:p>
+        </p:txBody>
+      </p:sp>
+      <p:sp>
+        <p:nvSpPr>
+          <p:cNvPr id="19" name="楕円 18"/>
+          <p:cNvSpPr/>
+          <p:nvPr/>
+        </p:nvSpPr>
+        <p:spPr>
+          <a:xfrm>
+            <a:off x="10102658" y="4010197"/>
+            <a:ext cx="448407" cy="404875"/>
+          </a:xfrm>
+          <a:prstGeom prst="ellipse">
+            <a:avLst/>
+          </a:prstGeom>
+        </p:spPr>
+        <p:style>
+          <a:lnRef idx="2">
+            <a:schemeClr val="accent5">
+              <a:shade val="50000"/>
+            </a:schemeClr>
+          </a:lnRef>
+          <a:fillRef idx="1">
+            <a:schemeClr val="accent5"/>
+          </a:fillRef>
+          <a:effectRef idx="0">
+            <a:schemeClr val="accent5"/>
+          </a:effectRef>
+          <a:fontRef idx="minor">
+            <a:schemeClr val="lt1"/>
+          </a:fontRef>
+        </p:style>
+        <p:txBody>
+          <a:bodyPr rtlCol="0" anchor="ctr"/>
+          <a:lstStyle/>
+          <a:p>
+            <a:pPr algn="ctr"/>
+            <a:endParaRPr kumimoji="1" lang="ja-JP" altLang="en-US"/>
+          </a:p>
+        </p:txBody>
+      </p:sp>
+      <p:sp>
+        <p:nvSpPr>
+          <p:cNvPr id="20" name="楕円 19"/>
+          <p:cNvSpPr/>
+          <p:nvPr/>
+        </p:nvSpPr>
+        <p:spPr>
+          <a:xfrm>
+            <a:off x="10005511" y="4343203"/>
+            <a:ext cx="448407" cy="404875"/>
+          </a:xfrm>
+          <a:prstGeom prst="ellipse">
+            <a:avLst/>
+          </a:prstGeom>
+        </p:spPr>
+        <p:style>
+          <a:lnRef idx="2">
+            <a:schemeClr val="accent4">
+              <a:shade val="50000"/>
+            </a:schemeClr>
+          </a:lnRef>
+          <a:fillRef idx="1">
+            <a:schemeClr val="accent4"/>
+          </a:fillRef>
+          <a:effectRef idx="0">
+            <a:schemeClr val="accent4"/>
+          </a:effectRef>
+          <a:fontRef idx="minor">
+            <a:schemeClr val="lt1"/>
+          </a:fontRef>
+        </p:style>
+        <p:txBody>
+          <a:bodyPr rtlCol="0" anchor="ctr"/>
+          <a:lstStyle/>
+          <a:p>
+            <a:pPr algn="ctr"/>
+            <a:endParaRPr kumimoji="1" lang="ja-JP" altLang="en-US"/>
+          </a:p>
+        </p:txBody>
+      </p:sp>
+      <p:sp>
+        <p:nvSpPr>
+          <p:cNvPr id="21" name="テキスト ボックス 20"/>
+          <p:cNvSpPr txBox="1"/>
+          <p:nvPr/>
+        </p:nvSpPr>
+        <p:spPr>
+          <a:xfrm>
+            <a:off x="10143107" y="4099070"/>
+            <a:ext cx="2250831" cy="646331"/>
+          </a:xfrm>
+          <a:prstGeom prst="rect">
+            <a:avLst/>
+          </a:prstGeom>
+          <a:noFill/>
+        </p:spPr>
+        <p:txBody>
+          <a:bodyPr wrap="square" rtlCol="0">
+            <a:spAutoFit/>
+          </a:bodyPr>
+          <a:lstStyle/>
+          <a:p>
+            <a:pPr algn="ctr"/>
+            <a:r>
+              <a:rPr lang="ja-JP" altLang="en-US" sz="3600" b="1" dirty="0" smtClean="0">
+                <a:effectLst>
+                  <a:outerShdw blurRad="38100" dist="38100" dir="2700000" algn="tl">
+                    <a:srgbClr val="000000">
+                      <a:alpha val="43137"/>
+                    </a:srgbClr>
+                  </a:outerShdw>
+                </a:effectLst>
+              </a:rPr>
+              <a:t>岩</a:t>
+            </a:r>
+            <a:endParaRPr kumimoji="1" lang="ja-JP" altLang="en-US" sz="3600" b="1" dirty="0">
+              <a:effectLst>
+                <a:outerShdw blurRad="38100" dist="38100" dir="2700000" algn="tl">
+                  <a:srgbClr val="000000">
+                    <a:alpha val="43137"/>
+                  </a:srgbClr>
+                </a:outerShdw>
+              </a:effectLst>
+            </a:endParaRPr>
+          </a:p>
+        </p:txBody>
+      </p:sp>
+      <p:sp>
+        <p:nvSpPr>
+          <p:cNvPr id="23" name="楕円 22"/>
+          <p:cNvSpPr/>
+          <p:nvPr/>
+        </p:nvSpPr>
+        <p:spPr>
+          <a:xfrm>
+            <a:off x="7276664" y="3002319"/>
+            <a:ext cx="3527180" cy="934384"/>
+          </a:xfrm>
+          <a:prstGeom prst="ellipse">
+            <a:avLst/>
+          </a:prstGeom>
+          <a:solidFill>
+            <a:srgbClr val="92D050"/>
+          </a:solidFill>
+          <a:ln w="76200">
+            <a:solidFill>
+              <a:schemeClr val="tx1"/>
+            </a:solidFill>
+          </a:ln>
+        </p:spPr>
+        <p:style>
+          <a:lnRef idx="2">
+            <a:schemeClr val="accent1">
+              <a:shade val="50000"/>
+            </a:schemeClr>
+          </a:lnRef>
+          <a:fillRef idx="1">
+            <a:schemeClr val="accent1"/>
+          </a:fillRef>
+          <a:effectRef idx="0">
+            <a:schemeClr val="accent1"/>
+          </a:effectRef>
+          <a:fontRef idx="minor">
+            <a:schemeClr val="lt1"/>
+          </a:fontRef>
+        </p:style>
+        <p:txBody>
+          <a:bodyPr rtlCol="0" anchor="ctr"/>
+          <a:lstStyle/>
+          <a:p>
+            <a:pPr algn="ctr"/>
+            <a:endParaRPr kumimoji="1" lang="ja-JP" altLang="en-US"/>
+          </a:p>
+        </p:txBody>
+      </p:sp>
+      <p:sp>
+        <p:nvSpPr>
+          <p:cNvPr id="24" name="楕円 23"/>
+          <p:cNvSpPr/>
+          <p:nvPr/>
+        </p:nvSpPr>
+        <p:spPr>
+          <a:xfrm>
+            <a:off x="7892124" y="3389258"/>
+            <a:ext cx="448407" cy="404875"/>
+          </a:xfrm>
+          <a:prstGeom prst="ellipse">
+            <a:avLst/>
+          </a:prstGeom>
+        </p:spPr>
+        <p:style>
+          <a:lnRef idx="2">
+            <a:schemeClr val="accent1">
+              <a:shade val="50000"/>
+            </a:schemeClr>
+          </a:lnRef>
+          <a:fillRef idx="1">
+            <a:schemeClr val="accent1"/>
+          </a:fillRef>
+          <a:effectRef idx="0">
+            <a:schemeClr val="accent1"/>
+          </a:effectRef>
+          <a:fontRef idx="minor">
+            <a:schemeClr val="lt1"/>
+          </a:fontRef>
+        </p:style>
+        <p:txBody>
+          <a:bodyPr rtlCol="0" anchor="ctr"/>
+          <a:lstStyle/>
+          <a:p>
+            <a:pPr algn="ctr"/>
+            <a:endParaRPr kumimoji="1" lang="ja-JP" altLang="en-US"/>
+          </a:p>
+        </p:txBody>
+      </p:sp>
+      <p:sp>
+        <p:nvSpPr>
+          <p:cNvPr id="25" name="楕円 24"/>
+          <p:cNvSpPr/>
+          <p:nvPr/>
+        </p:nvSpPr>
+        <p:spPr>
+          <a:xfrm>
+            <a:off x="8189597" y="3400137"/>
+            <a:ext cx="448407" cy="404875"/>
+          </a:xfrm>
+          <a:prstGeom prst="ellipse">
+            <a:avLst/>
+          </a:prstGeom>
+        </p:spPr>
+        <p:style>
+          <a:lnRef idx="2">
+            <a:schemeClr val="accent4">
+              <a:shade val="50000"/>
+            </a:schemeClr>
+          </a:lnRef>
+          <a:fillRef idx="1">
+            <a:schemeClr val="accent4"/>
+          </a:fillRef>
+          <a:effectRef idx="0">
+            <a:schemeClr val="accent4"/>
+          </a:effectRef>
+          <a:fontRef idx="minor">
+            <a:schemeClr val="lt1"/>
+          </a:fontRef>
+        </p:style>
+        <p:txBody>
+          <a:bodyPr rtlCol="0" anchor="ctr"/>
+          <a:lstStyle/>
+          <a:p>
+            <a:pPr algn="ctr"/>
+            <a:endParaRPr kumimoji="1" lang="ja-JP" altLang="en-US"/>
+          </a:p>
+        </p:txBody>
+      </p:sp>
+      <p:sp>
+        <p:nvSpPr>
+          <p:cNvPr id="26" name="楕円 25"/>
+          <p:cNvSpPr/>
+          <p:nvPr/>
+        </p:nvSpPr>
+        <p:spPr>
+          <a:xfrm>
+            <a:off x="8930218" y="3371009"/>
+            <a:ext cx="448407" cy="404875"/>
+          </a:xfrm>
+          <a:prstGeom prst="ellipse">
+            <a:avLst/>
+          </a:prstGeom>
+        </p:spPr>
+        <p:style>
+          <a:lnRef idx="2">
+            <a:schemeClr val="accent5">
+              <a:shade val="50000"/>
+            </a:schemeClr>
+          </a:lnRef>
+          <a:fillRef idx="1">
+            <a:schemeClr val="accent5"/>
+          </a:fillRef>
+          <a:effectRef idx="0">
+            <a:schemeClr val="accent5"/>
+          </a:effectRef>
+          <a:fontRef idx="minor">
+            <a:schemeClr val="lt1"/>
+          </a:fontRef>
+        </p:style>
+        <p:txBody>
+          <a:bodyPr rtlCol="0" anchor="ctr"/>
+          <a:lstStyle/>
+          <a:p>
+            <a:pPr algn="ctr"/>
+            <a:endParaRPr kumimoji="1" lang="ja-JP" altLang="en-US"/>
+          </a:p>
+        </p:txBody>
+      </p:sp>
+      <p:sp>
+        <p:nvSpPr>
+          <p:cNvPr id="27" name="楕円 26"/>
+          <p:cNvSpPr/>
+          <p:nvPr/>
+        </p:nvSpPr>
+        <p:spPr>
+          <a:xfrm>
+            <a:off x="8526636" y="3407114"/>
+            <a:ext cx="448407" cy="404875"/>
+          </a:xfrm>
+          <a:prstGeom prst="ellipse">
+            <a:avLst/>
+          </a:prstGeom>
+        </p:spPr>
+        <p:style>
+          <a:lnRef idx="2">
+            <a:schemeClr val="accent3">
+              <a:shade val="50000"/>
+            </a:schemeClr>
+          </a:lnRef>
+          <a:fillRef idx="1">
+            <a:schemeClr val="accent3"/>
+          </a:fillRef>
+          <a:effectRef idx="0">
+            <a:schemeClr val="accent3"/>
+          </a:effectRef>
+          <a:fontRef idx="minor">
+            <a:schemeClr val="lt1"/>
+          </a:fontRef>
+        </p:style>
+        <p:txBody>
+          <a:bodyPr rtlCol="0" anchor="ctr"/>
+          <a:lstStyle/>
+          <a:p>
+            <a:pPr algn="ctr"/>
+            <a:endParaRPr kumimoji="1" lang="ja-JP" altLang="en-US"/>
+          </a:p>
+        </p:txBody>
+      </p:sp>
+      <p:sp>
+        <p:nvSpPr>
+          <p:cNvPr id="28" name="テキスト ボックス 27"/>
+          <p:cNvSpPr txBox="1"/>
+          <p:nvPr/>
+        </p:nvSpPr>
+        <p:spPr>
+          <a:xfrm>
+            <a:off x="198090" y="615462"/>
+            <a:ext cx="3341077" cy="646331"/>
+          </a:xfrm>
+          <a:prstGeom prst="rect">
+            <a:avLst/>
+          </a:prstGeom>
+          <a:noFill/>
+        </p:spPr>
+        <p:txBody>
+          <a:bodyPr wrap="square" rtlCol="0">
+            <a:spAutoFit/>
+          </a:bodyPr>
+          <a:lstStyle/>
+          <a:p>
+            <a:pPr algn="ctr"/>
+            <a:r>
+              <a:rPr kumimoji="1" lang="ja-JP" altLang="en-US" sz="3600" dirty="0" smtClean="0"/>
+              <a:t>空</a:t>
+            </a:r>
+            <a:endParaRPr kumimoji="1" lang="ja-JP" altLang="en-US" sz="3600" dirty="0"/>
+          </a:p>
+        </p:txBody>
+      </p:sp>
+    </p:spTree>
+    <p:extLst>
+      <p:ext uri="{BB962C8B-B14F-4D97-AF65-F5344CB8AC3E}">
+        <p14:creationId xmlns:p14="http://schemas.microsoft.com/office/powerpoint/2010/main" val="637629137"/>
+      </p:ext>
+    </p:extLst>
+  </p:cSld>
+  <p:clrMapOvr>
+    <a:masterClrMapping/>
+  </p:clrMapOvr>
+</p:sld>
+</file>
+
+<file path=ppt/slides/slide11.xml><?xml version="1.0" encoding="utf-8"?>
+<p:sld xmlns:a="http://schemas.openxmlformats.org/drawingml/2006/main" xmlns:r="http://schemas.openxmlformats.org/officeDocument/2006/relationships" xmlns:p="http://schemas.openxmlformats.org/presentationml/2006/main" show="0">
+  <p:cSld>
+    <p:spTree>
+      <p:nvGrpSpPr>
+        <p:cNvPr id="1" name=""/>
+        <p:cNvGrpSpPr/>
+        <p:nvPr/>
+      </p:nvGrpSpPr>
+      <p:grpSpPr>
+        <a:xfrm>
+          <a:off x="0" y="0"/>
+          <a:ext cx="0" cy="0"/>
+          <a:chOff x="0" y="0"/>
+          <a:chExt cx="0" cy="0"/>
+        </a:xfrm>
+      </p:grpSpPr>
+      <p:sp>
+        <p:nvSpPr>
+          <p:cNvPr id="7" name="正方形/長方形 6"/>
+          <p:cNvSpPr/>
+          <p:nvPr/>
+        </p:nvSpPr>
+        <p:spPr>
+          <a:xfrm>
+            <a:off x="1459524" y="3842237"/>
+            <a:ext cx="8519745" cy="2892670"/>
+          </a:xfrm>
+          <a:prstGeom prst="rect">
+            <a:avLst/>
+          </a:prstGeom>
+        </p:spPr>
+        <p:style>
+          <a:lnRef idx="2">
+            <a:schemeClr val="accent4">
+              <a:shade val="50000"/>
+            </a:schemeClr>
+          </a:lnRef>
+          <a:fillRef idx="1">
+            <a:schemeClr val="accent4"/>
+          </a:fillRef>
+          <a:effectRef idx="0">
+            <a:schemeClr val="accent4"/>
+          </a:effectRef>
+          <a:fontRef idx="minor">
+            <a:schemeClr val="lt1"/>
+          </a:fontRef>
+        </p:style>
+        <p:txBody>
+          <a:bodyPr rtlCol="0" anchor="ctr"/>
+          <a:lstStyle/>
+          <a:p>
+            <a:pPr algn="ctr"/>
+            <a:endParaRPr kumimoji="1" lang="ja-JP" altLang="en-US"/>
+          </a:p>
+        </p:txBody>
+      </p:sp>
+      <p:sp>
+        <p:nvSpPr>
+          <p:cNvPr id="2" name="タイトル 1"/>
+          <p:cNvSpPr>
+            <a:spLocks noGrp="1"/>
+          </p:cNvSpPr>
+          <p:nvPr>
+            <p:ph type="title"/>
+          </p:nvPr>
+        </p:nvSpPr>
+        <p:spPr/>
+        <p:txBody>
+          <a:bodyPr/>
+          <a:lstStyle/>
+          <a:p>
+            <a:r>
+              <a:rPr kumimoji="1" lang="ja-JP" altLang="en-US" dirty="0" smtClean="0"/>
+              <a:t>砂浜</a:t>
+            </a:r>
+            <a:endParaRPr kumimoji="1" lang="ja-JP" altLang="en-US" dirty="0"/>
+          </a:p>
+        </p:txBody>
+      </p:sp>
+      <p:sp>
+        <p:nvSpPr>
+          <p:cNvPr id="5" name="楕円 4"/>
+          <p:cNvSpPr/>
+          <p:nvPr/>
+        </p:nvSpPr>
+        <p:spPr>
+          <a:xfrm>
+            <a:off x="3472963" y="4185138"/>
+            <a:ext cx="5108330" cy="2206869"/>
+          </a:xfrm>
+          <a:prstGeom prst="ellipse">
+            <a:avLst/>
+          </a:prstGeom>
+          <a:solidFill>
+            <a:schemeClr val="bg1"/>
+          </a:solidFill>
+          <a:ln w="76200">
+            <a:solidFill>
+              <a:schemeClr val="tx1"/>
+            </a:solidFill>
+          </a:ln>
+        </p:spPr>
+        <p:style>
+          <a:lnRef idx="2">
+            <a:schemeClr val="accent1">
+              <a:shade val="50000"/>
+            </a:schemeClr>
+          </a:lnRef>
+          <a:fillRef idx="1">
+            <a:schemeClr val="accent1"/>
+          </a:fillRef>
+          <a:effectRef idx="0">
+            <a:schemeClr val="accent1"/>
+          </a:effectRef>
+          <a:fontRef idx="minor">
+            <a:schemeClr val="lt1"/>
+          </a:fontRef>
+        </p:style>
+        <p:txBody>
+          <a:bodyPr rtlCol="0" anchor="ctr"/>
+          <a:lstStyle/>
+          <a:p>
+            <a:pPr algn="ctr"/>
+            <a:endParaRPr kumimoji="1" lang="ja-JP" altLang="en-US"/>
+          </a:p>
+        </p:txBody>
+      </p:sp>
+      <p:sp>
+        <p:nvSpPr>
+          <p:cNvPr id="6" name="平行四辺形 5"/>
+          <p:cNvSpPr/>
+          <p:nvPr/>
+        </p:nvSpPr>
+        <p:spPr>
+          <a:xfrm>
+            <a:off x="1459524" y="1203752"/>
+            <a:ext cx="9135208" cy="2871799"/>
+          </a:xfrm>
+          <a:prstGeom prst="parallelogram">
+            <a:avLst/>
+          </a:prstGeom>
+          <a:solidFill>
+            <a:schemeClr val="accent1">
+              <a:lumMod val="40000"/>
+              <a:lumOff val="60000"/>
+            </a:schemeClr>
+          </a:solidFill>
+        </p:spPr>
+        <p:style>
+          <a:lnRef idx="2">
+            <a:schemeClr val="accent1">
+              <a:shade val="50000"/>
+            </a:schemeClr>
+          </a:lnRef>
+          <a:fillRef idx="1">
+            <a:schemeClr val="accent1"/>
+          </a:fillRef>
+          <a:effectRef idx="0">
+            <a:schemeClr val="accent1"/>
+          </a:effectRef>
+          <a:fontRef idx="minor">
+            <a:schemeClr val="lt1"/>
+          </a:fontRef>
+        </p:style>
+        <p:txBody>
+          <a:bodyPr rtlCol="0" anchor="ctr"/>
+          <a:lstStyle/>
+          <a:p>
+            <a:pPr algn="ctr"/>
+            <a:r>
+              <a:rPr kumimoji="1" lang="ja-JP" altLang="en-US" sz="16600" b="1" dirty="0" smtClean="0">
+                <a:effectLst>
+                  <a:outerShdw blurRad="38100" dist="38100" dir="2700000" algn="tl">
+                    <a:srgbClr val="000000">
+                      <a:alpha val="43137"/>
+                    </a:srgbClr>
+                  </a:outerShdw>
+                </a:effectLst>
+              </a:rPr>
+              <a:t>海</a:t>
+            </a:r>
+            <a:endParaRPr kumimoji="1" lang="ja-JP" altLang="en-US" sz="16600" b="1" dirty="0">
+              <a:effectLst>
+                <a:outerShdw blurRad="38100" dist="38100" dir="2700000" algn="tl">
+                  <a:srgbClr val="000000">
+                    <a:alpha val="43137"/>
+                  </a:srgbClr>
+                </a:outerShdw>
+              </a:effectLst>
+            </a:endParaRPr>
+          </a:p>
+        </p:txBody>
+      </p:sp>
+      <p:sp>
+        <p:nvSpPr>
+          <p:cNvPr id="8" name="テキスト ボックス 7"/>
+          <p:cNvSpPr txBox="1"/>
+          <p:nvPr/>
+        </p:nvSpPr>
+        <p:spPr>
+          <a:xfrm>
+            <a:off x="1899138" y="4501662"/>
+            <a:ext cx="720969" cy="2123658"/>
+          </a:xfrm>
+          <a:prstGeom prst="rect">
+            <a:avLst/>
+          </a:prstGeom>
+          <a:noFill/>
+        </p:spPr>
+        <p:txBody>
+          <a:bodyPr wrap="square" rtlCol="0">
+            <a:spAutoFit/>
+          </a:bodyPr>
+          <a:lstStyle/>
+          <a:p>
+            <a:r>
+              <a:rPr kumimoji="1" lang="ja-JP" altLang="en-US" sz="6600" b="1" dirty="0" smtClean="0">
+                <a:effectLst>
+                  <a:outerShdw blurRad="38100" dist="38100" dir="2700000" algn="tl">
+                    <a:srgbClr val="000000">
+                      <a:alpha val="43137"/>
+                    </a:srgbClr>
+                  </a:outerShdw>
+                </a:effectLst>
+              </a:rPr>
+              <a:t>砂浜</a:t>
+            </a:r>
+            <a:endParaRPr kumimoji="1" lang="ja-JP" altLang="en-US" sz="6600" b="1" dirty="0">
+              <a:effectLst>
+                <a:outerShdw blurRad="38100" dist="38100" dir="2700000" algn="tl">
+                  <a:srgbClr val="000000">
+                    <a:alpha val="43137"/>
+                  </a:srgbClr>
+                </a:outerShdw>
+              </a:effectLst>
+            </a:endParaRPr>
+          </a:p>
+        </p:txBody>
+      </p:sp>
+      <p:sp>
+        <p:nvSpPr>
+          <p:cNvPr id="9" name="テキスト ボックス 8"/>
+          <p:cNvSpPr txBox="1"/>
+          <p:nvPr/>
+        </p:nvSpPr>
+        <p:spPr>
+          <a:xfrm>
+            <a:off x="4985238" y="4818185"/>
+            <a:ext cx="2250831" cy="1015663"/>
+          </a:xfrm>
+          <a:prstGeom prst="rect">
+            <a:avLst/>
+          </a:prstGeom>
+          <a:noFill/>
+        </p:spPr>
+        <p:txBody>
+          <a:bodyPr wrap="square" rtlCol="0">
+            <a:spAutoFit/>
+          </a:bodyPr>
+          <a:lstStyle/>
+          <a:p>
+            <a:pPr algn="ctr"/>
+            <a:r>
+              <a:rPr lang="ja-JP" altLang="en-US" sz="6000" b="1" dirty="0">
+                <a:solidFill>
+                  <a:srgbClr val="FF0000"/>
+                </a:solidFill>
+                <a:effectLst>
+                  <a:outerShdw blurRad="38100" dist="38100" dir="2700000" algn="tl">
+                    <a:srgbClr val="000000">
+                      <a:alpha val="43137"/>
+                    </a:srgbClr>
+                  </a:outerShdw>
+                </a:effectLst>
+              </a:rPr>
+              <a:t>戦場</a:t>
+            </a:r>
+            <a:endParaRPr kumimoji="1" lang="ja-JP" altLang="en-US" sz="6000" b="1" dirty="0">
+              <a:solidFill>
+                <a:srgbClr val="FF0000"/>
+              </a:solidFill>
+              <a:effectLst>
+                <a:outerShdw blurRad="38100" dist="38100" dir="2700000" algn="tl">
+                  <a:srgbClr val="000000">
+                    <a:alpha val="43137"/>
+                  </a:srgbClr>
+                </a:outerShdw>
+              </a:effectLst>
+            </a:endParaRPr>
+          </a:p>
+        </p:txBody>
+      </p:sp>
+    </p:spTree>
+    <p:extLst>
+      <p:ext uri="{BB962C8B-B14F-4D97-AF65-F5344CB8AC3E}">
+        <p14:creationId xmlns:p14="http://schemas.microsoft.com/office/powerpoint/2010/main" val="3341429340"/>
+      </p:ext>
+    </p:extLst>
+  </p:cSld>
+  <p:clrMapOvr>
+    <a:masterClrMapping/>
+  </p:clrMapOvr>
+  <mc:AlternateContent xmlns:mc="http://schemas.openxmlformats.org/markup-compatibility/2006">
+    <mc:Choice xmlns:p14="http://schemas.microsoft.com/office/powerpoint/2010/main" Requires="p14">
+      <p:transition spd="slow" p14:dur="2000"/>
+    </mc:Choice>
+    <mc:Fallback>
+      <p:transition spd="slow"/>
+    </mc:Fallback>
+  </mc:AlternateContent>
+</p:sld>
+</file>
+
 <file path=ppt/slides/slide2.xml><?xml version="1.0" encoding="utf-8"?>
 <p:sld xmlns:a="http://schemas.openxmlformats.org/drawingml/2006/main" xmlns:r="http://schemas.openxmlformats.org/officeDocument/2006/relationships" xmlns:p="http://schemas.openxmlformats.org/presentationml/2006/main">
   <p:cSld>
@@ -3343,8 +4491,8 @@
         </p:nvSpPr>
         <p:spPr>
           <a:xfrm>
-            <a:off x="2417884" y="1547446"/>
-            <a:ext cx="7323993" cy="4800600"/>
+            <a:off x="1644162" y="764931"/>
+            <a:ext cx="9291552" cy="6090260"/>
           </a:xfrm>
           <a:prstGeom prst="rect">
             <a:avLst/>
@@ -3395,7 +4543,12 @@
             <p:ph type="title"/>
           </p:nvPr>
         </p:nvSpPr>
-        <p:spPr/>
+        <p:spPr>
+          <a:xfrm>
+            <a:off x="420114" y="102149"/>
+            <a:ext cx="10515600" cy="1325563"/>
+          </a:xfrm>
+        </p:spPr>
         <p:txBody>
           <a:bodyPr/>
           <a:lstStyle/>
@@ -3532,7 +4685,7 @@
         </p:nvSpPr>
         <p:spPr>
           <a:xfrm>
-            <a:off x="2575055" y="1739918"/>
+            <a:off x="1739786" y="764931"/>
             <a:ext cx="1451821" cy="584775"/>
           </a:xfrm>
           <a:prstGeom prst="rect">
@@ -3586,89 +4739,6 @@
       </p:grpSpPr>
       <p:sp>
         <p:nvSpPr>
-          <p:cNvPr id="6" name="二等辺三角形 5"/>
-          <p:cNvSpPr/>
-          <p:nvPr/>
-        </p:nvSpPr>
-        <p:spPr>
-          <a:xfrm>
-            <a:off x="3811465" y="1940826"/>
-            <a:ext cx="4378570" cy="4844562"/>
-          </a:xfrm>
-          <a:prstGeom prst="triangle">
-            <a:avLst/>
-          </a:prstGeom>
-          <a:solidFill>
-            <a:schemeClr val="accent2">
-              <a:lumMod val="75000"/>
-            </a:schemeClr>
-          </a:solidFill>
-        </p:spPr>
-        <p:style>
-          <a:lnRef idx="2">
-            <a:schemeClr val="accent1">
-              <a:shade val="50000"/>
-            </a:schemeClr>
-          </a:lnRef>
-          <a:fillRef idx="1">
-            <a:schemeClr val="accent1"/>
-          </a:fillRef>
-          <a:effectRef idx="0">
-            <a:schemeClr val="accent1"/>
-          </a:effectRef>
-          <a:fontRef idx="minor">
-            <a:schemeClr val="lt1"/>
-          </a:fontRef>
-        </p:style>
-        <p:txBody>
-          <a:bodyPr rtlCol="0" anchor="ctr"/>
-          <a:lstStyle/>
-          <a:p>
-            <a:pPr algn="ctr"/>
-            <a:endParaRPr kumimoji="1" lang="ja-JP" altLang="en-US"/>
-          </a:p>
-        </p:txBody>
-      </p:sp>
-      <p:sp>
-        <p:nvSpPr>
-          <p:cNvPr id="7" name="二等辺三角形 6"/>
-          <p:cNvSpPr/>
-          <p:nvPr/>
-        </p:nvSpPr>
-        <p:spPr>
-          <a:xfrm>
-            <a:off x="4962159" y="1948191"/>
-            <a:ext cx="2077182" cy="2350111"/>
-          </a:xfrm>
-          <a:prstGeom prst="triangle">
-            <a:avLst/>
-          </a:prstGeom>
-        </p:spPr>
-        <p:style>
-          <a:lnRef idx="2">
-            <a:schemeClr val="accent2"/>
-          </a:lnRef>
-          <a:fillRef idx="1">
-            <a:schemeClr val="lt1"/>
-          </a:fillRef>
-          <a:effectRef idx="0">
-            <a:schemeClr val="accent2"/>
-          </a:effectRef>
-          <a:fontRef idx="minor">
-            <a:schemeClr val="dk1"/>
-          </a:fontRef>
-        </p:style>
-        <p:txBody>
-          <a:bodyPr rtlCol="0" anchor="ctr"/>
-          <a:lstStyle/>
-          <a:p>
-            <a:pPr algn="ctr"/>
-            <a:endParaRPr kumimoji="1" lang="ja-JP" altLang="en-US"/>
-          </a:p>
-        </p:txBody>
-      </p:sp>
-      <p:sp>
-        <p:nvSpPr>
           <p:cNvPr id="2" name="タイトル 1"/>
           <p:cNvSpPr>
             <a:spLocks noGrp="1"/>
@@ -3677,108 +4747,21 @@
             <p:ph type="title"/>
           </p:nvPr>
         </p:nvSpPr>
-        <p:spPr/>
-        <p:txBody>
-          <a:bodyPr/>
-          <a:lstStyle/>
-          <a:p>
-            <a:r>
-              <a:rPr kumimoji="1" lang="ja-JP" altLang="en-US" dirty="0" smtClean="0"/>
-              <a:t>崖</a:t>
-            </a:r>
-            <a:endParaRPr kumimoji="1" lang="ja-JP" altLang="en-US" dirty="0"/>
-          </a:p>
-        </p:txBody>
-      </p:sp>
-      <p:sp>
-        <p:nvSpPr>
-          <p:cNvPr id="4" name="楕円 3"/>
-          <p:cNvSpPr/>
-          <p:nvPr/>
-        </p:nvSpPr>
-        <p:spPr>
-          <a:xfrm>
-            <a:off x="3446586" y="1046286"/>
-            <a:ext cx="5108330" cy="2804745"/>
-          </a:xfrm>
-          <a:prstGeom prst="ellipse">
-            <a:avLst/>
-          </a:prstGeom>
-          <a:solidFill>
-            <a:schemeClr val="accent2"/>
-          </a:solidFill>
-          <a:ln w="76200">
-            <a:solidFill>
-              <a:schemeClr val="tx1"/>
-            </a:solidFill>
-          </a:ln>
-        </p:spPr>
-        <p:style>
-          <a:lnRef idx="2">
-            <a:schemeClr val="accent1">
-              <a:shade val="50000"/>
-            </a:schemeClr>
-          </a:lnRef>
-          <a:fillRef idx="1">
-            <a:schemeClr val="accent1"/>
-          </a:fillRef>
-          <a:effectRef idx="0">
-            <a:schemeClr val="accent1"/>
-          </a:effectRef>
-          <a:fontRef idx="minor">
-            <a:schemeClr val="lt1"/>
-          </a:fontRef>
-        </p:style>
-        <p:txBody>
-          <a:bodyPr rtlCol="0" anchor="ctr"/>
+        <p:spPr>
+          <a:xfrm>
+            <a:off x="811823" y="2853349"/>
+            <a:ext cx="10515600" cy="1325563"/>
+          </a:xfrm>
+        </p:spPr>
+        <p:txBody>
+          <a:bodyPr>
+            <a:noAutofit/>
+          </a:bodyPr>
           <a:lstStyle/>
           <a:p>
             <a:pPr algn="ctr"/>
-            <a:endParaRPr kumimoji="1" lang="ja-JP" altLang="en-US" b="1">
-              <a:ln w="22225">
-                <a:solidFill>
-                  <a:schemeClr val="accent2"/>
-                </a:solidFill>
-                <a:prstDash val="solid"/>
-              </a:ln>
-              <a:solidFill>
-                <a:schemeClr val="accent2">
-                  <a:lumMod val="40000"/>
-                  <a:lumOff val="60000"/>
-                </a:schemeClr>
-              </a:solidFill>
-            </a:endParaRPr>
-          </a:p>
-        </p:txBody>
-      </p:sp>
-      <p:sp>
-        <p:nvSpPr>
-          <p:cNvPr id="5" name="テキスト ボックス 4"/>
-          <p:cNvSpPr txBox="1"/>
-          <p:nvPr/>
-        </p:nvSpPr>
-        <p:spPr>
-          <a:xfrm>
-            <a:off x="4875335" y="1940826"/>
-            <a:ext cx="2250831" cy="1015663"/>
-          </a:xfrm>
-          <a:prstGeom prst="rect">
-            <a:avLst/>
-          </a:prstGeom>
-          <a:noFill/>
-        </p:spPr>
-        <p:txBody>
-          <a:bodyPr wrap="square" rtlCol="0">
-            <a:spAutoFit/>
-          </a:bodyPr>
-          <a:lstStyle/>
-          <a:p>
-            <a:pPr algn="ctr"/>
-            <a:r>
-              <a:rPr lang="ja-JP" altLang="en-US" sz="6000" b="1" dirty="0">
-                <a:solidFill>
-                  <a:schemeClr val="bg1"/>
-                </a:solidFill>
+            <a:r>
+              <a:rPr kumimoji="1" lang="ja-JP" altLang="en-US" sz="9600" b="1" dirty="0" smtClean="0">
                 <a:effectLst>
                   <a:outerShdw blurRad="38100" dist="38100" dir="2700000" algn="tl">
                     <a:srgbClr val="000000">
@@ -3787,12 +4770,9 @@
                   </a:outerShdw>
                 </a:effectLst>
               </a:rPr>
-              <a:t>戦場</a:t>
-            </a:r>
-            <a:endParaRPr kumimoji="1" lang="ja-JP" altLang="en-US" sz="6000" b="1" dirty="0">
-              <a:solidFill>
-                <a:schemeClr val="bg1"/>
-              </a:solidFill>
+              <a:t>塔</a:t>
+            </a:r>
+            <a:endParaRPr kumimoji="1" lang="ja-JP" altLang="en-US" sz="9600" b="1" dirty="0">
               <a:effectLst>
                 <a:outerShdw blurRad="38100" dist="38100" dir="2700000" algn="tl">
                   <a:srgbClr val="000000">
@@ -3807,7 +4787,7 @@
     </p:spTree>
     <p:extLst>
       <p:ext uri="{BB962C8B-B14F-4D97-AF65-F5344CB8AC3E}">
-        <p14:creationId xmlns:p14="http://schemas.microsoft.com/office/powerpoint/2010/main" val="4126502916"/>
+        <p14:creationId xmlns:p14="http://schemas.microsoft.com/office/powerpoint/2010/main" val="2268110355"/>
       </p:ext>
     </p:extLst>
   </p:cSld>
@@ -3836,24 +4816,28 @@
       </p:grpSpPr>
       <p:sp>
         <p:nvSpPr>
-          <p:cNvPr id="6" name="平行四辺形 5"/>
+          <p:cNvPr id="4" name="正方形/長方形 3"/>
           <p:cNvSpPr/>
           <p:nvPr/>
         </p:nvSpPr>
         <p:spPr>
           <a:xfrm>
-            <a:off x="1345224" y="1230923"/>
-            <a:ext cx="9135208" cy="5433646"/>
-          </a:xfrm>
-          <a:prstGeom prst="parallelogram">
+            <a:off x="448408" y="158263"/>
+            <a:ext cx="11623430" cy="6523892"/>
+          </a:xfrm>
+          <a:prstGeom prst="rect">
             <a:avLst/>
           </a:prstGeom>
           <a:solidFill>
-            <a:schemeClr val="accent1">
-              <a:lumMod val="40000"/>
-              <a:lumOff val="60000"/>
+            <a:schemeClr val="bg2">
+              <a:lumMod val="90000"/>
             </a:schemeClr>
           </a:solidFill>
+          <a:ln w="76200">
+            <a:solidFill>
+              <a:schemeClr val="tx1"/>
+            </a:solidFill>
+          </a:ln>
         </p:spPr>
         <p:style>
           <a:lnRef idx="2">
@@ -3876,59 +4860,28 @@
           <a:lstStyle/>
           <a:p>
             <a:pPr algn="ctr"/>
-            <a:endParaRPr kumimoji="1" lang="ja-JP" altLang="en-US" sz="16600" b="1" dirty="0">
-              <a:effectLst>
-                <a:outerShdw blurRad="38100" dist="38100" dir="2700000" algn="tl">
-                  <a:srgbClr val="000000">
-                    <a:alpha val="43137"/>
-                  </a:srgbClr>
-                </a:outerShdw>
-              </a:effectLst>
-            </a:endParaRPr>
-          </a:p>
-        </p:txBody>
-      </p:sp>
-      <p:sp>
-        <p:nvSpPr>
-          <p:cNvPr id="2" name="タイトル 1"/>
-          <p:cNvSpPr>
-            <a:spLocks noGrp="1"/>
-          </p:cNvSpPr>
-          <p:nvPr>
-            <p:ph type="title"/>
-          </p:nvPr>
-        </p:nvSpPr>
-        <p:spPr/>
-        <p:txBody>
-          <a:bodyPr/>
-          <a:lstStyle/>
-          <a:p>
-            <a:r>
-              <a:rPr kumimoji="1" lang="ja-JP" altLang="en-US" dirty="0" smtClean="0"/>
-              <a:t>島</a:t>
-            </a:r>
-            <a:endParaRPr kumimoji="1" lang="ja-JP" altLang="en-US" dirty="0"/>
-          </a:p>
-        </p:txBody>
-      </p:sp>
-      <p:sp>
-        <p:nvSpPr>
-          <p:cNvPr id="5" name="楕円 4"/>
+            <a:endParaRPr kumimoji="1" lang="ja-JP" altLang="en-US"/>
+          </a:p>
+        </p:txBody>
+      </p:sp>
+      <p:sp>
+        <p:nvSpPr>
+          <p:cNvPr id="8" name="楕円 7"/>
           <p:cNvSpPr/>
           <p:nvPr/>
         </p:nvSpPr>
         <p:spPr>
           <a:xfrm>
-            <a:off x="3472963" y="1943100"/>
-            <a:ext cx="5108330" cy="4448907"/>
+            <a:off x="2156312" y="528758"/>
+            <a:ext cx="1635370" cy="1085849"/>
           </a:xfrm>
           <a:prstGeom prst="ellipse">
             <a:avLst/>
           </a:prstGeom>
           <a:solidFill>
-            <a:srgbClr val="92D050"/>
+            <a:schemeClr val="bg1"/>
           </a:solidFill>
-          <a:ln w="76200">
+          <a:ln>
             <a:solidFill>
               <a:schemeClr val="tx1"/>
             </a:solidFill>
@@ -3961,13 +4914,76 @@
       </p:sp>
       <p:sp>
         <p:nvSpPr>
-          <p:cNvPr id="8" name="テキスト ボックス 7"/>
+          <p:cNvPr id="5" name="楕円 4"/>
+          <p:cNvSpPr/>
+          <p:nvPr/>
+        </p:nvSpPr>
+        <p:spPr>
+          <a:xfrm>
+            <a:off x="3367454" y="1888194"/>
+            <a:ext cx="5108330" cy="3288322"/>
+          </a:xfrm>
+          <a:prstGeom prst="ellipse">
+            <a:avLst/>
+          </a:prstGeom>
+          <a:pattFill prst="dotGrid">
+            <a:fgClr>
+              <a:schemeClr val="tx1"/>
+            </a:fgClr>
+            <a:bgClr>
+              <a:schemeClr val="bg1"/>
+            </a:bgClr>
+          </a:pattFill>
+          <a:ln w="76200">
+            <a:solidFill>
+              <a:schemeClr val="tx1"/>
+            </a:solidFill>
+          </a:ln>
+        </p:spPr>
+        <p:style>
+          <a:lnRef idx="2">
+            <a:schemeClr val="accent1">
+              <a:shade val="50000"/>
+            </a:schemeClr>
+          </a:lnRef>
+          <a:fillRef idx="1">
+            <a:schemeClr val="accent1"/>
+          </a:fillRef>
+          <a:effectRef idx="0">
+            <a:schemeClr val="accent1"/>
+          </a:effectRef>
+          <a:fontRef idx="minor">
+            <a:schemeClr val="lt1"/>
+          </a:fontRef>
+        </p:style>
+        <p:txBody>
+          <a:bodyPr rtlCol="0" anchor="ctr"/>
+          <a:lstStyle/>
+          <a:p>
+            <a:pPr algn="ctr"/>
+            <a:endParaRPr kumimoji="1" lang="ja-JP" altLang="en-US" b="1">
+              <a:ln w="22225">
+                <a:solidFill>
+                  <a:schemeClr val="accent2"/>
+                </a:solidFill>
+                <a:prstDash val="solid"/>
+              </a:ln>
+              <a:solidFill>
+                <a:schemeClr val="bg1"/>
+              </a:solidFill>
+            </a:endParaRPr>
+          </a:p>
+        </p:txBody>
+      </p:sp>
+      <p:sp>
+        <p:nvSpPr>
+          <p:cNvPr id="6" name="テキスト ボックス 5"/>
           <p:cNvSpPr txBox="1"/>
           <p:nvPr/>
         </p:nvSpPr>
         <p:spPr>
           <a:xfrm>
-            <a:off x="4901712" y="3798278"/>
+            <a:off x="4831372" y="2976165"/>
             <a:ext cx="2250831" cy="1015663"/>
           </a:xfrm>
           <a:prstGeom prst="rect">
@@ -4014,14 +5030,14 @@
       </p:sp>
       <p:sp>
         <p:nvSpPr>
-          <p:cNvPr id="9" name="テキスト ボックス 8"/>
+          <p:cNvPr id="7" name="テキスト ボックス 6"/>
           <p:cNvSpPr txBox="1"/>
           <p:nvPr/>
         </p:nvSpPr>
         <p:spPr>
           <a:xfrm>
-            <a:off x="2111621" y="4554415"/>
-            <a:ext cx="958363" cy="1569660"/>
+            <a:off x="579202" y="342901"/>
+            <a:ext cx="1451821" cy="584775"/>
           </a:xfrm>
           <a:prstGeom prst="rect">
             <a:avLst/>
@@ -4034,55 +5050,454 @@
           </a:bodyPr>
           <a:lstStyle/>
           <a:p>
+            <a:r>
+              <a:rPr kumimoji="1" lang="ja-JP" altLang="en-US" sz="3200" b="1" dirty="0" smtClean="0"/>
+              <a:t>雲海</a:t>
+            </a:r>
+            <a:endParaRPr kumimoji="1" lang="ja-JP" altLang="en-US" sz="3200" b="1" dirty="0"/>
+          </a:p>
+        </p:txBody>
+      </p:sp>
+      <p:sp>
+        <p:nvSpPr>
+          <p:cNvPr id="12" name="左矢印 11"/>
+          <p:cNvSpPr/>
+          <p:nvPr/>
+        </p:nvSpPr>
+        <p:spPr>
+          <a:xfrm rot="5400000">
+            <a:off x="5161082" y="5823777"/>
+            <a:ext cx="1591408" cy="844061"/>
+          </a:xfrm>
+          <a:prstGeom prst="leftArrow">
+            <a:avLst/>
+          </a:prstGeom>
+        </p:spPr>
+        <p:style>
+          <a:lnRef idx="2">
+            <a:schemeClr val="accent1">
+              <a:shade val="50000"/>
+            </a:schemeClr>
+          </a:lnRef>
+          <a:fillRef idx="1">
+            <a:schemeClr val="accent1"/>
+          </a:fillRef>
+          <a:effectRef idx="0">
+            <a:schemeClr val="accent1"/>
+          </a:effectRef>
+          <a:fontRef idx="minor">
+            <a:schemeClr val="lt1"/>
+          </a:fontRef>
+        </p:style>
+        <p:txBody>
+          <a:bodyPr rtlCol="0" anchor="ctr"/>
+          <a:lstStyle/>
+          <a:p>
             <a:pPr algn="ctr"/>
-            <a:r>
-              <a:rPr kumimoji="1" lang="ja-JP" altLang="en-US" sz="9600" b="1" dirty="0" smtClean="0">
-                <a:ln w="9525">
-                  <a:solidFill>
-                    <a:schemeClr val="bg1"/>
-                  </a:solidFill>
-                  <a:prstDash val="solid"/>
-                </a:ln>
-                <a:solidFill>
-                  <a:schemeClr val="accent5"/>
-                </a:solidFill>
-                <a:effectLst>
-                  <a:outerShdw blurRad="12700" dist="38100" dir="2700000" algn="tl" rotWithShape="0">
-                    <a:schemeClr val="accent5">
-                      <a:lumMod val="60000"/>
-                      <a:lumOff val="40000"/>
-                    </a:schemeClr>
-                  </a:outerShdw>
-                </a:effectLst>
-              </a:rPr>
-              <a:t>海</a:t>
-            </a:r>
-            <a:endParaRPr kumimoji="1" lang="ja-JP" altLang="en-US" sz="9600" b="1" dirty="0">
-              <a:ln w="9525">
-                <a:solidFill>
-                  <a:schemeClr val="bg1"/>
-                </a:solidFill>
-                <a:prstDash val="solid"/>
-              </a:ln>
-              <a:solidFill>
-                <a:schemeClr val="accent5"/>
-              </a:solidFill>
-              <a:effectLst>
-                <a:outerShdw blurRad="12700" dist="38100" dir="2700000" algn="tl" rotWithShape="0">
-                  <a:schemeClr val="accent5">
-                    <a:lumMod val="60000"/>
-                    <a:lumOff val="40000"/>
-                  </a:schemeClr>
-                </a:outerShdw>
-              </a:effectLst>
-            </a:endParaRPr>
+            <a:endParaRPr kumimoji="1" lang="ja-JP" altLang="en-US"/>
+          </a:p>
+        </p:txBody>
+      </p:sp>
+      <p:sp>
+        <p:nvSpPr>
+          <p:cNvPr id="13" name="楕円 12"/>
+          <p:cNvSpPr/>
+          <p:nvPr/>
+        </p:nvSpPr>
+        <p:spPr>
+          <a:xfrm>
+            <a:off x="8999658" y="384751"/>
+            <a:ext cx="1635370" cy="1085849"/>
+          </a:xfrm>
+          <a:prstGeom prst="ellipse">
+            <a:avLst/>
+          </a:prstGeom>
+          <a:solidFill>
+            <a:schemeClr val="bg1"/>
+          </a:solidFill>
+          <a:ln>
+            <a:solidFill>
+              <a:schemeClr val="tx1"/>
+            </a:solidFill>
+          </a:ln>
+        </p:spPr>
+        <p:style>
+          <a:lnRef idx="2">
+            <a:schemeClr val="accent1">
+              <a:shade val="50000"/>
+            </a:schemeClr>
+          </a:lnRef>
+          <a:fillRef idx="1">
+            <a:schemeClr val="accent1"/>
+          </a:fillRef>
+          <a:effectRef idx="0">
+            <a:schemeClr val="accent1"/>
+          </a:effectRef>
+          <a:fontRef idx="minor">
+            <a:schemeClr val="lt1"/>
+          </a:fontRef>
+        </p:style>
+        <p:txBody>
+          <a:bodyPr rtlCol="0" anchor="ctr"/>
+          <a:lstStyle/>
+          <a:p>
+            <a:pPr algn="ctr"/>
+            <a:endParaRPr kumimoji="1" lang="ja-JP" altLang="en-US"/>
+          </a:p>
+        </p:txBody>
+      </p:sp>
+      <p:sp>
+        <p:nvSpPr>
+          <p:cNvPr id="14" name="楕円 13"/>
+          <p:cNvSpPr/>
+          <p:nvPr/>
+        </p:nvSpPr>
+        <p:spPr>
+          <a:xfrm>
+            <a:off x="5139101" y="-42772"/>
+            <a:ext cx="1635370" cy="425327"/>
+          </a:xfrm>
+          <a:prstGeom prst="ellipse">
+            <a:avLst/>
+          </a:prstGeom>
+          <a:solidFill>
+            <a:schemeClr val="bg1"/>
+          </a:solidFill>
+          <a:ln>
+            <a:solidFill>
+              <a:schemeClr val="tx1"/>
+            </a:solidFill>
+          </a:ln>
+        </p:spPr>
+        <p:style>
+          <a:lnRef idx="2">
+            <a:schemeClr val="accent1">
+              <a:shade val="50000"/>
+            </a:schemeClr>
+          </a:lnRef>
+          <a:fillRef idx="1">
+            <a:schemeClr val="accent1"/>
+          </a:fillRef>
+          <a:effectRef idx="0">
+            <a:schemeClr val="accent1"/>
+          </a:effectRef>
+          <a:fontRef idx="minor">
+            <a:schemeClr val="lt1"/>
+          </a:fontRef>
+        </p:style>
+        <p:txBody>
+          <a:bodyPr rtlCol="0" anchor="ctr"/>
+          <a:lstStyle/>
+          <a:p>
+            <a:pPr algn="ctr"/>
+            <a:endParaRPr kumimoji="1" lang="ja-JP" altLang="en-US" b="1" dirty="0"/>
+          </a:p>
+        </p:txBody>
+      </p:sp>
+      <p:sp>
+        <p:nvSpPr>
+          <p:cNvPr id="15" name="テキスト ボックス 14"/>
+          <p:cNvSpPr txBox="1"/>
+          <p:nvPr/>
+        </p:nvSpPr>
+        <p:spPr>
+          <a:xfrm>
+            <a:off x="2536243" y="713424"/>
+            <a:ext cx="1002323" cy="369332"/>
+          </a:xfrm>
+          <a:prstGeom prst="rect">
+            <a:avLst/>
+          </a:prstGeom>
+          <a:noFill/>
+        </p:spPr>
+        <p:txBody>
+          <a:bodyPr wrap="square" rtlCol="0">
+            <a:spAutoFit/>
+          </a:bodyPr>
+          <a:lstStyle/>
+          <a:p>
+            <a:r>
+              <a:rPr kumimoji="1" lang="ja-JP" altLang="en-US" dirty="0" smtClean="0"/>
+              <a:t>がれき</a:t>
+            </a:r>
+            <a:endParaRPr kumimoji="1" lang="ja-JP" altLang="en-US" dirty="0"/>
+          </a:p>
+        </p:txBody>
+      </p:sp>
+      <p:sp>
+        <p:nvSpPr>
+          <p:cNvPr id="16" name="テキスト ボックス 15"/>
+          <p:cNvSpPr txBox="1"/>
+          <p:nvPr/>
+        </p:nvSpPr>
+        <p:spPr>
+          <a:xfrm>
+            <a:off x="5455624" y="-34649"/>
+            <a:ext cx="1002323" cy="369332"/>
+          </a:xfrm>
+          <a:prstGeom prst="rect">
+            <a:avLst/>
+          </a:prstGeom>
+          <a:noFill/>
+        </p:spPr>
+        <p:txBody>
+          <a:bodyPr wrap="square" rtlCol="0">
+            <a:spAutoFit/>
+          </a:bodyPr>
+          <a:lstStyle/>
+          <a:p>
+            <a:r>
+              <a:rPr kumimoji="1" lang="ja-JP" altLang="en-US" dirty="0" smtClean="0"/>
+              <a:t>がれき</a:t>
+            </a:r>
+            <a:endParaRPr kumimoji="1" lang="ja-JP" altLang="en-US" dirty="0"/>
+          </a:p>
+        </p:txBody>
+      </p:sp>
+      <p:sp>
+        <p:nvSpPr>
+          <p:cNvPr id="17" name="テキスト ボックス 16"/>
+          <p:cNvSpPr txBox="1"/>
+          <p:nvPr/>
+        </p:nvSpPr>
+        <p:spPr>
+          <a:xfrm>
+            <a:off x="9316181" y="528758"/>
+            <a:ext cx="1002323" cy="369332"/>
+          </a:xfrm>
+          <a:prstGeom prst="rect">
+            <a:avLst/>
+          </a:prstGeom>
+          <a:noFill/>
+        </p:spPr>
+        <p:txBody>
+          <a:bodyPr wrap="square" rtlCol="0">
+            <a:spAutoFit/>
+          </a:bodyPr>
+          <a:lstStyle/>
+          <a:p>
+            <a:r>
+              <a:rPr kumimoji="1" lang="ja-JP" altLang="en-US" dirty="0" smtClean="0"/>
+              <a:t>がれき</a:t>
+            </a:r>
+            <a:endParaRPr kumimoji="1" lang="ja-JP" altLang="en-US" dirty="0"/>
+          </a:p>
+        </p:txBody>
+      </p:sp>
+      <p:sp>
+        <p:nvSpPr>
+          <p:cNvPr id="18" name="正方形/長方形 17"/>
+          <p:cNvSpPr/>
+          <p:nvPr/>
+        </p:nvSpPr>
+        <p:spPr>
+          <a:xfrm>
+            <a:off x="10066062" y="2242011"/>
+            <a:ext cx="646331" cy="369332"/>
+          </a:xfrm>
+          <a:prstGeom prst="rect">
+            <a:avLst/>
+          </a:prstGeom>
+        </p:spPr>
+        <p:txBody>
+          <a:bodyPr wrap="none">
+            <a:spAutoFit/>
+          </a:bodyPr>
+          <a:lstStyle/>
+          <a:p>
+            <a:r>
+              <a:rPr lang="ja-JP" altLang="en-US" dirty="0" smtClean="0"/>
+              <a:t>別塔</a:t>
+            </a:r>
+            <a:endParaRPr lang="ja-JP" altLang="en-US" dirty="0"/>
+          </a:p>
+        </p:txBody>
+      </p:sp>
+      <p:cxnSp>
+        <p:nvCxnSpPr>
+          <p:cNvPr id="20" name="直線矢印コネクタ 19"/>
+          <p:cNvCxnSpPr>
+            <a:stCxn id="18" idx="0"/>
+            <a:endCxn id="13" idx="4"/>
+          </p:cNvCxnSpPr>
+          <p:nvPr/>
+        </p:nvCxnSpPr>
+        <p:spPr>
+          <a:xfrm flipH="1" flipV="1">
+            <a:off x="9817343" y="1470600"/>
+            <a:ext cx="571885" cy="771411"/>
+          </a:xfrm>
+          <a:prstGeom prst="straightConnector1">
+            <a:avLst/>
+          </a:prstGeom>
+          <a:ln>
+            <a:tailEnd type="triangle"/>
+          </a:ln>
+        </p:spPr>
+        <p:style>
+          <a:lnRef idx="1">
+            <a:schemeClr val="accent1"/>
+          </a:lnRef>
+          <a:fillRef idx="0">
+            <a:schemeClr val="accent1"/>
+          </a:fillRef>
+          <a:effectRef idx="0">
+            <a:schemeClr val="accent1"/>
+          </a:effectRef>
+          <a:fontRef idx="minor">
+            <a:schemeClr val="tx1"/>
+          </a:fontRef>
+        </p:style>
+      </p:cxnSp>
+      <p:cxnSp>
+        <p:nvCxnSpPr>
+          <p:cNvPr id="22" name="直線矢印コネクタ 21"/>
+          <p:cNvCxnSpPr>
+            <a:endCxn id="14" idx="4"/>
+          </p:cNvCxnSpPr>
+          <p:nvPr/>
+        </p:nvCxnSpPr>
+        <p:spPr>
+          <a:xfrm flipH="1" flipV="1">
+            <a:off x="5956786" y="382555"/>
+            <a:ext cx="4146499" cy="2044122"/>
+          </a:xfrm>
+          <a:prstGeom prst="straightConnector1">
+            <a:avLst/>
+          </a:prstGeom>
+          <a:ln>
+            <a:tailEnd type="triangle"/>
+          </a:ln>
+        </p:spPr>
+        <p:style>
+          <a:lnRef idx="1">
+            <a:schemeClr val="accent1"/>
+          </a:lnRef>
+          <a:fillRef idx="0">
+            <a:schemeClr val="accent1"/>
+          </a:fillRef>
+          <a:effectRef idx="0">
+            <a:schemeClr val="accent1"/>
+          </a:effectRef>
+          <a:fontRef idx="minor">
+            <a:schemeClr val="tx1"/>
+          </a:fontRef>
+        </p:style>
+      </p:cxnSp>
+      <p:cxnSp>
+        <p:nvCxnSpPr>
+          <p:cNvPr id="27" name="直線矢印コネクタ 26"/>
+          <p:cNvCxnSpPr>
+            <a:endCxn id="8" idx="6"/>
+          </p:cNvCxnSpPr>
+          <p:nvPr/>
+        </p:nvCxnSpPr>
+        <p:spPr>
+          <a:xfrm flipH="1" flipV="1">
+            <a:off x="3791682" y="1071683"/>
+            <a:ext cx="6311603" cy="1394620"/>
+          </a:xfrm>
+          <a:prstGeom prst="straightConnector1">
+            <a:avLst/>
+          </a:prstGeom>
+          <a:ln>
+            <a:tailEnd type="triangle"/>
+          </a:ln>
+        </p:spPr>
+        <p:style>
+          <a:lnRef idx="1">
+            <a:schemeClr val="accent1"/>
+          </a:lnRef>
+          <a:fillRef idx="0">
+            <a:schemeClr val="accent1"/>
+          </a:fillRef>
+          <a:effectRef idx="0">
+            <a:schemeClr val="accent1"/>
+          </a:effectRef>
+          <a:fontRef idx="minor">
+            <a:schemeClr val="tx1"/>
+          </a:fontRef>
+        </p:style>
+      </p:cxnSp>
+      <p:sp>
+        <p:nvSpPr>
+          <p:cNvPr id="31" name="正方形/長方形 30"/>
+          <p:cNvSpPr/>
+          <p:nvPr/>
+        </p:nvSpPr>
+        <p:spPr>
+          <a:xfrm>
+            <a:off x="869367" y="1965502"/>
+            <a:ext cx="2111244" cy="1291682"/>
+          </a:xfrm>
+          <a:prstGeom prst="rect">
+            <a:avLst/>
+          </a:prstGeom>
+        </p:spPr>
+        <p:style>
+          <a:lnRef idx="2">
+            <a:schemeClr val="dk1"/>
+          </a:lnRef>
+          <a:fillRef idx="1">
+            <a:schemeClr val="lt1"/>
+          </a:fillRef>
+          <a:effectRef idx="0">
+            <a:schemeClr val="dk1"/>
+          </a:effectRef>
+          <a:fontRef idx="minor">
+            <a:schemeClr val="dk1"/>
+          </a:fontRef>
+        </p:style>
+        <p:txBody>
+          <a:bodyPr rtlCol="0" anchor="ctr"/>
+          <a:lstStyle/>
+          <a:p>
+            <a:pPr algn="ctr"/>
+            <a:endParaRPr kumimoji="1" lang="ja-JP" altLang="en-US"/>
+          </a:p>
+        </p:txBody>
+      </p:sp>
+      <p:sp>
+        <p:nvSpPr>
+          <p:cNvPr id="30" name="テキスト ボックス 29"/>
+          <p:cNvSpPr txBox="1"/>
+          <p:nvPr/>
+        </p:nvSpPr>
+        <p:spPr>
+          <a:xfrm>
+            <a:off x="1122483" y="2307914"/>
+            <a:ext cx="1570896" cy="646331"/>
+          </a:xfrm>
+          <a:prstGeom prst="rect">
+            <a:avLst/>
+          </a:prstGeom>
+          <a:noFill/>
+        </p:spPr>
+        <p:txBody>
+          <a:bodyPr wrap="square" rtlCol="0">
+            <a:spAutoFit/>
+          </a:bodyPr>
+          <a:lstStyle/>
+          <a:p>
+            <a:r>
+              <a:rPr kumimoji="1" lang="ja-JP" altLang="en-US" dirty="0" smtClean="0"/>
+              <a:t>がれきの門</a:t>
+            </a:r>
+            <a:endParaRPr kumimoji="1" lang="en-US" altLang="ja-JP" dirty="0" smtClean="0"/>
+          </a:p>
+          <a:p>
+            <a:r>
+              <a:rPr kumimoji="1" lang="ja-JP" altLang="en-US" dirty="0" smtClean="0"/>
+              <a:t>オブジェクト</a:t>
+            </a:r>
+            <a:endParaRPr kumimoji="1" lang="ja-JP" altLang="en-US" dirty="0"/>
           </a:p>
         </p:txBody>
       </p:sp>
     </p:spTree>
     <p:extLst>
       <p:ext uri="{BB962C8B-B14F-4D97-AF65-F5344CB8AC3E}">
-        <p14:creationId xmlns:p14="http://schemas.microsoft.com/office/powerpoint/2010/main" val="2494130826"/>
+        <p14:creationId xmlns:p14="http://schemas.microsoft.com/office/powerpoint/2010/main" val="3116339511"/>
       </p:ext>
     </p:extLst>
   </p:cSld>
@@ -4111,16 +5526,2193 @@
       </p:grpSpPr>
       <p:sp>
         <p:nvSpPr>
-          <p:cNvPr id="7" name="正方形/長方形 6"/>
+          <p:cNvPr id="10" name="正方形/長方形 9"/>
           <p:cNvSpPr/>
           <p:nvPr/>
         </p:nvSpPr>
         <p:spPr>
           <a:xfrm>
-            <a:off x="1459524" y="3842237"/>
-            <a:ext cx="8519745" cy="2892670"/>
+            <a:off x="341980" y="125901"/>
+            <a:ext cx="10806665" cy="6670553"/>
           </a:xfrm>
           <a:prstGeom prst="rect">
+            <a:avLst/>
+          </a:prstGeom>
+          <a:solidFill>
+            <a:schemeClr val="bg2">
+              <a:lumMod val="90000"/>
+            </a:schemeClr>
+          </a:solidFill>
+          <a:ln w="76200">
+            <a:solidFill>
+              <a:schemeClr val="tx1"/>
+            </a:solidFill>
+          </a:ln>
+        </p:spPr>
+        <p:style>
+          <a:lnRef idx="2">
+            <a:schemeClr val="accent1">
+              <a:shade val="50000"/>
+            </a:schemeClr>
+          </a:lnRef>
+          <a:fillRef idx="1">
+            <a:schemeClr val="accent1"/>
+          </a:fillRef>
+          <a:effectRef idx="0">
+            <a:schemeClr val="accent1"/>
+          </a:effectRef>
+          <a:fontRef idx="minor">
+            <a:schemeClr val="lt1"/>
+          </a:fontRef>
+        </p:style>
+        <p:txBody>
+          <a:bodyPr rtlCol="0" anchor="ctr"/>
+          <a:lstStyle/>
+          <a:p>
+            <a:pPr algn="ctr"/>
+            <a:endParaRPr kumimoji="1" lang="ja-JP" altLang="en-US"/>
+          </a:p>
+        </p:txBody>
+      </p:sp>
+      <p:sp>
+        <p:nvSpPr>
+          <p:cNvPr id="4" name="フローチャート: 磁気ディスク 3"/>
+          <p:cNvSpPr/>
+          <p:nvPr/>
+        </p:nvSpPr>
+        <p:spPr>
+          <a:xfrm>
+            <a:off x="3705956" y="2681654"/>
+            <a:ext cx="4501661" cy="4114800"/>
+          </a:xfrm>
+          <a:prstGeom prst="flowChartMagneticDisk">
+            <a:avLst/>
+          </a:prstGeom>
+        </p:spPr>
+        <p:style>
+          <a:lnRef idx="2">
+            <a:schemeClr val="accent1">
+              <a:shade val="50000"/>
+            </a:schemeClr>
+          </a:lnRef>
+          <a:fillRef idx="1">
+            <a:schemeClr val="accent1"/>
+          </a:fillRef>
+          <a:effectRef idx="0">
+            <a:schemeClr val="accent1"/>
+          </a:effectRef>
+          <a:fontRef idx="minor">
+            <a:schemeClr val="lt1"/>
+          </a:fontRef>
+        </p:style>
+        <p:txBody>
+          <a:bodyPr rtlCol="0" anchor="ctr"/>
+          <a:lstStyle/>
+          <a:p>
+            <a:pPr algn="ctr"/>
+            <a:endParaRPr kumimoji="1" lang="ja-JP" altLang="en-US"/>
+          </a:p>
+        </p:txBody>
+      </p:sp>
+      <p:sp>
+        <p:nvSpPr>
+          <p:cNvPr id="7" name="フローチャート: 磁気ディスク 6"/>
+          <p:cNvSpPr/>
+          <p:nvPr/>
+        </p:nvSpPr>
+        <p:spPr>
+          <a:xfrm>
+            <a:off x="1497623" y="495178"/>
+            <a:ext cx="1729154" cy="2376855"/>
+          </a:xfrm>
+          <a:prstGeom prst="flowChartMagneticDisk">
+            <a:avLst/>
+          </a:prstGeom>
+          <a:gradFill>
+            <a:gsLst>
+              <a:gs pos="0">
+                <a:schemeClr val="bg1"/>
+              </a:gs>
+              <a:gs pos="25000">
+                <a:schemeClr val="bg1">
+                  <a:lumMod val="95000"/>
+                </a:schemeClr>
+              </a:gs>
+              <a:gs pos="44000">
+                <a:schemeClr val="bg1">
+                  <a:lumMod val="95000"/>
+                </a:schemeClr>
+              </a:gs>
+              <a:gs pos="100000">
+                <a:schemeClr val="bg1">
+                  <a:lumMod val="65000"/>
+                </a:schemeClr>
+              </a:gs>
+            </a:gsLst>
+            <a:lin ang="5400000" scaled="1"/>
+          </a:gradFill>
+        </p:spPr>
+        <p:style>
+          <a:lnRef idx="2">
+            <a:schemeClr val="accent1">
+              <a:shade val="50000"/>
+            </a:schemeClr>
+          </a:lnRef>
+          <a:fillRef idx="1">
+            <a:schemeClr val="accent1"/>
+          </a:fillRef>
+          <a:effectRef idx="0">
+            <a:schemeClr val="accent1"/>
+          </a:effectRef>
+          <a:fontRef idx="minor">
+            <a:schemeClr val="lt1"/>
+          </a:fontRef>
+        </p:style>
+        <p:txBody>
+          <a:bodyPr rtlCol="0" anchor="ctr"/>
+          <a:lstStyle/>
+          <a:p>
+            <a:pPr algn="ctr"/>
+            <a:endParaRPr kumimoji="1" lang="ja-JP" altLang="en-US"/>
+          </a:p>
+        </p:txBody>
+      </p:sp>
+      <p:sp>
+        <p:nvSpPr>
+          <p:cNvPr id="9" name="楕円 8"/>
+          <p:cNvSpPr/>
+          <p:nvPr/>
+        </p:nvSpPr>
+        <p:spPr>
+          <a:xfrm>
+            <a:off x="3705955" y="2675793"/>
+            <a:ext cx="4501661" cy="1359876"/>
+          </a:xfrm>
+          <a:prstGeom prst="ellipse">
+            <a:avLst/>
+          </a:prstGeom>
+          <a:pattFill prst="dotGrid">
+            <a:fgClr>
+              <a:schemeClr val="tx1"/>
+            </a:fgClr>
+            <a:bgClr>
+              <a:schemeClr val="bg1"/>
+            </a:bgClr>
+          </a:pattFill>
+          <a:ln w="76200">
+            <a:solidFill>
+              <a:schemeClr val="tx1"/>
+            </a:solidFill>
+          </a:ln>
+        </p:spPr>
+        <p:style>
+          <a:lnRef idx="2">
+            <a:schemeClr val="accent1">
+              <a:shade val="50000"/>
+            </a:schemeClr>
+          </a:lnRef>
+          <a:fillRef idx="1">
+            <a:schemeClr val="accent1"/>
+          </a:fillRef>
+          <a:effectRef idx="0">
+            <a:schemeClr val="accent1"/>
+          </a:effectRef>
+          <a:fontRef idx="minor">
+            <a:schemeClr val="lt1"/>
+          </a:fontRef>
+        </p:style>
+        <p:txBody>
+          <a:bodyPr rtlCol="0" anchor="ctr"/>
+          <a:lstStyle/>
+          <a:p>
+            <a:pPr algn="ctr"/>
+            <a:endParaRPr kumimoji="1" lang="ja-JP" altLang="en-US" b="1">
+              <a:ln w="22225">
+                <a:solidFill>
+                  <a:schemeClr val="accent2"/>
+                </a:solidFill>
+                <a:prstDash val="solid"/>
+              </a:ln>
+              <a:solidFill>
+                <a:schemeClr val="bg1"/>
+              </a:solidFill>
+            </a:endParaRPr>
+          </a:p>
+        </p:txBody>
+      </p:sp>
+      <p:sp>
+        <p:nvSpPr>
+          <p:cNvPr id="8" name="テキスト ボックス 7"/>
+          <p:cNvSpPr txBox="1"/>
+          <p:nvPr/>
+        </p:nvSpPr>
+        <p:spPr>
+          <a:xfrm>
+            <a:off x="4831372" y="2976165"/>
+            <a:ext cx="2250831" cy="707886"/>
+          </a:xfrm>
+          <a:prstGeom prst="rect">
+            <a:avLst/>
+          </a:prstGeom>
+          <a:noFill/>
+        </p:spPr>
+        <p:txBody>
+          <a:bodyPr wrap="square" rtlCol="0">
+            <a:spAutoFit/>
+          </a:bodyPr>
+          <a:lstStyle/>
+          <a:p>
+            <a:pPr algn="ctr"/>
+            <a:r>
+              <a:rPr lang="ja-JP" altLang="en-US" sz="4000" b="1" dirty="0">
+                <a:solidFill>
+                  <a:srgbClr val="FF0000"/>
+                </a:solidFill>
+                <a:effectLst>
+                  <a:outerShdw blurRad="38100" dist="38100" dir="2700000" algn="tl">
+                    <a:srgbClr val="000000">
+                      <a:alpha val="43137"/>
+                    </a:srgbClr>
+                  </a:outerShdw>
+                </a:effectLst>
+              </a:rPr>
+              <a:t>戦場</a:t>
+            </a:r>
+            <a:endParaRPr kumimoji="1" lang="ja-JP" altLang="en-US" sz="4000" b="1" dirty="0">
+              <a:solidFill>
+                <a:srgbClr val="FF0000"/>
+              </a:solidFill>
+              <a:effectLst>
+                <a:outerShdw blurRad="38100" dist="38100" dir="2700000" algn="tl">
+                  <a:srgbClr val="000000">
+                    <a:alpha val="43137"/>
+                  </a:srgbClr>
+                </a:outerShdw>
+              </a:effectLst>
+            </a:endParaRPr>
+          </a:p>
+        </p:txBody>
+      </p:sp>
+      <p:sp>
+        <p:nvSpPr>
+          <p:cNvPr id="12" name="楕円 11"/>
+          <p:cNvSpPr/>
+          <p:nvPr/>
+        </p:nvSpPr>
+        <p:spPr>
+          <a:xfrm>
+            <a:off x="1497623" y="458447"/>
+            <a:ext cx="1729154" cy="901183"/>
+          </a:xfrm>
+          <a:prstGeom prst="ellipse">
+            <a:avLst/>
+          </a:prstGeom>
+          <a:solidFill>
+            <a:schemeClr val="bg1"/>
+          </a:solidFill>
+          <a:ln>
+            <a:solidFill>
+              <a:schemeClr val="tx1"/>
+            </a:solidFill>
+          </a:ln>
+        </p:spPr>
+        <p:style>
+          <a:lnRef idx="2">
+            <a:schemeClr val="accent1">
+              <a:shade val="50000"/>
+            </a:schemeClr>
+          </a:lnRef>
+          <a:fillRef idx="1">
+            <a:schemeClr val="accent1"/>
+          </a:fillRef>
+          <a:effectRef idx="0">
+            <a:schemeClr val="accent1"/>
+          </a:effectRef>
+          <a:fontRef idx="minor">
+            <a:schemeClr val="lt1"/>
+          </a:fontRef>
+        </p:style>
+        <p:txBody>
+          <a:bodyPr rtlCol="0" anchor="ctr"/>
+          <a:lstStyle/>
+          <a:p>
+            <a:pPr algn="ctr"/>
+            <a:endParaRPr kumimoji="1" lang="ja-JP" altLang="en-US"/>
+          </a:p>
+        </p:txBody>
+      </p:sp>
+      <p:sp>
+        <p:nvSpPr>
+          <p:cNvPr id="13" name="テキスト ボックス 12"/>
+          <p:cNvSpPr txBox="1"/>
+          <p:nvPr/>
+        </p:nvSpPr>
+        <p:spPr>
+          <a:xfrm>
+            <a:off x="1861038" y="495178"/>
+            <a:ext cx="1002323" cy="369332"/>
+          </a:xfrm>
+          <a:prstGeom prst="rect">
+            <a:avLst/>
+          </a:prstGeom>
+          <a:noFill/>
+        </p:spPr>
+        <p:txBody>
+          <a:bodyPr wrap="square" rtlCol="0">
+            <a:spAutoFit/>
+          </a:bodyPr>
+          <a:lstStyle/>
+          <a:p>
+            <a:r>
+              <a:rPr kumimoji="1" lang="ja-JP" altLang="en-US" dirty="0" smtClean="0"/>
+              <a:t>がれき</a:t>
+            </a:r>
+            <a:endParaRPr kumimoji="1" lang="ja-JP" altLang="en-US" dirty="0"/>
+          </a:p>
+        </p:txBody>
+      </p:sp>
+      <p:sp>
+        <p:nvSpPr>
+          <p:cNvPr id="14" name="フローチャート: 磁気ディスク 13"/>
+          <p:cNvSpPr/>
+          <p:nvPr/>
+        </p:nvSpPr>
+        <p:spPr>
+          <a:xfrm>
+            <a:off x="4831372" y="36731"/>
+            <a:ext cx="1729154" cy="2376855"/>
+          </a:xfrm>
+          <a:prstGeom prst="flowChartMagneticDisk">
+            <a:avLst/>
+          </a:prstGeom>
+          <a:gradFill>
+            <a:gsLst>
+              <a:gs pos="0">
+                <a:schemeClr val="bg1"/>
+              </a:gs>
+              <a:gs pos="25000">
+                <a:schemeClr val="bg1">
+                  <a:lumMod val="95000"/>
+                </a:schemeClr>
+              </a:gs>
+              <a:gs pos="44000">
+                <a:schemeClr val="bg1">
+                  <a:lumMod val="95000"/>
+                </a:schemeClr>
+              </a:gs>
+              <a:gs pos="100000">
+                <a:schemeClr val="bg1">
+                  <a:lumMod val="65000"/>
+                </a:schemeClr>
+              </a:gs>
+            </a:gsLst>
+            <a:lin ang="5400000" scaled="1"/>
+          </a:gradFill>
+        </p:spPr>
+        <p:style>
+          <a:lnRef idx="2">
+            <a:schemeClr val="accent1">
+              <a:shade val="50000"/>
+            </a:schemeClr>
+          </a:lnRef>
+          <a:fillRef idx="1">
+            <a:schemeClr val="accent1"/>
+          </a:fillRef>
+          <a:effectRef idx="0">
+            <a:schemeClr val="accent1"/>
+          </a:effectRef>
+          <a:fontRef idx="minor">
+            <a:schemeClr val="lt1"/>
+          </a:fontRef>
+        </p:style>
+        <p:txBody>
+          <a:bodyPr rtlCol="0" anchor="ctr"/>
+          <a:lstStyle/>
+          <a:p>
+            <a:pPr algn="ctr"/>
+            <a:endParaRPr kumimoji="1" lang="ja-JP" altLang="en-US"/>
+          </a:p>
+        </p:txBody>
+      </p:sp>
+      <p:sp>
+        <p:nvSpPr>
+          <p:cNvPr id="15" name="楕円 14"/>
+          <p:cNvSpPr/>
+          <p:nvPr/>
+        </p:nvSpPr>
+        <p:spPr>
+          <a:xfrm>
+            <a:off x="4831372" y="0"/>
+            <a:ext cx="1729154" cy="901183"/>
+          </a:xfrm>
+          <a:prstGeom prst="ellipse">
+            <a:avLst/>
+          </a:prstGeom>
+          <a:solidFill>
+            <a:schemeClr val="bg1"/>
+          </a:solidFill>
+          <a:ln>
+            <a:solidFill>
+              <a:schemeClr val="tx1"/>
+            </a:solidFill>
+          </a:ln>
+        </p:spPr>
+        <p:style>
+          <a:lnRef idx="2">
+            <a:schemeClr val="accent1">
+              <a:shade val="50000"/>
+            </a:schemeClr>
+          </a:lnRef>
+          <a:fillRef idx="1">
+            <a:schemeClr val="accent1"/>
+          </a:fillRef>
+          <a:effectRef idx="0">
+            <a:schemeClr val="accent1"/>
+          </a:effectRef>
+          <a:fontRef idx="minor">
+            <a:schemeClr val="lt1"/>
+          </a:fontRef>
+        </p:style>
+        <p:txBody>
+          <a:bodyPr rtlCol="0" anchor="ctr"/>
+          <a:lstStyle/>
+          <a:p>
+            <a:pPr algn="ctr"/>
+            <a:endParaRPr kumimoji="1" lang="ja-JP" altLang="en-US"/>
+          </a:p>
+        </p:txBody>
+      </p:sp>
+      <p:sp>
+        <p:nvSpPr>
+          <p:cNvPr id="16" name="テキスト ボックス 15"/>
+          <p:cNvSpPr txBox="1"/>
+          <p:nvPr/>
+        </p:nvSpPr>
+        <p:spPr>
+          <a:xfrm>
+            <a:off x="5194787" y="36731"/>
+            <a:ext cx="1002323" cy="369332"/>
+          </a:xfrm>
+          <a:prstGeom prst="rect">
+            <a:avLst/>
+          </a:prstGeom>
+          <a:noFill/>
+        </p:spPr>
+        <p:txBody>
+          <a:bodyPr wrap="square" rtlCol="0">
+            <a:spAutoFit/>
+          </a:bodyPr>
+          <a:lstStyle/>
+          <a:p>
+            <a:r>
+              <a:rPr kumimoji="1" lang="ja-JP" altLang="en-US" dirty="0" smtClean="0"/>
+              <a:t>がれき</a:t>
+            </a:r>
+            <a:endParaRPr kumimoji="1" lang="ja-JP" altLang="en-US" dirty="0"/>
+          </a:p>
+        </p:txBody>
+      </p:sp>
+      <p:sp>
+        <p:nvSpPr>
+          <p:cNvPr id="17" name="フローチャート: 磁気ディスク 16"/>
+          <p:cNvSpPr/>
+          <p:nvPr/>
+        </p:nvSpPr>
+        <p:spPr>
+          <a:xfrm>
+            <a:off x="8565904" y="597065"/>
+            <a:ext cx="1729154" cy="2376855"/>
+          </a:xfrm>
+          <a:prstGeom prst="flowChartMagneticDisk">
+            <a:avLst/>
+          </a:prstGeom>
+          <a:gradFill>
+            <a:gsLst>
+              <a:gs pos="0">
+                <a:schemeClr val="bg1"/>
+              </a:gs>
+              <a:gs pos="25000">
+                <a:schemeClr val="bg1">
+                  <a:lumMod val="95000"/>
+                </a:schemeClr>
+              </a:gs>
+              <a:gs pos="44000">
+                <a:schemeClr val="bg1">
+                  <a:lumMod val="95000"/>
+                </a:schemeClr>
+              </a:gs>
+              <a:gs pos="100000">
+                <a:schemeClr val="bg1">
+                  <a:lumMod val="65000"/>
+                </a:schemeClr>
+              </a:gs>
+            </a:gsLst>
+            <a:lin ang="5400000" scaled="1"/>
+          </a:gradFill>
+        </p:spPr>
+        <p:style>
+          <a:lnRef idx="2">
+            <a:schemeClr val="accent1">
+              <a:shade val="50000"/>
+            </a:schemeClr>
+          </a:lnRef>
+          <a:fillRef idx="1">
+            <a:schemeClr val="accent1"/>
+          </a:fillRef>
+          <a:effectRef idx="0">
+            <a:schemeClr val="accent1"/>
+          </a:effectRef>
+          <a:fontRef idx="minor">
+            <a:schemeClr val="lt1"/>
+          </a:fontRef>
+        </p:style>
+        <p:txBody>
+          <a:bodyPr rtlCol="0" anchor="ctr"/>
+          <a:lstStyle/>
+          <a:p>
+            <a:pPr algn="ctr"/>
+            <a:endParaRPr kumimoji="1" lang="ja-JP" altLang="en-US"/>
+          </a:p>
+        </p:txBody>
+      </p:sp>
+      <p:sp>
+        <p:nvSpPr>
+          <p:cNvPr id="18" name="楕円 17"/>
+          <p:cNvSpPr/>
+          <p:nvPr/>
+        </p:nvSpPr>
+        <p:spPr>
+          <a:xfrm>
+            <a:off x="8565904" y="560334"/>
+            <a:ext cx="1729154" cy="901183"/>
+          </a:xfrm>
+          <a:prstGeom prst="ellipse">
+            <a:avLst/>
+          </a:prstGeom>
+          <a:solidFill>
+            <a:schemeClr val="bg1"/>
+          </a:solidFill>
+          <a:ln>
+            <a:solidFill>
+              <a:schemeClr val="tx1"/>
+            </a:solidFill>
+          </a:ln>
+        </p:spPr>
+        <p:style>
+          <a:lnRef idx="2">
+            <a:schemeClr val="accent1">
+              <a:shade val="50000"/>
+            </a:schemeClr>
+          </a:lnRef>
+          <a:fillRef idx="1">
+            <a:schemeClr val="accent1"/>
+          </a:fillRef>
+          <a:effectRef idx="0">
+            <a:schemeClr val="accent1"/>
+          </a:effectRef>
+          <a:fontRef idx="minor">
+            <a:schemeClr val="lt1"/>
+          </a:fontRef>
+        </p:style>
+        <p:txBody>
+          <a:bodyPr rtlCol="0" anchor="ctr"/>
+          <a:lstStyle/>
+          <a:p>
+            <a:pPr algn="ctr"/>
+            <a:endParaRPr kumimoji="1" lang="ja-JP" altLang="en-US"/>
+          </a:p>
+        </p:txBody>
+      </p:sp>
+      <p:sp>
+        <p:nvSpPr>
+          <p:cNvPr id="19" name="テキスト ボックス 18"/>
+          <p:cNvSpPr txBox="1"/>
+          <p:nvPr/>
+        </p:nvSpPr>
+        <p:spPr>
+          <a:xfrm>
+            <a:off x="8929319" y="597065"/>
+            <a:ext cx="1002323" cy="369332"/>
+          </a:xfrm>
+          <a:prstGeom prst="rect">
+            <a:avLst/>
+          </a:prstGeom>
+          <a:noFill/>
+        </p:spPr>
+        <p:txBody>
+          <a:bodyPr wrap="square" rtlCol="0">
+            <a:spAutoFit/>
+          </a:bodyPr>
+          <a:lstStyle/>
+          <a:p>
+            <a:r>
+              <a:rPr kumimoji="1" lang="ja-JP" altLang="en-US" dirty="0" smtClean="0"/>
+              <a:t>がれき</a:t>
+            </a:r>
+            <a:endParaRPr kumimoji="1" lang="ja-JP" altLang="en-US" dirty="0"/>
+          </a:p>
+        </p:txBody>
+      </p:sp>
+      <p:sp>
+        <p:nvSpPr>
+          <p:cNvPr id="24" name="台形 23"/>
+          <p:cNvSpPr/>
+          <p:nvPr/>
+        </p:nvSpPr>
+        <p:spPr>
+          <a:xfrm>
+            <a:off x="940722" y="4995143"/>
+            <a:ext cx="321574" cy="956848"/>
+          </a:xfrm>
+          <a:prstGeom prst="trapezoid">
+            <a:avLst>
+              <a:gd name="adj" fmla="val 42797"/>
+            </a:avLst>
+          </a:prstGeom>
+          <a:solidFill>
+            <a:schemeClr val="bg2">
+              <a:lumMod val="75000"/>
+            </a:schemeClr>
+          </a:solidFill>
+          <a:ln>
+            <a:solidFill>
+              <a:schemeClr val="bg2">
+                <a:lumMod val="75000"/>
+              </a:schemeClr>
+            </a:solidFill>
+          </a:ln>
+        </p:spPr>
+        <p:style>
+          <a:lnRef idx="2">
+            <a:schemeClr val="accent1">
+              <a:shade val="50000"/>
+            </a:schemeClr>
+          </a:lnRef>
+          <a:fillRef idx="1">
+            <a:schemeClr val="accent1"/>
+          </a:fillRef>
+          <a:effectRef idx="0">
+            <a:schemeClr val="accent1"/>
+          </a:effectRef>
+          <a:fontRef idx="minor">
+            <a:schemeClr val="lt1"/>
+          </a:fontRef>
+        </p:style>
+        <p:txBody>
+          <a:bodyPr rtlCol="0" anchor="ctr"/>
+          <a:lstStyle/>
+          <a:p>
+            <a:pPr algn="ctr"/>
+            <a:endParaRPr kumimoji="1" lang="ja-JP" altLang="en-US"/>
+          </a:p>
+        </p:txBody>
+      </p:sp>
+      <p:sp>
+        <p:nvSpPr>
+          <p:cNvPr id="23" name="台形 22"/>
+          <p:cNvSpPr/>
+          <p:nvPr/>
+        </p:nvSpPr>
+        <p:spPr>
+          <a:xfrm>
+            <a:off x="1674088" y="3739135"/>
+            <a:ext cx="686494" cy="1999837"/>
+          </a:xfrm>
+          <a:prstGeom prst="trapezoid">
+            <a:avLst>
+              <a:gd name="adj" fmla="val 42797"/>
+            </a:avLst>
+          </a:prstGeom>
+          <a:solidFill>
+            <a:schemeClr val="bg2">
+              <a:lumMod val="75000"/>
+            </a:schemeClr>
+          </a:solidFill>
+          <a:ln>
+            <a:solidFill>
+              <a:schemeClr val="bg2">
+                <a:lumMod val="75000"/>
+              </a:schemeClr>
+            </a:solidFill>
+          </a:ln>
+        </p:spPr>
+        <p:style>
+          <a:lnRef idx="2">
+            <a:schemeClr val="accent1">
+              <a:shade val="50000"/>
+            </a:schemeClr>
+          </a:lnRef>
+          <a:fillRef idx="1">
+            <a:schemeClr val="accent1"/>
+          </a:fillRef>
+          <a:effectRef idx="0">
+            <a:schemeClr val="accent1"/>
+          </a:effectRef>
+          <a:fontRef idx="minor">
+            <a:schemeClr val="lt1"/>
+          </a:fontRef>
+        </p:style>
+        <p:txBody>
+          <a:bodyPr rtlCol="0" anchor="ctr"/>
+          <a:lstStyle/>
+          <a:p>
+            <a:pPr algn="ctr"/>
+            <a:endParaRPr kumimoji="1" lang="ja-JP" altLang="en-US"/>
+          </a:p>
+        </p:txBody>
+      </p:sp>
+      <p:sp>
+        <p:nvSpPr>
+          <p:cNvPr id="22" name="正方形/長方形 21"/>
+          <p:cNvSpPr/>
+          <p:nvPr/>
+        </p:nvSpPr>
+        <p:spPr>
+          <a:xfrm rot="2854934">
+            <a:off x="1167294" y="3437492"/>
+            <a:ext cx="852854" cy="1703857"/>
+          </a:xfrm>
+          <a:prstGeom prst="rect">
+            <a:avLst/>
+          </a:prstGeom>
+          <a:solidFill>
+            <a:schemeClr val="bg2">
+              <a:lumMod val="75000"/>
+            </a:schemeClr>
+          </a:solidFill>
+          <a:ln>
+            <a:solidFill>
+              <a:schemeClr val="tx1"/>
+            </a:solidFill>
+          </a:ln>
+        </p:spPr>
+        <p:style>
+          <a:lnRef idx="2">
+            <a:schemeClr val="accent1">
+              <a:shade val="50000"/>
+            </a:schemeClr>
+          </a:lnRef>
+          <a:fillRef idx="1">
+            <a:schemeClr val="accent1"/>
+          </a:fillRef>
+          <a:effectRef idx="0">
+            <a:schemeClr val="accent1"/>
+          </a:effectRef>
+          <a:fontRef idx="minor">
+            <a:schemeClr val="lt1"/>
+          </a:fontRef>
+        </p:style>
+        <p:txBody>
+          <a:bodyPr rtlCol="0" anchor="ctr"/>
+          <a:lstStyle/>
+          <a:p>
+            <a:pPr algn="ctr"/>
+            <a:endParaRPr kumimoji="1" lang="ja-JP" altLang="en-US"/>
+          </a:p>
+        </p:txBody>
+      </p:sp>
+      <p:sp>
+        <p:nvSpPr>
+          <p:cNvPr id="25" name="テキスト ボックス 24"/>
+          <p:cNvSpPr txBox="1"/>
+          <p:nvPr/>
+        </p:nvSpPr>
+        <p:spPr>
+          <a:xfrm rot="19268922">
+            <a:off x="808274" y="3934432"/>
+            <a:ext cx="1570896" cy="646331"/>
+          </a:xfrm>
+          <a:prstGeom prst="rect">
+            <a:avLst/>
+          </a:prstGeom>
+          <a:noFill/>
+        </p:spPr>
+        <p:txBody>
+          <a:bodyPr wrap="square" rtlCol="0">
+            <a:spAutoFit/>
+          </a:bodyPr>
+          <a:lstStyle/>
+          <a:p>
+            <a:r>
+              <a:rPr kumimoji="1" lang="ja-JP" altLang="en-US" dirty="0" smtClean="0">
+                <a:solidFill>
+                  <a:schemeClr val="bg1"/>
+                </a:solidFill>
+              </a:rPr>
+              <a:t>がれきの門</a:t>
+            </a:r>
+            <a:endParaRPr kumimoji="1" lang="en-US" altLang="ja-JP" dirty="0" smtClean="0">
+              <a:solidFill>
+                <a:schemeClr val="bg1"/>
+              </a:solidFill>
+            </a:endParaRPr>
+          </a:p>
+          <a:p>
+            <a:r>
+              <a:rPr kumimoji="1" lang="ja-JP" altLang="en-US" dirty="0" smtClean="0">
+                <a:solidFill>
+                  <a:schemeClr val="bg1"/>
+                </a:solidFill>
+              </a:rPr>
+              <a:t>オブジェクト</a:t>
+            </a:r>
+            <a:endParaRPr kumimoji="1" lang="ja-JP" altLang="en-US" dirty="0">
+              <a:solidFill>
+                <a:schemeClr val="bg1"/>
+              </a:solidFill>
+            </a:endParaRPr>
+          </a:p>
+        </p:txBody>
+      </p:sp>
+      <p:sp>
+        <p:nvSpPr>
+          <p:cNvPr id="28" name="フローチャート: 磁気ディスク 27"/>
+          <p:cNvSpPr/>
+          <p:nvPr/>
+        </p:nvSpPr>
+        <p:spPr>
+          <a:xfrm>
+            <a:off x="9067065" y="4774223"/>
+            <a:ext cx="1729154" cy="1638301"/>
+          </a:xfrm>
+          <a:prstGeom prst="flowChartMagneticDisk">
+            <a:avLst/>
+          </a:prstGeom>
+          <a:gradFill flip="none" rotWithShape="1">
+            <a:gsLst>
+              <a:gs pos="0">
+                <a:schemeClr val="bg1"/>
+              </a:gs>
+              <a:gs pos="25000">
+                <a:schemeClr val="bg1">
+                  <a:lumMod val="95000"/>
+                </a:schemeClr>
+              </a:gs>
+              <a:gs pos="44000">
+                <a:schemeClr val="bg1">
+                  <a:lumMod val="95000"/>
+                </a:schemeClr>
+              </a:gs>
+              <a:gs pos="100000">
+                <a:schemeClr val="bg1">
+                  <a:lumMod val="65000"/>
+                </a:schemeClr>
+              </a:gs>
+            </a:gsLst>
+            <a:lin ang="16200000" scaled="1"/>
+            <a:tileRect/>
+          </a:gradFill>
+        </p:spPr>
+        <p:style>
+          <a:lnRef idx="2">
+            <a:schemeClr val="accent1">
+              <a:shade val="50000"/>
+            </a:schemeClr>
+          </a:lnRef>
+          <a:fillRef idx="1">
+            <a:schemeClr val="accent1"/>
+          </a:fillRef>
+          <a:effectRef idx="0">
+            <a:schemeClr val="accent1"/>
+          </a:effectRef>
+          <a:fontRef idx="minor">
+            <a:schemeClr val="lt1"/>
+          </a:fontRef>
+        </p:style>
+        <p:txBody>
+          <a:bodyPr rtlCol="0" anchor="ctr"/>
+          <a:lstStyle/>
+          <a:p>
+            <a:pPr algn="ctr"/>
+            <a:endParaRPr kumimoji="1" lang="ja-JP" altLang="en-US"/>
+          </a:p>
+        </p:txBody>
+      </p:sp>
+      <p:sp>
+        <p:nvSpPr>
+          <p:cNvPr id="29" name="テキスト ボックス 28"/>
+          <p:cNvSpPr txBox="1"/>
+          <p:nvPr/>
+        </p:nvSpPr>
+        <p:spPr>
+          <a:xfrm>
+            <a:off x="9706708" y="4995143"/>
+            <a:ext cx="588350" cy="1200329"/>
+          </a:xfrm>
+          <a:prstGeom prst="rect">
+            <a:avLst/>
+          </a:prstGeom>
+          <a:noFill/>
+        </p:spPr>
+        <p:txBody>
+          <a:bodyPr wrap="square" rtlCol="0">
+            <a:spAutoFit/>
+          </a:bodyPr>
+          <a:lstStyle/>
+          <a:p>
+            <a:r>
+              <a:rPr kumimoji="1" lang="ja-JP" altLang="en-US" dirty="0" smtClean="0"/>
+              <a:t>崩れた塔</a:t>
+            </a:r>
+            <a:endParaRPr kumimoji="1" lang="ja-JP" altLang="en-US" dirty="0"/>
+          </a:p>
+        </p:txBody>
+      </p:sp>
+    </p:spTree>
+    <p:extLst>
+      <p:ext uri="{BB962C8B-B14F-4D97-AF65-F5344CB8AC3E}">
+        <p14:creationId xmlns:p14="http://schemas.microsoft.com/office/powerpoint/2010/main" val="1158965676"/>
+      </p:ext>
+    </p:extLst>
+  </p:cSld>
+  <p:clrMapOvr>
+    <a:masterClrMapping/>
+  </p:clrMapOvr>
+</p:sld>
+</file>
+
+<file path=ppt/slides/slide6.xml><?xml version="1.0" encoding="utf-8"?>
+<p:sld xmlns:a="http://schemas.openxmlformats.org/drawingml/2006/main" xmlns:r="http://schemas.openxmlformats.org/officeDocument/2006/relationships" xmlns:p="http://schemas.openxmlformats.org/presentationml/2006/main" show="0">
+  <p:cSld>
+    <p:spTree>
+      <p:nvGrpSpPr>
+        <p:cNvPr id="1" name=""/>
+        <p:cNvGrpSpPr/>
+        <p:nvPr/>
+      </p:nvGrpSpPr>
+      <p:grpSpPr>
+        <a:xfrm>
+          <a:off x="0" y="0"/>
+          <a:ext cx="0" cy="0"/>
+          <a:chOff x="0" y="0"/>
+          <a:chExt cx="0" cy="0"/>
+        </a:xfrm>
+      </p:grpSpPr>
+      <p:sp>
+        <p:nvSpPr>
+          <p:cNvPr id="6" name="二等辺三角形 5"/>
+          <p:cNvSpPr/>
+          <p:nvPr/>
+        </p:nvSpPr>
+        <p:spPr>
+          <a:xfrm>
+            <a:off x="3811465" y="1940826"/>
+            <a:ext cx="4378570" cy="4844562"/>
+          </a:xfrm>
+          <a:prstGeom prst="triangle">
+            <a:avLst/>
+          </a:prstGeom>
+          <a:solidFill>
+            <a:schemeClr val="accent2">
+              <a:lumMod val="75000"/>
+            </a:schemeClr>
+          </a:solidFill>
+        </p:spPr>
+        <p:style>
+          <a:lnRef idx="2">
+            <a:schemeClr val="accent1">
+              <a:shade val="50000"/>
+            </a:schemeClr>
+          </a:lnRef>
+          <a:fillRef idx="1">
+            <a:schemeClr val="accent1"/>
+          </a:fillRef>
+          <a:effectRef idx="0">
+            <a:schemeClr val="accent1"/>
+          </a:effectRef>
+          <a:fontRef idx="minor">
+            <a:schemeClr val="lt1"/>
+          </a:fontRef>
+        </p:style>
+        <p:txBody>
+          <a:bodyPr rtlCol="0" anchor="ctr"/>
+          <a:lstStyle/>
+          <a:p>
+            <a:pPr algn="ctr"/>
+            <a:endParaRPr kumimoji="1" lang="ja-JP" altLang="en-US"/>
+          </a:p>
+        </p:txBody>
+      </p:sp>
+      <p:sp>
+        <p:nvSpPr>
+          <p:cNvPr id="7" name="二等辺三角形 6"/>
+          <p:cNvSpPr/>
+          <p:nvPr/>
+        </p:nvSpPr>
+        <p:spPr>
+          <a:xfrm>
+            <a:off x="4962159" y="1948191"/>
+            <a:ext cx="2077182" cy="2350111"/>
+          </a:xfrm>
+          <a:prstGeom prst="triangle">
+            <a:avLst/>
+          </a:prstGeom>
+        </p:spPr>
+        <p:style>
+          <a:lnRef idx="2">
+            <a:schemeClr val="accent2"/>
+          </a:lnRef>
+          <a:fillRef idx="1">
+            <a:schemeClr val="lt1"/>
+          </a:fillRef>
+          <a:effectRef idx="0">
+            <a:schemeClr val="accent2"/>
+          </a:effectRef>
+          <a:fontRef idx="minor">
+            <a:schemeClr val="dk1"/>
+          </a:fontRef>
+        </p:style>
+        <p:txBody>
+          <a:bodyPr rtlCol="0" anchor="ctr"/>
+          <a:lstStyle/>
+          <a:p>
+            <a:pPr algn="ctr"/>
+            <a:endParaRPr kumimoji="1" lang="ja-JP" altLang="en-US"/>
+          </a:p>
+        </p:txBody>
+      </p:sp>
+      <p:sp>
+        <p:nvSpPr>
+          <p:cNvPr id="2" name="タイトル 1"/>
+          <p:cNvSpPr>
+            <a:spLocks noGrp="1"/>
+          </p:cNvSpPr>
+          <p:nvPr>
+            <p:ph type="title"/>
+          </p:nvPr>
+        </p:nvSpPr>
+        <p:spPr/>
+        <p:txBody>
+          <a:bodyPr/>
+          <a:lstStyle/>
+          <a:p>
+            <a:r>
+              <a:rPr kumimoji="1" lang="ja-JP" altLang="en-US" dirty="0" smtClean="0"/>
+              <a:t>崖</a:t>
+            </a:r>
+            <a:endParaRPr kumimoji="1" lang="ja-JP" altLang="en-US" dirty="0"/>
+          </a:p>
+        </p:txBody>
+      </p:sp>
+      <p:sp>
+        <p:nvSpPr>
+          <p:cNvPr id="4" name="楕円 3"/>
+          <p:cNvSpPr/>
+          <p:nvPr/>
+        </p:nvSpPr>
+        <p:spPr>
+          <a:xfrm>
+            <a:off x="3446586" y="1046286"/>
+            <a:ext cx="5108330" cy="2804745"/>
+          </a:xfrm>
+          <a:prstGeom prst="ellipse">
+            <a:avLst/>
+          </a:prstGeom>
+          <a:solidFill>
+            <a:schemeClr val="accent2"/>
+          </a:solidFill>
+          <a:ln w="76200">
+            <a:solidFill>
+              <a:schemeClr val="tx1"/>
+            </a:solidFill>
+          </a:ln>
+        </p:spPr>
+        <p:style>
+          <a:lnRef idx="2">
+            <a:schemeClr val="accent1">
+              <a:shade val="50000"/>
+            </a:schemeClr>
+          </a:lnRef>
+          <a:fillRef idx="1">
+            <a:schemeClr val="accent1"/>
+          </a:fillRef>
+          <a:effectRef idx="0">
+            <a:schemeClr val="accent1"/>
+          </a:effectRef>
+          <a:fontRef idx="minor">
+            <a:schemeClr val="lt1"/>
+          </a:fontRef>
+        </p:style>
+        <p:txBody>
+          <a:bodyPr rtlCol="0" anchor="ctr"/>
+          <a:lstStyle/>
+          <a:p>
+            <a:pPr algn="ctr"/>
+            <a:endParaRPr kumimoji="1" lang="ja-JP" altLang="en-US" b="1">
+              <a:ln w="22225">
+                <a:solidFill>
+                  <a:schemeClr val="accent2"/>
+                </a:solidFill>
+                <a:prstDash val="solid"/>
+              </a:ln>
+              <a:solidFill>
+                <a:schemeClr val="accent2">
+                  <a:lumMod val="40000"/>
+                  <a:lumOff val="60000"/>
+                </a:schemeClr>
+              </a:solidFill>
+            </a:endParaRPr>
+          </a:p>
+        </p:txBody>
+      </p:sp>
+      <p:sp>
+        <p:nvSpPr>
+          <p:cNvPr id="5" name="テキスト ボックス 4"/>
+          <p:cNvSpPr txBox="1"/>
+          <p:nvPr/>
+        </p:nvSpPr>
+        <p:spPr>
+          <a:xfrm>
+            <a:off x="4875335" y="1940826"/>
+            <a:ext cx="2250831" cy="1015663"/>
+          </a:xfrm>
+          <a:prstGeom prst="rect">
+            <a:avLst/>
+          </a:prstGeom>
+          <a:noFill/>
+        </p:spPr>
+        <p:txBody>
+          <a:bodyPr wrap="square" rtlCol="0">
+            <a:spAutoFit/>
+          </a:bodyPr>
+          <a:lstStyle/>
+          <a:p>
+            <a:pPr algn="ctr"/>
+            <a:r>
+              <a:rPr lang="ja-JP" altLang="en-US" sz="6000" b="1" dirty="0">
+                <a:solidFill>
+                  <a:schemeClr val="bg1"/>
+                </a:solidFill>
+                <a:effectLst>
+                  <a:outerShdw blurRad="38100" dist="38100" dir="2700000" algn="tl">
+                    <a:srgbClr val="000000">
+                      <a:alpha val="43137"/>
+                    </a:srgbClr>
+                  </a:outerShdw>
+                </a:effectLst>
+              </a:rPr>
+              <a:t>戦場</a:t>
+            </a:r>
+            <a:endParaRPr kumimoji="1" lang="ja-JP" altLang="en-US" sz="6000" b="1" dirty="0">
+              <a:solidFill>
+                <a:schemeClr val="bg1"/>
+              </a:solidFill>
+              <a:effectLst>
+                <a:outerShdw blurRad="38100" dist="38100" dir="2700000" algn="tl">
+                  <a:srgbClr val="000000">
+                    <a:alpha val="43137"/>
+                  </a:srgbClr>
+                </a:outerShdw>
+              </a:effectLst>
+            </a:endParaRPr>
+          </a:p>
+        </p:txBody>
+      </p:sp>
+    </p:spTree>
+    <p:extLst>
+      <p:ext uri="{BB962C8B-B14F-4D97-AF65-F5344CB8AC3E}">
+        <p14:creationId xmlns:p14="http://schemas.microsoft.com/office/powerpoint/2010/main" val="4126502916"/>
+      </p:ext>
+    </p:extLst>
+  </p:cSld>
+  <p:clrMapOvr>
+    <a:masterClrMapping/>
+  </p:clrMapOvr>
+  <mc:AlternateContent xmlns:mc="http://schemas.openxmlformats.org/markup-compatibility/2006">
+    <mc:Choice xmlns:p14="http://schemas.microsoft.com/office/powerpoint/2010/main" Requires="p14">
+      <p:transition spd="slow" p14:dur="2000"/>
+    </mc:Choice>
+    <mc:Fallback>
+      <p:transition spd="slow"/>
+    </mc:Fallback>
+  </mc:AlternateContent>
+</p:sld>
+</file>
+
+<file path=ppt/slides/slide7.xml><?xml version="1.0" encoding="utf-8"?>
+<p:sld xmlns:a="http://schemas.openxmlformats.org/drawingml/2006/main" xmlns:r="http://schemas.openxmlformats.org/officeDocument/2006/relationships" xmlns:p="http://schemas.openxmlformats.org/presentationml/2006/main">
+  <p:cSld>
+    <p:spTree>
+      <p:nvGrpSpPr>
+        <p:cNvPr id="1" name=""/>
+        <p:cNvGrpSpPr/>
+        <p:nvPr/>
+      </p:nvGrpSpPr>
+      <p:grpSpPr>
+        <a:xfrm>
+          <a:off x="0" y="0"/>
+          <a:ext cx="0" cy="0"/>
+          <a:chOff x="0" y="0"/>
+          <a:chExt cx="0" cy="0"/>
+        </a:xfrm>
+      </p:grpSpPr>
+      <p:sp>
+        <p:nvSpPr>
+          <p:cNvPr id="6" name="平行四辺形 5"/>
+          <p:cNvSpPr/>
+          <p:nvPr/>
+        </p:nvSpPr>
+        <p:spPr>
+          <a:xfrm>
+            <a:off x="1345224" y="1230923"/>
+            <a:ext cx="9135208" cy="5433646"/>
+          </a:xfrm>
+          <a:prstGeom prst="parallelogram">
+            <a:avLst/>
+          </a:prstGeom>
+          <a:solidFill>
+            <a:schemeClr val="accent1">
+              <a:lumMod val="40000"/>
+              <a:lumOff val="60000"/>
+            </a:schemeClr>
+          </a:solidFill>
+        </p:spPr>
+        <p:style>
+          <a:lnRef idx="2">
+            <a:schemeClr val="accent1">
+              <a:shade val="50000"/>
+            </a:schemeClr>
+          </a:lnRef>
+          <a:fillRef idx="1">
+            <a:schemeClr val="accent1"/>
+          </a:fillRef>
+          <a:effectRef idx="0">
+            <a:schemeClr val="accent1"/>
+          </a:effectRef>
+          <a:fontRef idx="minor">
+            <a:schemeClr val="lt1"/>
+          </a:fontRef>
+        </p:style>
+        <p:txBody>
+          <a:bodyPr rtlCol="0" anchor="ctr"/>
+          <a:lstStyle/>
+          <a:p>
+            <a:pPr algn="ctr"/>
+            <a:endParaRPr kumimoji="1" lang="ja-JP" altLang="en-US" sz="16600" b="1" dirty="0">
+              <a:effectLst>
+                <a:outerShdw blurRad="38100" dist="38100" dir="2700000" algn="tl">
+                  <a:srgbClr val="000000">
+                    <a:alpha val="43137"/>
+                  </a:srgbClr>
+                </a:outerShdw>
+              </a:effectLst>
+            </a:endParaRPr>
+          </a:p>
+        </p:txBody>
+      </p:sp>
+      <p:sp>
+        <p:nvSpPr>
+          <p:cNvPr id="2" name="タイトル 1"/>
+          <p:cNvSpPr>
+            <a:spLocks noGrp="1"/>
+          </p:cNvSpPr>
+          <p:nvPr>
+            <p:ph type="title"/>
+          </p:nvPr>
+        </p:nvSpPr>
+        <p:spPr/>
+        <p:txBody>
+          <a:bodyPr/>
+          <a:lstStyle/>
+          <a:p>
+            <a:r>
+              <a:rPr kumimoji="1" lang="ja-JP" altLang="en-US" dirty="0" smtClean="0"/>
+              <a:t>島</a:t>
+            </a:r>
+            <a:endParaRPr kumimoji="1" lang="ja-JP" altLang="en-US" dirty="0"/>
+          </a:p>
+        </p:txBody>
+      </p:sp>
+      <p:sp>
+        <p:nvSpPr>
+          <p:cNvPr id="5" name="楕円 4"/>
+          <p:cNvSpPr/>
+          <p:nvPr/>
+        </p:nvSpPr>
+        <p:spPr>
+          <a:xfrm>
+            <a:off x="3472963" y="1943100"/>
+            <a:ext cx="5108330" cy="4448907"/>
+          </a:xfrm>
+          <a:prstGeom prst="ellipse">
+            <a:avLst/>
+          </a:prstGeom>
+          <a:solidFill>
+            <a:srgbClr val="92D050"/>
+          </a:solidFill>
+          <a:ln w="76200">
+            <a:solidFill>
+              <a:schemeClr val="tx1"/>
+            </a:solidFill>
+          </a:ln>
+        </p:spPr>
+        <p:style>
+          <a:lnRef idx="2">
+            <a:schemeClr val="accent1">
+              <a:shade val="50000"/>
+            </a:schemeClr>
+          </a:lnRef>
+          <a:fillRef idx="1">
+            <a:schemeClr val="accent1"/>
+          </a:fillRef>
+          <a:effectRef idx="0">
+            <a:schemeClr val="accent1"/>
+          </a:effectRef>
+          <a:fontRef idx="minor">
+            <a:schemeClr val="lt1"/>
+          </a:fontRef>
+        </p:style>
+        <p:txBody>
+          <a:bodyPr rtlCol="0" anchor="ctr"/>
+          <a:lstStyle/>
+          <a:p>
+            <a:pPr algn="ctr"/>
+            <a:endParaRPr kumimoji="1" lang="ja-JP" altLang="en-US"/>
+          </a:p>
+        </p:txBody>
+      </p:sp>
+      <p:sp>
+        <p:nvSpPr>
+          <p:cNvPr id="8" name="テキスト ボックス 7"/>
+          <p:cNvSpPr txBox="1"/>
+          <p:nvPr/>
+        </p:nvSpPr>
+        <p:spPr>
+          <a:xfrm>
+            <a:off x="4901712" y="3798278"/>
+            <a:ext cx="2250831" cy="1015663"/>
+          </a:xfrm>
+          <a:prstGeom prst="rect">
+            <a:avLst/>
+          </a:prstGeom>
+          <a:noFill/>
+        </p:spPr>
+        <p:txBody>
+          <a:bodyPr wrap="square" rtlCol="0">
+            <a:spAutoFit/>
+          </a:bodyPr>
+          <a:lstStyle/>
+          <a:p>
+            <a:pPr algn="ctr"/>
+            <a:r>
+              <a:rPr lang="ja-JP" altLang="en-US" sz="6000" b="1" dirty="0">
+                <a:solidFill>
+                  <a:srgbClr val="FF0000"/>
+                </a:solidFill>
+                <a:effectLst>
+                  <a:outerShdw blurRad="38100" dist="38100" dir="2700000" algn="tl">
+                    <a:srgbClr val="000000">
+                      <a:alpha val="43137"/>
+                    </a:srgbClr>
+                  </a:outerShdw>
+                </a:effectLst>
+              </a:rPr>
+              <a:t>戦場</a:t>
+            </a:r>
+            <a:endParaRPr kumimoji="1" lang="ja-JP" altLang="en-US" sz="6000" b="1" dirty="0">
+              <a:solidFill>
+                <a:srgbClr val="FF0000"/>
+              </a:solidFill>
+              <a:effectLst>
+                <a:outerShdw blurRad="38100" dist="38100" dir="2700000" algn="tl">
+                  <a:srgbClr val="000000">
+                    <a:alpha val="43137"/>
+                  </a:srgbClr>
+                </a:outerShdw>
+              </a:effectLst>
+            </a:endParaRPr>
+          </a:p>
+        </p:txBody>
+      </p:sp>
+      <p:sp>
+        <p:nvSpPr>
+          <p:cNvPr id="9" name="テキスト ボックス 8"/>
+          <p:cNvSpPr txBox="1"/>
+          <p:nvPr/>
+        </p:nvSpPr>
+        <p:spPr>
+          <a:xfrm>
+            <a:off x="2111621" y="4554415"/>
+            <a:ext cx="958363" cy="1569660"/>
+          </a:xfrm>
+          <a:prstGeom prst="rect">
+            <a:avLst/>
+          </a:prstGeom>
+          <a:noFill/>
+        </p:spPr>
+        <p:txBody>
+          <a:bodyPr wrap="square" rtlCol="0">
+            <a:spAutoFit/>
+          </a:bodyPr>
+          <a:lstStyle/>
+          <a:p>
+            <a:pPr algn="ctr"/>
+            <a:r>
+              <a:rPr kumimoji="1" lang="ja-JP" altLang="en-US" sz="9600" b="1" dirty="0" smtClean="0">
+                <a:ln w="9525">
+                  <a:solidFill>
+                    <a:schemeClr val="bg1"/>
+                  </a:solidFill>
+                  <a:prstDash val="solid"/>
+                </a:ln>
+                <a:solidFill>
+                  <a:schemeClr val="accent5"/>
+                </a:solidFill>
+                <a:effectLst>
+                  <a:outerShdw blurRad="12700" dist="38100" dir="2700000" algn="tl" rotWithShape="0">
+                    <a:schemeClr val="accent5">
+                      <a:lumMod val="60000"/>
+                      <a:lumOff val="40000"/>
+                    </a:schemeClr>
+                  </a:outerShdw>
+                </a:effectLst>
+              </a:rPr>
+              <a:t>海</a:t>
+            </a:r>
+            <a:endParaRPr kumimoji="1" lang="ja-JP" altLang="en-US" sz="9600" b="1" dirty="0">
+              <a:ln w="9525">
+                <a:solidFill>
+                  <a:schemeClr val="bg1"/>
+                </a:solidFill>
+                <a:prstDash val="solid"/>
+              </a:ln>
+              <a:solidFill>
+                <a:schemeClr val="accent5"/>
+              </a:solidFill>
+              <a:effectLst>
+                <a:outerShdw blurRad="12700" dist="38100" dir="2700000" algn="tl" rotWithShape="0">
+                  <a:schemeClr val="accent5">
+                    <a:lumMod val="60000"/>
+                    <a:lumOff val="40000"/>
+                  </a:schemeClr>
+                </a:outerShdw>
+              </a:effectLst>
+            </a:endParaRPr>
+          </a:p>
+        </p:txBody>
+      </p:sp>
+    </p:spTree>
+    <p:extLst>
+      <p:ext uri="{BB962C8B-B14F-4D97-AF65-F5344CB8AC3E}">
+        <p14:creationId xmlns:p14="http://schemas.microsoft.com/office/powerpoint/2010/main" val="2494130826"/>
+      </p:ext>
+    </p:extLst>
+  </p:cSld>
+  <p:clrMapOvr>
+    <a:masterClrMapping/>
+  </p:clrMapOvr>
+</p:sld>
+</file>
+
+<file path=ppt/slides/slide8.xml><?xml version="1.0" encoding="utf-8"?>
+<p:sld xmlns:a="http://schemas.openxmlformats.org/drawingml/2006/main" xmlns:r="http://schemas.openxmlformats.org/officeDocument/2006/relationships" xmlns:p="http://schemas.openxmlformats.org/presentationml/2006/main">
+  <p:cSld>
+    <p:spTree>
+      <p:nvGrpSpPr>
+        <p:cNvPr id="1" name=""/>
+        <p:cNvGrpSpPr/>
+        <p:nvPr/>
+      </p:nvGrpSpPr>
+      <p:grpSpPr>
+        <a:xfrm>
+          <a:off x="0" y="0"/>
+          <a:ext cx="0" cy="0"/>
+          <a:chOff x="0" y="0"/>
+          <a:chExt cx="0" cy="0"/>
+        </a:xfrm>
+      </p:grpSpPr>
+      <p:sp>
+        <p:nvSpPr>
+          <p:cNvPr id="2" name="タイトル 1"/>
+          <p:cNvSpPr>
+            <a:spLocks noGrp="1"/>
+          </p:cNvSpPr>
+          <p:nvPr>
+            <p:ph type="title"/>
+          </p:nvPr>
+        </p:nvSpPr>
+        <p:spPr>
+          <a:xfrm>
+            <a:off x="811823" y="2853349"/>
+            <a:ext cx="10515600" cy="1325563"/>
+          </a:xfrm>
+        </p:spPr>
+        <p:txBody>
+          <a:bodyPr>
+            <a:noAutofit/>
+          </a:bodyPr>
+          <a:lstStyle/>
+          <a:p>
+            <a:pPr algn="ctr"/>
+            <a:r>
+              <a:rPr lang="ja-JP" altLang="en-US" sz="9600" b="1" dirty="0" smtClean="0">
+                <a:effectLst>
+                  <a:outerShdw blurRad="38100" dist="38100" dir="2700000" algn="tl">
+                    <a:srgbClr val="000000">
+                      <a:alpha val="43137"/>
+                    </a:srgbClr>
+                  </a:outerShdw>
+                </a:effectLst>
+              </a:rPr>
+              <a:t>島</a:t>
+            </a:r>
+            <a:endParaRPr kumimoji="1" lang="ja-JP" altLang="en-US" sz="9600" b="1" dirty="0">
+              <a:effectLst>
+                <a:outerShdw blurRad="38100" dist="38100" dir="2700000" algn="tl">
+                  <a:srgbClr val="000000">
+                    <a:alpha val="43137"/>
+                  </a:srgbClr>
+                </a:outerShdw>
+              </a:effectLst>
+            </a:endParaRPr>
+          </a:p>
+        </p:txBody>
+      </p:sp>
+    </p:spTree>
+    <p:extLst>
+      <p:ext uri="{BB962C8B-B14F-4D97-AF65-F5344CB8AC3E}">
+        <p14:creationId xmlns:p14="http://schemas.microsoft.com/office/powerpoint/2010/main" val="754538187"/>
+      </p:ext>
+    </p:extLst>
+  </p:cSld>
+  <p:clrMapOvr>
+    <a:masterClrMapping/>
+  </p:clrMapOvr>
+</p:sld>
+</file>
+
+<file path=ppt/slides/slide9.xml><?xml version="1.0" encoding="utf-8"?>
+<p:sld xmlns:a="http://schemas.openxmlformats.org/drawingml/2006/main" xmlns:r="http://schemas.openxmlformats.org/officeDocument/2006/relationships" xmlns:p="http://schemas.openxmlformats.org/presentationml/2006/main">
+  <p:cSld>
+    <p:spTree>
+      <p:nvGrpSpPr>
+        <p:cNvPr id="1" name=""/>
+        <p:cNvGrpSpPr/>
+        <p:nvPr/>
+      </p:nvGrpSpPr>
+      <p:grpSpPr>
+        <a:xfrm>
+          <a:off x="0" y="0"/>
+          <a:ext cx="0" cy="0"/>
+          <a:chOff x="0" y="0"/>
+          <a:chExt cx="0" cy="0"/>
+        </a:xfrm>
+      </p:grpSpPr>
+      <p:sp>
+        <p:nvSpPr>
+          <p:cNvPr id="6" name="平行四辺形 5"/>
+          <p:cNvSpPr/>
+          <p:nvPr/>
+        </p:nvSpPr>
+        <p:spPr>
+          <a:xfrm>
+            <a:off x="316523" y="1230923"/>
+            <a:ext cx="11720146" cy="5433646"/>
+          </a:xfrm>
+          <a:prstGeom prst="parallelogram">
+            <a:avLst/>
+          </a:prstGeom>
+          <a:solidFill>
+            <a:schemeClr val="accent1">
+              <a:lumMod val="40000"/>
+              <a:lumOff val="60000"/>
+            </a:schemeClr>
+          </a:solidFill>
+        </p:spPr>
+        <p:style>
+          <a:lnRef idx="2">
+            <a:schemeClr val="accent1">
+              <a:shade val="50000"/>
+            </a:schemeClr>
+          </a:lnRef>
+          <a:fillRef idx="1">
+            <a:schemeClr val="accent1"/>
+          </a:fillRef>
+          <a:effectRef idx="0">
+            <a:schemeClr val="accent1"/>
+          </a:effectRef>
+          <a:fontRef idx="minor">
+            <a:schemeClr val="lt1"/>
+          </a:fontRef>
+        </p:style>
+        <p:txBody>
+          <a:bodyPr rtlCol="0" anchor="ctr"/>
+          <a:lstStyle/>
+          <a:p>
+            <a:pPr algn="ctr"/>
+            <a:endParaRPr kumimoji="1" lang="ja-JP" altLang="en-US" sz="16600" b="1" dirty="0">
+              <a:effectLst>
+                <a:outerShdw blurRad="38100" dist="38100" dir="2700000" algn="tl">
+                  <a:srgbClr val="000000">
+                    <a:alpha val="43137"/>
+                  </a:srgbClr>
+                </a:outerShdw>
+              </a:effectLst>
+            </a:endParaRPr>
+          </a:p>
+        </p:txBody>
+      </p:sp>
+      <p:sp>
+        <p:nvSpPr>
+          <p:cNvPr id="2" name="タイトル 1"/>
+          <p:cNvSpPr>
+            <a:spLocks noGrp="1"/>
+          </p:cNvSpPr>
+          <p:nvPr>
+            <p:ph type="title"/>
+          </p:nvPr>
+        </p:nvSpPr>
+        <p:spPr>
+          <a:xfrm>
+            <a:off x="918796" y="310929"/>
+            <a:ext cx="10515600" cy="1325563"/>
+          </a:xfrm>
+        </p:spPr>
+        <p:txBody>
+          <a:bodyPr/>
+          <a:lstStyle/>
+          <a:p>
+            <a:r>
+              <a:rPr kumimoji="1" lang="ja-JP" altLang="en-US" dirty="0" smtClean="0"/>
+              <a:t>島</a:t>
+            </a:r>
+            <a:endParaRPr kumimoji="1" lang="ja-JP" altLang="en-US" dirty="0"/>
+          </a:p>
+        </p:txBody>
+      </p:sp>
+      <p:sp>
+        <p:nvSpPr>
+          <p:cNvPr id="11" name="正方形/長方形 10"/>
+          <p:cNvSpPr/>
+          <p:nvPr/>
+        </p:nvSpPr>
+        <p:spPr>
+          <a:xfrm rot="5230286">
+            <a:off x="1330836" y="2320924"/>
+            <a:ext cx="2048608" cy="202223"/>
+          </a:xfrm>
+          <a:prstGeom prst="rect">
+            <a:avLst/>
+          </a:prstGeom>
+          <a:solidFill>
+            <a:srgbClr val="FF0000"/>
+          </a:solidFill>
+        </p:spPr>
+        <p:style>
+          <a:lnRef idx="2">
+            <a:schemeClr val="accent1">
+              <a:shade val="50000"/>
+            </a:schemeClr>
+          </a:lnRef>
+          <a:fillRef idx="1">
+            <a:schemeClr val="accent1"/>
+          </a:fillRef>
+          <a:effectRef idx="0">
+            <a:schemeClr val="accent1"/>
+          </a:effectRef>
+          <a:fontRef idx="minor">
+            <a:schemeClr val="lt1"/>
+          </a:fontRef>
+        </p:style>
+        <p:txBody>
+          <a:bodyPr rtlCol="0" anchor="ctr"/>
+          <a:lstStyle/>
+          <a:p>
+            <a:pPr algn="ctr"/>
+            <a:endParaRPr kumimoji="1" lang="ja-JP" altLang="en-US"/>
+          </a:p>
+        </p:txBody>
+      </p:sp>
+      <p:sp>
+        <p:nvSpPr>
+          <p:cNvPr id="12" name="正方形/長方形 11"/>
+          <p:cNvSpPr/>
+          <p:nvPr/>
+        </p:nvSpPr>
+        <p:spPr>
+          <a:xfrm rot="5230286">
+            <a:off x="2297123" y="2320923"/>
+            <a:ext cx="2048608" cy="202223"/>
+          </a:xfrm>
+          <a:prstGeom prst="rect">
+            <a:avLst/>
+          </a:prstGeom>
+          <a:solidFill>
+            <a:srgbClr val="FF0000"/>
+          </a:solidFill>
+        </p:spPr>
+        <p:style>
+          <a:lnRef idx="2">
+            <a:schemeClr val="accent1">
+              <a:shade val="50000"/>
+            </a:schemeClr>
+          </a:lnRef>
+          <a:fillRef idx="1">
+            <a:schemeClr val="accent1"/>
+          </a:fillRef>
+          <a:effectRef idx="0">
+            <a:schemeClr val="accent1"/>
+          </a:effectRef>
+          <a:fontRef idx="minor">
+            <a:schemeClr val="lt1"/>
+          </a:fontRef>
+        </p:style>
+        <p:txBody>
+          <a:bodyPr rtlCol="0" anchor="ctr"/>
+          <a:lstStyle/>
+          <a:p>
+            <a:pPr algn="ctr"/>
+            <a:endParaRPr kumimoji="1" lang="ja-JP" altLang="en-US"/>
+          </a:p>
+        </p:txBody>
+      </p:sp>
+      <p:sp>
+        <p:nvSpPr>
+          <p:cNvPr id="5" name="楕円 4"/>
+          <p:cNvSpPr/>
+          <p:nvPr/>
+        </p:nvSpPr>
+        <p:spPr>
+          <a:xfrm>
+            <a:off x="3472963" y="1943100"/>
+            <a:ext cx="5108330" cy="4448907"/>
+          </a:xfrm>
+          <a:prstGeom prst="ellipse">
+            <a:avLst/>
+          </a:prstGeom>
+          <a:solidFill>
+            <a:srgbClr val="92D050"/>
+          </a:solidFill>
+          <a:ln w="76200">
+            <a:solidFill>
+              <a:schemeClr val="tx1"/>
+            </a:solidFill>
+          </a:ln>
+        </p:spPr>
+        <p:style>
+          <a:lnRef idx="2">
+            <a:schemeClr val="accent1">
+              <a:shade val="50000"/>
+            </a:schemeClr>
+          </a:lnRef>
+          <a:fillRef idx="1">
+            <a:schemeClr val="accent1"/>
+          </a:fillRef>
+          <a:effectRef idx="0">
+            <a:schemeClr val="accent1"/>
+          </a:effectRef>
+          <a:fontRef idx="minor">
+            <a:schemeClr val="lt1"/>
+          </a:fontRef>
+        </p:style>
+        <p:txBody>
+          <a:bodyPr rtlCol="0" anchor="ctr"/>
+          <a:lstStyle/>
+          <a:p>
+            <a:pPr algn="ctr"/>
+            <a:endParaRPr kumimoji="1" lang="ja-JP" altLang="en-US"/>
+          </a:p>
+        </p:txBody>
+      </p:sp>
+      <p:sp>
+        <p:nvSpPr>
+          <p:cNvPr id="8" name="テキスト ボックス 7"/>
+          <p:cNvSpPr txBox="1"/>
+          <p:nvPr/>
+        </p:nvSpPr>
+        <p:spPr>
+          <a:xfrm>
+            <a:off x="4901712" y="3798278"/>
+            <a:ext cx="2250831" cy="1015663"/>
+          </a:xfrm>
+          <a:prstGeom prst="rect">
+            <a:avLst/>
+          </a:prstGeom>
+          <a:noFill/>
+        </p:spPr>
+        <p:txBody>
+          <a:bodyPr wrap="square" rtlCol="0">
+            <a:spAutoFit/>
+          </a:bodyPr>
+          <a:lstStyle/>
+          <a:p>
+            <a:pPr algn="ctr"/>
+            <a:r>
+              <a:rPr lang="ja-JP" altLang="en-US" sz="6000" b="1" dirty="0">
+                <a:solidFill>
+                  <a:srgbClr val="FF0000"/>
+                </a:solidFill>
+                <a:effectLst>
+                  <a:outerShdw blurRad="38100" dist="38100" dir="2700000" algn="tl">
+                    <a:srgbClr val="000000">
+                      <a:alpha val="43137"/>
+                    </a:srgbClr>
+                  </a:outerShdw>
+                </a:effectLst>
+              </a:rPr>
+              <a:t>戦場</a:t>
+            </a:r>
+            <a:endParaRPr kumimoji="1" lang="ja-JP" altLang="en-US" sz="6000" b="1" dirty="0">
+              <a:solidFill>
+                <a:srgbClr val="FF0000"/>
+              </a:solidFill>
+              <a:effectLst>
+                <a:outerShdw blurRad="38100" dist="38100" dir="2700000" algn="tl">
+                  <a:srgbClr val="000000">
+                    <a:alpha val="43137"/>
+                  </a:srgbClr>
+                </a:outerShdw>
+              </a:effectLst>
+            </a:endParaRPr>
+          </a:p>
+        </p:txBody>
+      </p:sp>
+      <p:sp>
+        <p:nvSpPr>
+          <p:cNvPr id="9" name="テキスト ボックス 8"/>
+          <p:cNvSpPr txBox="1"/>
+          <p:nvPr/>
+        </p:nvSpPr>
+        <p:spPr>
+          <a:xfrm>
+            <a:off x="2111621" y="4554415"/>
+            <a:ext cx="958363" cy="1569660"/>
+          </a:xfrm>
+          <a:prstGeom prst="rect">
+            <a:avLst/>
+          </a:prstGeom>
+          <a:noFill/>
+        </p:spPr>
+        <p:txBody>
+          <a:bodyPr wrap="square" rtlCol="0">
+            <a:spAutoFit/>
+          </a:bodyPr>
+          <a:lstStyle/>
+          <a:p>
+            <a:pPr algn="ctr"/>
+            <a:r>
+              <a:rPr kumimoji="1" lang="ja-JP" altLang="en-US" sz="9600" b="1" dirty="0" smtClean="0">
+                <a:ln w="9525">
+                  <a:solidFill>
+                    <a:schemeClr val="bg1"/>
+                  </a:solidFill>
+                  <a:prstDash val="solid"/>
+                </a:ln>
+                <a:solidFill>
+                  <a:schemeClr val="accent5"/>
+                </a:solidFill>
+                <a:effectLst>
+                  <a:outerShdw blurRad="12700" dist="38100" dir="2700000" algn="tl" rotWithShape="0">
+                    <a:schemeClr val="accent5">
+                      <a:lumMod val="60000"/>
+                      <a:lumOff val="40000"/>
+                    </a:schemeClr>
+                  </a:outerShdw>
+                </a:effectLst>
+              </a:rPr>
+              <a:t>海</a:t>
+            </a:r>
+            <a:endParaRPr kumimoji="1" lang="ja-JP" altLang="en-US" sz="9600" b="1" dirty="0">
+              <a:ln w="9525">
+                <a:solidFill>
+                  <a:schemeClr val="bg1"/>
+                </a:solidFill>
+                <a:prstDash val="solid"/>
+              </a:ln>
+              <a:solidFill>
+                <a:schemeClr val="accent5"/>
+              </a:solidFill>
+              <a:effectLst>
+                <a:outerShdw blurRad="12700" dist="38100" dir="2700000" algn="tl" rotWithShape="0">
+                  <a:schemeClr val="accent5">
+                    <a:lumMod val="60000"/>
+                    <a:lumOff val="40000"/>
+                  </a:schemeClr>
+                </a:outerShdw>
+              </a:effectLst>
+            </a:endParaRPr>
+          </a:p>
+        </p:txBody>
+      </p:sp>
+      <p:sp>
+        <p:nvSpPr>
+          <p:cNvPr id="3" name="正方形/長方形 2"/>
+          <p:cNvSpPr/>
+          <p:nvPr/>
+        </p:nvSpPr>
+        <p:spPr>
+          <a:xfrm>
+            <a:off x="1865434" y="1355831"/>
+            <a:ext cx="2048608" cy="202223"/>
+          </a:xfrm>
+          <a:prstGeom prst="rect">
+            <a:avLst/>
+          </a:prstGeom>
+          <a:solidFill>
+            <a:srgbClr val="FF0000"/>
+          </a:solidFill>
+        </p:spPr>
+        <p:style>
+          <a:lnRef idx="2">
+            <a:schemeClr val="accent1">
+              <a:shade val="50000"/>
+            </a:schemeClr>
+          </a:lnRef>
+          <a:fillRef idx="1">
+            <a:schemeClr val="accent1"/>
+          </a:fillRef>
+          <a:effectRef idx="0">
+            <a:schemeClr val="accent1"/>
+          </a:effectRef>
+          <a:fontRef idx="minor">
+            <a:schemeClr val="lt1"/>
+          </a:fontRef>
+        </p:style>
+        <p:txBody>
+          <a:bodyPr rtlCol="0" anchor="ctr"/>
+          <a:lstStyle/>
+          <a:p>
+            <a:pPr algn="ctr"/>
+            <a:endParaRPr kumimoji="1" lang="ja-JP" altLang="en-US"/>
+          </a:p>
+        </p:txBody>
+      </p:sp>
+      <p:sp>
+        <p:nvSpPr>
+          <p:cNvPr id="10" name="正方形/長方形 9"/>
+          <p:cNvSpPr/>
+          <p:nvPr/>
+        </p:nvSpPr>
+        <p:spPr>
+          <a:xfrm>
+            <a:off x="1691053" y="1655769"/>
+            <a:ext cx="2397370" cy="117962"/>
+          </a:xfrm>
+          <a:prstGeom prst="rect">
+            <a:avLst/>
+          </a:prstGeom>
+          <a:solidFill>
+            <a:srgbClr val="FF0000"/>
+          </a:solidFill>
+        </p:spPr>
+        <p:style>
+          <a:lnRef idx="2">
+            <a:schemeClr val="accent1">
+              <a:shade val="50000"/>
+            </a:schemeClr>
+          </a:lnRef>
+          <a:fillRef idx="1">
+            <a:schemeClr val="accent1"/>
+          </a:fillRef>
+          <a:effectRef idx="0">
+            <a:schemeClr val="accent1"/>
+          </a:effectRef>
+          <a:fontRef idx="minor">
+            <a:schemeClr val="lt1"/>
+          </a:fontRef>
+        </p:style>
+        <p:txBody>
+          <a:bodyPr rtlCol="0" anchor="ctr"/>
+          <a:lstStyle/>
+          <a:p>
+            <a:pPr algn="ctr"/>
+            <a:endParaRPr kumimoji="1" lang="ja-JP" altLang="en-US"/>
+          </a:p>
+        </p:txBody>
+      </p:sp>
+      <p:sp>
+        <p:nvSpPr>
+          <p:cNvPr id="20" name="星 7 19"/>
+          <p:cNvSpPr/>
+          <p:nvPr/>
+        </p:nvSpPr>
+        <p:spPr>
+          <a:xfrm>
+            <a:off x="8970650" y="3334928"/>
+            <a:ext cx="2365131" cy="1479013"/>
+          </a:xfrm>
+          <a:prstGeom prst="star7">
+            <a:avLst/>
+          </a:prstGeom>
+          <a:solidFill>
+            <a:schemeClr val="bg2">
+              <a:lumMod val="90000"/>
+            </a:schemeClr>
+          </a:solidFill>
+          <a:ln w="57150"/>
+        </p:spPr>
+        <p:style>
+          <a:lnRef idx="2">
+            <a:schemeClr val="accent1">
+              <a:shade val="50000"/>
+            </a:schemeClr>
+          </a:lnRef>
+          <a:fillRef idx="1">
+            <a:schemeClr val="accent1"/>
+          </a:fillRef>
+          <a:effectRef idx="0">
+            <a:schemeClr val="accent1"/>
+          </a:effectRef>
+          <a:fontRef idx="minor">
+            <a:schemeClr val="lt1"/>
+          </a:fontRef>
+        </p:style>
+        <p:txBody>
+          <a:bodyPr rtlCol="0" anchor="ctr"/>
+          <a:lstStyle/>
+          <a:p>
+            <a:pPr algn="ctr"/>
+            <a:endParaRPr kumimoji="1" lang="ja-JP" altLang="en-US"/>
+          </a:p>
+        </p:txBody>
+      </p:sp>
+      <p:sp>
+        <p:nvSpPr>
+          <p:cNvPr id="21" name="テキスト ボックス 20"/>
+          <p:cNvSpPr txBox="1"/>
+          <p:nvPr/>
+        </p:nvSpPr>
+        <p:spPr>
+          <a:xfrm>
+            <a:off x="9084950" y="3948143"/>
+            <a:ext cx="2250831" cy="646331"/>
+          </a:xfrm>
+          <a:prstGeom prst="rect">
+            <a:avLst/>
+          </a:prstGeom>
+          <a:noFill/>
+        </p:spPr>
+        <p:txBody>
+          <a:bodyPr wrap="square" rtlCol="0">
+            <a:spAutoFit/>
+          </a:bodyPr>
+          <a:lstStyle/>
+          <a:p>
+            <a:pPr algn="ctr"/>
+            <a:r>
+              <a:rPr lang="ja-JP" altLang="en-US" sz="3600" b="1" dirty="0" smtClean="0">
+                <a:effectLst>
+                  <a:outerShdw blurRad="38100" dist="38100" dir="2700000" algn="tl">
+                    <a:srgbClr val="000000">
+                      <a:alpha val="43137"/>
+                    </a:srgbClr>
+                  </a:outerShdw>
+                </a:effectLst>
+              </a:rPr>
+              <a:t>岩</a:t>
+            </a:r>
+            <a:endParaRPr kumimoji="1" lang="ja-JP" altLang="en-US" sz="3600" b="1" dirty="0">
+              <a:effectLst>
+                <a:outerShdw blurRad="38100" dist="38100" dir="2700000" algn="tl">
+                  <a:srgbClr val="000000">
+                    <a:alpha val="43137"/>
+                  </a:srgbClr>
+                </a:outerShdw>
+              </a:effectLst>
+            </a:endParaRPr>
+          </a:p>
+        </p:txBody>
+      </p:sp>
+      <p:sp>
+        <p:nvSpPr>
+          <p:cNvPr id="22" name="楕円 21"/>
+          <p:cNvSpPr/>
+          <p:nvPr/>
+        </p:nvSpPr>
+        <p:spPr>
+          <a:xfrm>
+            <a:off x="7783990" y="1223946"/>
+            <a:ext cx="3527180" cy="788377"/>
+          </a:xfrm>
+          <a:prstGeom prst="ellipse">
+            <a:avLst/>
+          </a:prstGeom>
+          <a:solidFill>
+            <a:srgbClr val="92D050"/>
+          </a:solidFill>
+          <a:ln w="76200">
+            <a:solidFill>
+              <a:schemeClr val="tx1"/>
+            </a:solidFill>
+          </a:ln>
+        </p:spPr>
+        <p:style>
+          <a:lnRef idx="2">
+            <a:schemeClr val="accent1">
+              <a:shade val="50000"/>
+            </a:schemeClr>
+          </a:lnRef>
+          <a:fillRef idx="1">
+            <a:schemeClr val="accent1"/>
+          </a:fillRef>
+          <a:effectRef idx="0">
+            <a:schemeClr val="accent1"/>
+          </a:effectRef>
+          <a:fontRef idx="minor">
+            <a:schemeClr val="lt1"/>
+          </a:fontRef>
+        </p:style>
+        <p:txBody>
+          <a:bodyPr rtlCol="0" anchor="ctr"/>
+          <a:lstStyle/>
+          <a:p>
+            <a:pPr algn="ctr"/>
+            <a:endParaRPr kumimoji="1" lang="ja-JP" altLang="en-US"/>
+          </a:p>
+        </p:txBody>
+      </p:sp>
+      <p:sp>
+        <p:nvSpPr>
+          <p:cNvPr id="24" name="楕円 23"/>
+          <p:cNvSpPr/>
+          <p:nvPr/>
+        </p:nvSpPr>
+        <p:spPr>
+          <a:xfrm>
+            <a:off x="8399450" y="1464879"/>
+            <a:ext cx="448407" cy="404875"/>
+          </a:xfrm>
+          <a:prstGeom prst="ellipse">
+            <a:avLst/>
+          </a:prstGeom>
+        </p:spPr>
+        <p:style>
+          <a:lnRef idx="2">
+            <a:schemeClr val="accent1">
+              <a:shade val="50000"/>
+            </a:schemeClr>
+          </a:lnRef>
+          <a:fillRef idx="1">
+            <a:schemeClr val="accent1"/>
+          </a:fillRef>
+          <a:effectRef idx="0">
+            <a:schemeClr val="accent1"/>
+          </a:effectRef>
+          <a:fontRef idx="minor">
+            <a:schemeClr val="lt1"/>
+          </a:fontRef>
+        </p:style>
+        <p:txBody>
+          <a:bodyPr rtlCol="0" anchor="ctr"/>
+          <a:lstStyle/>
+          <a:p>
+            <a:pPr algn="ctr"/>
+            <a:endParaRPr kumimoji="1" lang="ja-JP" altLang="en-US"/>
+          </a:p>
+        </p:txBody>
+      </p:sp>
+      <p:sp>
+        <p:nvSpPr>
+          <p:cNvPr id="25" name="楕円 24"/>
+          <p:cNvSpPr/>
+          <p:nvPr/>
+        </p:nvSpPr>
+        <p:spPr>
+          <a:xfrm>
+            <a:off x="8696923" y="1475758"/>
+            <a:ext cx="448407" cy="404875"/>
+          </a:xfrm>
+          <a:prstGeom prst="ellipse">
             <a:avLst/>
           </a:prstGeom>
         </p:spPr>
@@ -4151,61 +7743,30 @@
       </p:sp>
       <p:sp>
         <p:nvSpPr>
-          <p:cNvPr id="2" name="タイトル 1"/>
-          <p:cNvSpPr>
-            <a:spLocks noGrp="1"/>
-          </p:cNvSpPr>
-          <p:nvPr>
-            <p:ph type="title"/>
-          </p:nvPr>
-        </p:nvSpPr>
-        <p:spPr/>
-        <p:txBody>
-          <a:bodyPr/>
-          <a:lstStyle/>
-          <a:p>
-            <a:r>
-              <a:rPr kumimoji="1" lang="ja-JP" altLang="en-US" dirty="0" smtClean="0"/>
-              <a:t>砂浜</a:t>
-            </a:r>
-            <a:endParaRPr kumimoji="1" lang="ja-JP" altLang="en-US" dirty="0"/>
-          </a:p>
-        </p:txBody>
-      </p:sp>
-      <p:sp>
-        <p:nvSpPr>
-          <p:cNvPr id="5" name="楕円 4"/>
+          <p:cNvPr id="26" name="楕円 25"/>
           <p:cNvSpPr/>
           <p:nvPr/>
         </p:nvSpPr>
         <p:spPr>
           <a:xfrm>
-            <a:off x="3472963" y="4185138"/>
-            <a:ext cx="5108330" cy="2206869"/>
+            <a:off x="9437544" y="1446630"/>
+            <a:ext cx="448407" cy="404875"/>
           </a:xfrm>
           <a:prstGeom prst="ellipse">
             <a:avLst/>
           </a:prstGeom>
-          <a:solidFill>
-            <a:schemeClr val="bg1"/>
-          </a:solidFill>
-          <a:ln w="76200">
-            <a:solidFill>
-              <a:schemeClr val="tx1"/>
-            </a:solidFill>
-          </a:ln>
         </p:spPr>
         <p:style>
           <a:lnRef idx="2">
-            <a:schemeClr val="accent1">
+            <a:schemeClr val="accent5">
               <a:shade val="50000"/>
             </a:schemeClr>
           </a:lnRef>
           <a:fillRef idx="1">
-            <a:schemeClr val="accent1"/>
+            <a:schemeClr val="accent5"/>
           </a:fillRef>
           <a:effectRef idx="0">
-            <a:schemeClr val="accent1"/>
+            <a:schemeClr val="accent5"/>
           </a:effectRef>
           <a:fontRef idx="minor">
             <a:schemeClr val="lt1"/>
@@ -4222,36 +7783,30 @@
       </p:sp>
       <p:sp>
         <p:nvSpPr>
-          <p:cNvPr id="6" name="平行四辺形 5"/>
+          <p:cNvPr id="27" name="楕円 26"/>
           <p:cNvSpPr/>
           <p:nvPr/>
         </p:nvSpPr>
         <p:spPr>
           <a:xfrm>
-            <a:off x="1459524" y="1203752"/>
-            <a:ext cx="9135208" cy="2871799"/>
-          </a:xfrm>
-          <a:prstGeom prst="parallelogram">
-            <a:avLst/>
-          </a:prstGeom>
-          <a:solidFill>
-            <a:schemeClr val="accent1">
-              <a:lumMod val="40000"/>
-              <a:lumOff val="60000"/>
-            </a:schemeClr>
-          </a:solidFill>
+            <a:off x="9033962" y="1482735"/>
+            <a:ext cx="448407" cy="404875"/>
+          </a:xfrm>
+          <a:prstGeom prst="ellipse">
+            <a:avLst/>
+          </a:prstGeom>
         </p:spPr>
         <p:style>
           <a:lnRef idx="2">
-            <a:schemeClr val="accent1">
+            <a:schemeClr val="accent3">
               <a:shade val="50000"/>
             </a:schemeClr>
           </a:lnRef>
           <a:fillRef idx="1">
-            <a:schemeClr val="accent1"/>
+            <a:schemeClr val="accent3"/>
           </a:fillRef>
           <a:effectRef idx="0">
-            <a:schemeClr val="accent1"/>
+            <a:schemeClr val="accent3"/>
           </a:effectRef>
           <a:fontRef idx="minor">
             <a:schemeClr val="lt1"/>
@@ -4262,133 +7817,94 @@
           <a:lstStyle/>
           <a:p>
             <a:pPr algn="ctr"/>
-            <a:r>
-              <a:rPr kumimoji="1" lang="ja-JP" altLang="en-US" sz="16600" b="1" dirty="0" smtClean="0">
-                <a:effectLst>
-                  <a:outerShdw blurRad="38100" dist="38100" dir="2700000" algn="tl">
-                    <a:srgbClr val="000000">
-                      <a:alpha val="43137"/>
-                    </a:srgbClr>
-                  </a:outerShdw>
-                </a:effectLst>
-              </a:rPr>
-              <a:t>海</a:t>
-            </a:r>
-            <a:endParaRPr kumimoji="1" lang="ja-JP" altLang="en-US" sz="16600" b="1" dirty="0">
-              <a:effectLst>
-                <a:outerShdw blurRad="38100" dist="38100" dir="2700000" algn="tl">
-                  <a:srgbClr val="000000">
-                    <a:alpha val="43137"/>
-                  </a:srgbClr>
-                </a:outerShdw>
-              </a:effectLst>
-            </a:endParaRPr>
-          </a:p>
-        </p:txBody>
-      </p:sp>
-      <p:sp>
-        <p:nvSpPr>
-          <p:cNvPr id="8" name="テキスト ボックス 7"/>
-          <p:cNvSpPr txBox="1"/>
-          <p:nvPr/>
-        </p:nvSpPr>
-        <p:spPr>
-          <a:xfrm>
-            <a:off x="1899138" y="4501662"/>
-            <a:ext cx="720969" cy="2123658"/>
-          </a:xfrm>
-          <a:prstGeom prst="rect">
-            <a:avLst/>
-          </a:prstGeom>
-          <a:noFill/>
-        </p:spPr>
-        <p:txBody>
-          <a:bodyPr wrap="square" rtlCol="0">
-            <a:spAutoFit/>
-          </a:bodyPr>
-          <a:lstStyle/>
-          <a:p>
-            <a:r>
-              <a:rPr kumimoji="1" lang="ja-JP" altLang="en-US" sz="6600" b="1" dirty="0" smtClean="0">
-                <a:effectLst>
-                  <a:outerShdw blurRad="38100" dist="38100" dir="2700000" algn="tl">
-                    <a:srgbClr val="000000">
-                      <a:alpha val="43137"/>
-                    </a:srgbClr>
-                  </a:outerShdw>
-                </a:effectLst>
-              </a:rPr>
-              <a:t>砂浜</a:t>
-            </a:r>
-            <a:endParaRPr kumimoji="1" lang="ja-JP" altLang="en-US" sz="6600" b="1" dirty="0">
-              <a:effectLst>
-                <a:outerShdw blurRad="38100" dist="38100" dir="2700000" algn="tl">
-                  <a:srgbClr val="000000">
-                    <a:alpha val="43137"/>
-                  </a:srgbClr>
-                </a:outerShdw>
-              </a:effectLst>
-            </a:endParaRPr>
-          </a:p>
-        </p:txBody>
-      </p:sp>
-      <p:sp>
-        <p:nvSpPr>
-          <p:cNvPr id="9" name="テキスト ボックス 8"/>
-          <p:cNvSpPr txBox="1"/>
-          <p:nvPr/>
-        </p:nvSpPr>
-        <p:spPr>
-          <a:xfrm>
-            <a:off x="4985238" y="4818185"/>
-            <a:ext cx="2250831" cy="1015663"/>
-          </a:xfrm>
-          <a:prstGeom prst="rect">
-            <a:avLst/>
-          </a:prstGeom>
-          <a:noFill/>
-        </p:spPr>
-        <p:txBody>
-          <a:bodyPr wrap="square" rtlCol="0">
-            <a:spAutoFit/>
-          </a:bodyPr>
+            <a:endParaRPr kumimoji="1" lang="ja-JP" altLang="en-US"/>
+          </a:p>
+        </p:txBody>
+      </p:sp>
+      <p:sp>
+        <p:nvSpPr>
+          <p:cNvPr id="28" name="楕円 27"/>
+          <p:cNvSpPr/>
+          <p:nvPr/>
+        </p:nvSpPr>
+        <p:spPr>
+          <a:xfrm>
+            <a:off x="9355312" y="3669559"/>
+            <a:ext cx="448407" cy="404875"/>
+          </a:xfrm>
+          <a:prstGeom prst="ellipse">
+            <a:avLst/>
+          </a:prstGeom>
+        </p:spPr>
+        <p:style>
+          <a:lnRef idx="2">
+            <a:schemeClr val="accent5">
+              <a:shade val="50000"/>
+            </a:schemeClr>
+          </a:lnRef>
+          <a:fillRef idx="1">
+            <a:schemeClr val="accent5"/>
+          </a:fillRef>
+          <a:effectRef idx="0">
+            <a:schemeClr val="accent5"/>
+          </a:effectRef>
+          <a:fontRef idx="minor">
+            <a:schemeClr val="lt1"/>
+          </a:fontRef>
+        </p:style>
+        <p:txBody>
+          <a:bodyPr rtlCol="0" anchor="ctr"/>
           <a:lstStyle/>
           <a:p>
             <a:pPr algn="ctr"/>
-            <a:r>
-              <a:rPr lang="ja-JP" altLang="en-US" sz="6000" b="1" dirty="0">
-                <a:solidFill>
-                  <a:srgbClr val="FF0000"/>
-                </a:solidFill>
-                <a:effectLst>
-                  <a:outerShdw blurRad="38100" dist="38100" dir="2700000" algn="tl">
-                    <a:srgbClr val="000000">
-                      <a:alpha val="43137"/>
-                    </a:srgbClr>
-                  </a:outerShdw>
-                </a:effectLst>
-              </a:rPr>
-              <a:t>戦場</a:t>
-            </a:r>
-            <a:endParaRPr kumimoji="1" lang="ja-JP" altLang="en-US" sz="6000" b="1" dirty="0">
-              <a:solidFill>
-                <a:srgbClr val="FF0000"/>
-              </a:solidFill>
-              <a:effectLst>
-                <a:outerShdw blurRad="38100" dist="38100" dir="2700000" algn="tl">
-                  <a:srgbClr val="000000">
-                    <a:alpha val="43137"/>
-                  </a:srgbClr>
-                </a:outerShdw>
-              </a:effectLst>
-            </a:endParaRPr>
+            <a:endParaRPr kumimoji="1" lang="ja-JP" altLang="en-US"/>
+          </a:p>
+        </p:txBody>
+      </p:sp>
+      <p:sp>
+        <p:nvSpPr>
+          <p:cNvPr id="30" name="楕円 29"/>
+          <p:cNvSpPr/>
+          <p:nvPr/>
+        </p:nvSpPr>
+        <p:spPr>
+          <a:xfrm>
+            <a:off x="9258165" y="4002565"/>
+            <a:ext cx="448407" cy="404875"/>
+          </a:xfrm>
+          <a:prstGeom prst="ellipse">
+            <a:avLst/>
+          </a:prstGeom>
+        </p:spPr>
+        <p:style>
+          <a:lnRef idx="2">
+            <a:schemeClr val="accent4">
+              <a:shade val="50000"/>
+            </a:schemeClr>
+          </a:lnRef>
+          <a:fillRef idx="1">
+            <a:schemeClr val="accent4"/>
+          </a:fillRef>
+          <a:effectRef idx="0">
+            <a:schemeClr val="accent4"/>
+          </a:effectRef>
+          <a:fontRef idx="minor">
+            <a:schemeClr val="lt1"/>
+          </a:fontRef>
+        </p:style>
+        <p:txBody>
+          <a:bodyPr rtlCol="0" anchor="ctr"/>
+          <a:lstStyle/>
+          <a:p>
+            <a:pPr algn="ctr"/>
+            <a:endParaRPr kumimoji="1" lang="ja-JP" altLang="en-US"/>
           </a:p>
         </p:txBody>
       </p:sp>
     </p:spTree>
     <p:extLst>
       <p:ext uri="{BB962C8B-B14F-4D97-AF65-F5344CB8AC3E}">
-        <p14:creationId xmlns:p14="http://schemas.microsoft.com/office/powerpoint/2010/main" val="3341429340"/>
+        <p14:creationId xmlns:p14="http://schemas.microsoft.com/office/powerpoint/2010/main" val="322552948"/>
       </p:ext>
     </p:extLst>
   </p:cSld>
@@ -4399,9 +7915,9 @@
 </file>
 
 <file path=ppt/theme/theme1.xml><?xml version="1.0" encoding="utf-8"?>
-<a:theme xmlns:a="http://schemas.openxmlformats.org/drawingml/2006/main" name="Office テーマ">
+<a:theme xmlns:a="http://schemas.openxmlformats.org/drawingml/2006/main" name="Office Theme">
   <a:themeElements>
-    <a:clrScheme name="Office">
+    <a:clrScheme name="Office テーマ">
       <a:dk1>
         <a:sysClr val="windowText" lastClr="000000"/>
       </a:dk1>
@@ -4439,9 +7955,9 @@
         <a:srgbClr val="954F72"/>
       </a:folHlink>
     </a:clrScheme>
-    <a:fontScheme name="Office">
+    <a:fontScheme name="Office テーマ">
       <a:majorFont>
-        <a:latin typeface="游ゴシック Light" panose="020F0302020204030204"/>
+        <a:latin typeface="Calibri Light" panose="020F0302020204030204"/>
         <a:ea typeface=""/>
         <a:cs typeface=""/>
         <a:font script="Jpan" typeface="游ゴシック Light"/>
@@ -4476,7 +7992,7 @@
         <a:font script="Geor" typeface="Sylfaen"/>
       </a:majorFont>
       <a:minorFont>
-        <a:latin typeface="游ゴシック" panose="020F0502020204030204"/>
+        <a:latin typeface="Calibri" panose="020F0502020204030204"/>
         <a:ea typeface=""/>
         <a:cs typeface=""/>
         <a:font script="Jpan" typeface="游ゴシック"/>
@@ -4511,7 +8027,7 @@
         <a:font script="Geor" typeface="Sylfaen"/>
       </a:minorFont>
     </a:fontScheme>
-    <a:fmtScheme name="Office">
+    <a:fmtScheme name="Office テーマ">
       <a:fillStyleLst>
         <a:solidFill>
           <a:schemeClr val="phClr"/>
